--- a/Submission2/Topic-2.pptx
+++ b/Submission2/Topic-2.pptx
@@ -5,10 +5,10 @@
     <p:sldMasterId id="2147484330" r:id="rId4"/>
   </p:sldMasterIdLst>
   <p:notesMasterIdLst>
-    <p:notesMasterId r:id="rId26"/>
+    <p:notesMasterId r:id="rId28"/>
   </p:notesMasterIdLst>
   <p:handoutMasterIdLst>
-    <p:handoutMasterId r:id="rId27"/>
+    <p:handoutMasterId r:id="rId29"/>
   </p:handoutMasterIdLst>
   <p:sldIdLst>
     <p:sldId id="256" r:id="rId5"/>
@@ -31,7 +31,9 @@
     <p:sldId id="286" r:id="rId22"/>
     <p:sldId id="288" r:id="rId23"/>
     <p:sldId id="289" r:id="rId24"/>
-    <p:sldId id="258" r:id="rId25"/>
+    <p:sldId id="290" r:id="rId25"/>
+    <p:sldId id="291" r:id="rId26"/>
+    <p:sldId id="292" r:id="rId27"/>
   </p:sldIdLst>
   <p:sldSz cx="12436475" cy="6994525"/>
   <p:notesSz cx="6858000" cy="9144000"/>
@@ -277,6 +279,2079 @@
 </p:cmAuthorLst>
 </file>
 
+<file path=ppt/charts/chart1.xml><?xml version="1.0" encoding="utf-8"?>
+<c:chartSpace xmlns:c="http://schemas.openxmlformats.org/drawingml/2006/chart" xmlns:a="http://schemas.openxmlformats.org/drawingml/2006/main" xmlns:r="http://schemas.openxmlformats.org/officeDocument/2006/relationships" xmlns:c16r2="http://schemas.microsoft.com/office/drawing/2015/06/chart">
+  <c:date1904 val="0"/>
+  <c:lang val="de-DE"/>
+  <c:roundedCorners val="0"/>
+  <mc:AlternateContent xmlns:mc="http://schemas.openxmlformats.org/markup-compatibility/2006">
+    <mc:Choice xmlns:c14="http://schemas.microsoft.com/office/drawing/2007/8/2/chart" Requires="c14">
+      <c14:style val="102"/>
+    </mc:Choice>
+    <mc:Fallback>
+      <c:style val="2"/>
+    </mc:Fallback>
+  </mc:AlternateContent>
+  <c:chart>
+    <c:title>
+      <c:tx>
+        <c:rich>
+          <a:bodyPr rot="0" vert="horz"/>
+          <a:lstStyle/>
+          <a:p>
+            <a:pPr>
+              <a:defRPr/>
+            </a:pPr>
+            <a:r>
+              <a:rPr lang="de-DE"/>
+              <a:t>Demand Profile for DE_KN_residential2_grid_import</a:t>
+            </a:r>
+          </a:p>
+        </c:rich>
+      </c:tx>
+      <c:overlay val="0"/>
+      <c:spPr>
+        <a:noFill/>
+        <a:ln>
+          <a:noFill/>
+        </a:ln>
+        <a:effectLst/>
+      </c:spPr>
+    </c:title>
+    <c:autoTitleDeleted val="0"/>
+    <c:plotArea>
+      <c:layout/>
+      <c:scatterChart>
+        <c:scatterStyle val="lineMarker"/>
+        <c:varyColors val="0"/>
+        <c:ser>
+          <c:idx val="1"/>
+          <c:order val="0"/>
+          <c:xVal>
+            <c:numRef>
+              <c:f>Tabelle1!$B$31:$B$54</c:f>
+              <c:numCache>
+                <c:formatCode>General</c:formatCode>
+                <c:ptCount val="24"/>
+                <c:pt idx="0">
+                  <c:v>0</c:v>
+                </c:pt>
+                <c:pt idx="1">
+                  <c:v>1</c:v>
+                </c:pt>
+                <c:pt idx="2">
+                  <c:v>2</c:v>
+                </c:pt>
+                <c:pt idx="3">
+                  <c:v>3</c:v>
+                </c:pt>
+                <c:pt idx="4">
+                  <c:v>4</c:v>
+                </c:pt>
+                <c:pt idx="5">
+                  <c:v>5</c:v>
+                </c:pt>
+                <c:pt idx="6">
+                  <c:v>6</c:v>
+                </c:pt>
+                <c:pt idx="7">
+                  <c:v>7</c:v>
+                </c:pt>
+                <c:pt idx="8">
+                  <c:v>8</c:v>
+                </c:pt>
+                <c:pt idx="9">
+                  <c:v>9</c:v>
+                </c:pt>
+                <c:pt idx="10">
+                  <c:v>10</c:v>
+                </c:pt>
+                <c:pt idx="11">
+                  <c:v>11</c:v>
+                </c:pt>
+                <c:pt idx="12">
+                  <c:v>12</c:v>
+                </c:pt>
+                <c:pt idx="13">
+                  <c:v>13</c:v>
+                </c:pt>
+                <c:pt idx="14">
+                  <c:v>14</c:v>
+                </c:pt>
+                <c:pt idx="15">
+                  <c:v>15</c:v>
+                </c:pt>
+                <c:pt idx="16">
+                  <c:v>16</c:v>
+                </c:pt>
+                <c:pt idx="17">
+                  <c:v>17</c:v>
+                </c:pt>
+                <c:pt idx="18">
+                  <c:v>18</c:v>
+                </c:pt>
+                <c:pt idx="19">
+                  <c:v>19</c:v>
+                </c:pt>
+                <c:pt idx="20">
+                  <c:v>20</c:v>
+                </c:pt>
+                <c:pt idx="21">
+                  <c:v>21</c:v>
+                </c:pt>
+                <c:pt idx="22">
+                  <c:v>22</c:v>
+                </c:pt>
+                <c:pt idx="23">
+                  <c:v>23</c:v>
+                </c:pt>
+              </c:numCache>
+            </c:numRef>
+          </c:xVal>
+          <c:yVal>
+            <c:numRef>
+              <c:f>Tabelle1!$C$31:$C$54</c:f>
+              <c:numCache>
+                <c:formatCode>General</c:formatCode>
+                <c:ptCount val="24"/>
+                <c:pt idx="0">
+                  <c:v>0.16608545829999999</c:v>
+                </c:pt>
+                <c:pt idx="1">
+                  <c:v>0.13140948559999999</c:v>
+                </c:pt>
+                <c:pt idx="2">
+                  <c:v>0.1171889336</c:v>
+                </c:pt>
+                <c:pt idx="3">
+                  <c:v>0.1146407943</c:v>
+                </c:pt>
+                <c:pt idx="4">
+                  <c:v>0.1177308678</c:v>
+                </c:pt>
+                <c:pt idx="5">
+                  <c:v>0.1275702501</c:v>
+                </c:pt>
+                <c:pt idx="6">
+                  <c:v>0.14173353029999999</c:v>
+                </c:pt>
+                <c:pt idx="7">
+                  <c:v>0.21606124560000001</c:v>
+                </c:pt>
+                <c:pt idx="8">
+                  <c:v>0.2671884531</c:v>
+                </c:pt>
+                <c:pt idx="9">
+                  <c:v>0.27981026679999998</c:v>
+                </c:pt>
+                <c:pt idx="10">
+                  <c:v>0.30423227180000001</c:v>
+                </c:pt>
+                <c:pt idx="11">
+                  <c:v>0.29298588739999998</c:v>
+                </c:pt>
+                <c:pt idx="12">
+                  <c:v>0.32416168620000002</c:v>
+                </c:pt>
+                <c:pt idx="13">
+                  <c:v>0.33441821249999998</c:v>
+                </c:pt>
+                <c:pt idx="14">
+                  <c:v>0.27878779739999998</c:v>
+                </c:pt>
+                <c:pt idx="15">
+                  <c:v>0.26336315570000002</c:v>
+                </c:pt>
+                <c:pt idx="16">
+                  <c:v>0.27527677189999999</c:v>
+                </c:pt>
+                <c:pt idx="17">
+                  <c:v>0.26490756310000002</c:v>
+                </c:pt>
+                <c:pt idx="18">
+                  <c:v>0.32065785320000001</c:v>
+                </c:pt>
+                <c:pt idx="19">
+                  <c:v>0.37707798879999999</c:v>
+                </c:pt>
+                <c:pt idx="20">
+                  <c:v>0.3912726144</c:v>
+                </c:pt>
+                <c:pt idx="21">
+                  <c:v>0.37046030410000003</c:v>
+                </c:pt>
+                <c:pt idx="22">
+                  <c:v>0.29870418999999998</c:v>
+                </c:pt>
+                <c:pt idx="23">
+                  <c:v>0.23783063560000001</c:v>
+                </c:pt>
+              </c:numCache>
+            </c:numRef>
+          </c:yVal>
+          <c:smooth val="0"/>
+          <c:extLst>
+            <c:ext xmlns:c16="http://schemas.microsoft.com/office/drawing/2014/chart" uri="{C3380CC4-5D6E-409C-BE32-E72D297353CC}">
+              <c16:uniqueId val="{00000000-E481-4E09-92ED-3DA00D4E7B67}"/>
+            </c:ext>
+          </c:extLst>
+        </c:ser>
+        <c:ser>
+          <c:idx val="2"/>
+          <c:order val="1"/>
+          <c:spPr>
+            <a:ln w="19050" cap="rnd">
+              <a:solidFill>
+                <a:schemeClr val="accent1"/>
+              </a:solidFill>
+              <a:round/>
+            </a:ln>
+            <a:effectLst/>
+          </c:spPr>
+          <c:xVal>
+            <c:numRef>
+              <c:f>Tabelle1!$B$31:$B$54</c:f>
+              <c:numCache>
+                <c:formatCode>General</c:formatCode>
+                <c:ptCount val="24"/>
+                <c:pt idx="0">
+                  <c:v>0</c:v>
+                </c:pt>
+                <c:pt idx="1">
+                  <c:v>1</c:v>
+                </c:pt>
+                <c:pt idx="2">
+                  <c:v>2</c:v>
+                </c:pt>
+                <c:pt idx="3">
+                  <c:v>3</c:v>
+                </c:pt>
+                <c:pt idx="4">
+                  <c:v>4</c:v>
+                </c:pt>
+                <c:pt idx="5">
+                  <c:v>5</c:v>
+                </c:pt>
+                <c:pt idx="6">
+                  <c:v>6</c:v>
+                </c:pt>
+                <c:pt idx="7">
+                  <c:v>7</c:v>
+                </c:pt>
+                <c:pt idx="8">
+                  <c:v>8</c:v>
+                </c:pt>
+                <c:pt idx="9">
+                  <c:v>9</c:v>
+                </c:pt>
+                <c:pt idx="10">
+                  <c:v>10</c:v>
+                </c:pt>
+                <c:pt idx="11">
+                  <c:v>11</c:v>
+                </c:pt>
+                <c:pt idx="12">
+                  <c:v>12</c:v>
+                </c:pt>
+                <c:pt idx="13">
+                  <c:v>13</c:v>
+                </c:pt>
+                <c:pt idx="14">
+                  <c:v>14</c:v>
+                </c:pt>
+                <c:pt idx="15">
+                  <c:v>15</c:v>
+                </c:pt>
+                <c:pt idx="16">
+                  <c:v>16</c:v>
+                </c:pt>
+                <c:pt idx="17">
+                  <c:v>17</c:v>
+                </c:pt>
+                <c:pt idx="18">
+                  <c:v>18</c:v>
+                </c:pt>
+                <c:pt idx="19">
+                  <c:v>19</c:v>
+                </c:pt>
+                <c:pt idx="20">
+                  <c:v>20</c:v>
+                </c:pt>
+                <c:pt idx="21">
+                  <c:v>21</c:v>
+                </c:pt>
+                <c:pt idx="22">
+                  <c:v>22</c:v>
+                </c:pt>
+                <c:pt idx="23">
+                  <c:v>23</c:v>
+                </c:pt>
+              </c:numCache>
+            </c:numRef>
+          </c:xVal>
+          <c:yVal>
+            <c:numRef>
+              <c:f>Tabelle1!$C$31:$C$54</c:f>
+              <c:numCache>
+                <c:formatCode>General</c:formatCode>
+                <c:ptCount val="24"/>
+                <c:pt idx="0">
+                  <c:v>0.16608545829999999</c:v>
+                </c:pt>
+                <c:pt idx="1">
+                  <c:v>0.13140948559999999</c:v>
+                </c:pt>
+                <c:pt idx="2">
+                  <c:v>0.1171889336</c:v>
+                </c:pt>
+                <c:pt idx="3">
+                  <c:v>0.1146407943</c:v>
+                </c:pt>
+                <c:pt idx="4">
+                  <c:v>0.1177308678</c:v>
+                </c:pt>
+                <c:pt idx="5">
+                  <c:v>0.1275702501</c:v>
+                </c:pt>
+                <c:pt idx="6">
+                  <c:v>0.14173353029999999</c:v>
+                </c:pt>
+                <c:pt idx="7">
+                  <c:v>0.21606124560000001</c:v>
+                </c:pt>
+                <c:pt idx="8">
+                  <c:v>0.2671884531</c:v>
+                </c:pt>
+                <c:pt idx="9">
+                  <c:v>0.27981026679999998</c:v>
+                </c:pt>
+                <c:pt idx="10">
+                  <c:v>0.30423227180000001</c:v>
+                </c:pt>
+                <c:pt idx="11">
+                  <c:v>0.29298588739999998</c:v>
+                </c:pt>
+                <c:pt idx="12">
+                  <c:v>0.32416168620000002</c:v>
+                </c:pt>
+                <c:pt idx="13">
+                  <c:v>0.33441821249999998</c:v>
+                </c:pt>
+                <c:pt idx="14">
+                  <c:v>0.27878779739999998</c:v>
+                </c:pt>
+                <c:pt idx="15">
+                  <c:v>0.26336315570000002</c:v>
+                </c:pt>
+                <c:pt idx="16">
+                  <c:v>0.27527677189999999</c:v>
+                </c:pt>
+                <c:pt idx="17">
+                  <c:v>0.26490756310000002</c:v>
+                </c:pt>
+                <c:pt idx="18">
+                  <c:v>0.32065785320000001</c:v>
+                </c:pt>
+                <c:pt idx="19">
+                  <c:v>0.37707798879999999</c:v>
+                </c:pt>
+                <c:pt idx="20">
+                  <c:v>0.3912726144</c:v>
+                </c:pt>
+                <c:pt idx="21">
+                  <c:v>0.37046030410000003</c:v>
+                </c:pt>
+                <c:pt idx="22">
+                  <c:v>0.29870418999999998</c:v>
+                </c:pt>
+                <c:pt idx="23">
+                  <c:v>0.23783063560000001</c:v>
+                </c:pt>
+              </c:numCache>
+            </c:numRef>
+          </c:yVal>
+          <c:smooth val="0"/>
+          <c:extLst>
+            <c:ext xmlns:c16="http://schemas.microsoft.com/office/drawing/2014/chart" uri="{C3380CC4-5D6E-409C-BE32-E72D297353CC}">
+              <c16:uniqueId val="{00000001-E481-4E09-92ED-3DA00D4E7B67}"/>
+            </c:ext>
+          </c:extLst>
+        </c:ser>
+        <c:ser>
+          <c:idx val="3"/>
+          <c:order val="2"/>
+          <c:spPr>
+            <a:ln w="19050" cap="rnd">
+              <a:solidFill>
+                <a:schemeClr val="accent1"/>
+              </a:solidFill>
+              <a:round/>
+            </a:ln>
+            <a:effectLst/>
+          </c:spPr>
+          <c:xVal>
+            <c:numRef>
+              <c:f>Tabelle1!$B$31:$B$54</c:f>
+              <c:numCache>
+                <c:formatCode>General</c:formatCode>
+                <c:ptCount val="24"/>
+                <c:pt idx="0">
+                  <c:v>0</c:v>
+                </c:pt>
+                <c:pt idx="1">
+                  <c:v>1</c:v>
+                </c:pt>
+                <c:pt idx="2">
+                  <c:v>2</c:v>
+                </c:pt>
+                <c:pt idx="3">
+                  <c:v>3</c:v>
+                </c:pt>
+                <c:pt idx="4">
+                  <c:v>4</c:v>
+                </c:pt>
+                <c:pt idx="5">
+                  <c:v>5</c:v>
+                </c:pt>
+                <c:pt idx="6">
+                  <c:v>6</c:v>
+                </c:pt>
+                <c:pt idx="7">
+                  <c:v>7</c:v>
+                </c:pt>
+                <c:pt idx="8">
+                  <c:v>8</c:v>
+                </c:pt>
+                <c:pt idx="9">
+                  <c:v>9</c:v>
+                </c:pt>
+                <c:pt idx="10">
+                  <c:v>10</c:v>
+                </c:pt>
+                <c:pt idx="11">
+                  <c:v>11</c:v>
+                </c:pt>
+                <c:pt idx="12">
+                  <c:v>12</c:v>
+                </c:pt>
+                <c:pt idx="13">
+                  <c:v>13</c:v>
+                </c:pt>
+                <c:pt idx="14">
+                  <c:v>14</c:v>
+                </c:pt>
+                <c:pt idx="15">
+                  <c:v>15</c:v>
+                </c:pt>
+                <c:pt idx="16">
+                  <c:v>16</c:v>
+                </c:pt>
+                <c:pt idx="17">
+                  <c:v>17</c:v>
+                </c:pt>
+                <c:pt idx="18">
+                  <c:v>18</c:v>
+                </c:pt>
+                <c:pt idx="19">
+                  <c:v>19</c:v>
+                </c:pt>
+                <c:pt idx="20">
+                  <c:v>20</c:v>
+                </c:pt>
+                <c:pt idx="21">
+                  <c:v>21</c:v>
+                </c:pt>
+                <c:pt idx="22">
+                  <c:v>22</c:v>
+                </c:pt>
+                <c:pt idx="23">
+                  <c:v>23</c:v>
+                </c:pt>
+              </c:numCache>
+            </c:numRef>
+          </c:xVal>
+          <c:yVal>
+            <c:numRef>
+              <c:f>Tabelle1!$C$31:$C$54</c:f>
+              <c:numCache>
+                <c:formatCode>General</c:formatCode>
+                <c:ptCount val="24"/>
+                <c:pt idx="0">
+                  <c:v>0.16608545829999999</c:v>
+                </c:pt>
+                <c:pt idx="1">
+                  <c:v>0.13140948559999999</c:v>
+                </c:pt>
+                <c:pt idx="2">
+                  <c:v>0.1171889336</c:v>
+                </c:pt>
+                <c:pt idx="3">
+                  <c:v>0.1146407943</c:v>
+                </c:pt>
+                <c:pt idx="4">
+                  <c:v>0.1177308678</c:v>
+                </c:pt>
+                <c:pt idx="5">
+                  <c:v>0.1275702501</c:v>
+                </c:pt>
+                <c:pt idx="6">
+                  <c:v>0.14173353029999999</c:v>
+                </c:pt>
+                <c:pt idx="7">
+                  <c:v>0.21606124560000001</c:v>
+                </c:pt>
+                <c:pt idx="8">
+                  <c:v>0.2671884531</c:v>
+                </c:pt>
+                <c:pt idx="9">
+                  <c:v>0.27981026679999998</c:v>
+                </c:pt>
+                <c:pt idx="10">
+                  <c:v>0.30423227180000001</c:v>
+                </c:pt>
+                <c:pt idx="11">
+                  <c:v>0.29298588739999998</c:v>
+                </c:pt>
+                <c:pt idx="12">
+                  <c:v>0.32416168620000002</c:v>
+                </c:pt>
+                <c:pt idx="13">
+                  <c:v>0.33441821249999998</c:v>
+                </c:pt>
+                <c:pt idx="14">
+                  <c:v>0.27878779739999998</c:v>
+                </c:pt>
+                <c:pt idx="15">
+                  <c:v>0.26336315570000002</c:v>
+                </c:pt>
+                <c:pt idx="16">
+                  <c:v>0.27527677189999999</c:v>
+                </c:pt>
+                <c:pt idx="17">
+                  <c:v>0.26490756310000002</c:v>
+                </c:pt>
+                <c:pt idx="18">
+                  <c:v>0.32065785320000001</c:v>
+                </c:pt>
+                <c:pt idx="19">
+                  <c:v>0.37707798879999999</c:v>
+                </c:pt>
+                <c:pt idx="20">
+                  <c:v>0.3912726144</c:v>
+                </c:pt>
+                <c:pt idx="21">
+                  <c:v>0.37046030410000003</c:v>
+                </c:pt>
+                <c:pt idx="22">
+                  <c:v>0.29870418999999998</c:v>
+                </c:pt>
+                <c:pt idx="23">
+                  <c:v>0.23783063560000001</c:v>
+                </c:pt>
+              </c:numCache>
+            </c:numRef>
+          </c:yVal>
+          <c:smooth val="0"/>
+          <c:extLst>
+            <c:ext xmlns:c16="http://schemas.microsoft.com/office/drawing/2014/chart" uri="{C3380CC4-5D6E-409C-BE32-E72D297353CC}">
+              <c16:uniqueId val="{00000002-E481-4E09-92ED-3DA00D4E7B67}"/>
+            </c:ext>
+          </c:extLst>
+        </c:ser>
+        <c:ser>
+          <c:idx val="0"/>
+          <c:order val="3"/>
+          <c:spPr>
+            <a:ln w="19050" cap="rnd">
+              <a:solidFill>
+                <a:schemeClr val="accent1"/>
+              </a:solidFill>
+              <a:round/>
+            </a:ln>
+            <a:effectLst/>
+          </c:spPr>
+          <c:marker>
+            <c:symbol val="circle"/>
+            <c:size val="5"/>
+            <c:spPr>
+              <a:solidFill>
+                <a:schemeClr val="accent1"/>
+              </a:solidFill>
+              <a:ln w="9525">
+                <a:solidFill>
+                  <a:schemeClr val="accent1"/>
+                </a:solidFill>
+              </a:ln>
+              <a:effectLst/>
+            </c:spPr>
+          </c:marker>
+          <c:xVal>
+            <c:numRef>
+              <c:f>Tabelle1!$B$31:$B$54</c:f>
+              <c:numCache>
+                <c:formatCode>General</c:formatCode>
+                <c:ptCount val="24"/>
+                <c:pt idx="0">
+                  <c:v>0</c:v>
+                </c:pt>
+                <c:pt idx="1">
+                  <c:v>1</c:v>
+                </c:pt>
+                <c:pt idx="2">
+                  <c:v>2</c:v>
+                </c:pt>
+                <c:pt idx="3">
+                  <c:v>3</c:v>
+                </c:pt>
+                <c:pt idx="4">
+                  <c:v>4</c:v>
+                </c:pt>
+                <c:pt idx="5">
+                  <c:v>5</c:v>
+                </c:pt>
+                <c:pt idx="6">
+                  <c:v>6</c:v>
+                </c:pt>
+                <c:pt idx="7">
+                  <c:v>7</c:v>
+                </c:pt>
+                <c:pt idx="8">
+                  <c:v>8</c:v>
+                </c:pt>
+                <c:pt idx="9">
+                  <c:v>9</c:v>
+                </c:pt>
+                <c:pt idx="10">
+                  <c:v>10</c:v>
+                </c:pt>
+                <c:pt idx="11">
+                  <c:v>11</c:v>
+                </c:pt>
+                <c:pt idx="12">
+                  <c:v>12</c:v>
+                </c:pt>
+                <c:pt idx="13">
+                  <c:v>13</c:v>
+                </c:pt>
+                <c:pt idx="14">
+                  <c:v>14</c:v>
+                </c:pt>
+                <c:pt idx="15">
+                  <c:v>15</c:v>
+                </c:pt>
+                <c:pt idx="16">
+                  <c:v>16</c:v>
+                </c:pt>
+                <c:pt idx="17">
+                  <c:v>17</c:v>
+                </c:pt>
+                <c:pt idx="18">
+                  <c:v>18</c:v>
+                </c:pt>
+                <c:pt idx="19">
+                  <c:v>19</c:v>
+                </c:pt>
+                <c:pt idx="20">
+                  <c:v>20</c:v>
+                </c:pt>
+                <c:pt idx="21">
+                  <c:v>21</c:v>
+                </c:pt>
+                <c:pt idx="22">
+                  <c:v>22</c:v>
+                </c:pt>
+                <c:pt idx="23">
+                  <c:v>23</c:v>
+                </c:pt>
+              </c:numCache>
+            </c:numRef>
+          </c:xVal>
+          <c:yVal>
+            <c:numRef>
+              <c:f>Tabelle1!$C$31:$C$54</c:f>
+              <c:numCache>
+                <c:formatCode>General</c:formatCode>
+                <c:ptCount val="24"/>
+                <c:pt idx="0">
+                  <c:v>0.16608545829999999</c:v>
+                </c:pt>
+                <c:pt idx="1">
+                  <c:v>0.13140948559999999</c:v>
+                </c:pt>
+                <c:pt idx="2">
+                  <c:v>0.1171889336</c:v>
+                </c:pt>
+                <c:pt idx="3">
+                  <c:v>0.1146407943</c:v>
+                </c:pt>
+                <c:pt idx="4">
+                  <c:v>0.1177308678</c:v>
+                </c:pt>
+                <c:pt idx="5">
+                  <c:v>0.1275702501</c:v>
+                </c:pt>
+                <c:pt idx="6">
+                  <c:v>0.14173353029999999</c:v>
+                </c:pt>
+                <c:pt idx="7">
+                  <c:v>0.21606124560000001</c:v>
+                </c:pt>
+                <c:pt idx="8">
+                  <c:v>0.2671884531</c:v>
+                </c:pt>
+                <c:pt idx="9">
+                  <c:v>0.27981026679999998</c:v>
+                </c:pt>
+                <c:pt idx="10">
+                  <c:v>0.30423227180000001</c:v>
+                </c:pt>
+                <c:pt idx="11">
+                  <c:v>0.29298588739999998</c:v>
+                </c:pt>
+                <c:pt idx="12">
+                  <c:v>0.32416168620000002</c:v>
+                </c:pt>
+                <c:pt idx="13">
+                  <c:v>0.33441821249999998</c:v>
+                </c:pt>
+                <c:pt idx="14">
+                  <c:v>0.27878779739999998</c:v>
+                </c:pt>
+                <c:pt idx="15">
+                  <c:v>0.26336315570000002</c:v>
+                </c:pt>
+                <c:pt idx="16">
+                  <c:v>0.27527677189999999</c:v>
+                </c:pt>
+                <c:pt idx="17">
+                  <c:v>0.26490756310000002</c:v>
+                </c:pt>
+                <c:pt idx="18">
+                  <c:v>0.32065785320000001</c:v>
+                </c:pt>
+                <c:pt idx="19">
+                  <c:v>0.37707798879999999</c:v>
+                </c:pt>
+                <c:pt idx="20">
+                  <c:v>0.3912726144</c:v>
+                </c:pt>
+                <c:pt idx="21">
+                  <c:v>0.37046030410000003</c:v>
+                </c:pt>
+                <c:pt idx="22">
+                  <c:v>0.29870418999999998</c:v>
+                </c:pt>
+                <c:pt idx="23">
+                  <c:v>0.23783063560000001</c:v>
+                </c:pt>
+              </c:numCache>
+            </c:numRef>
+          </c:yVal>
+          <c:smooth val="0"/>
+          <c:extLst>
+            <c:ext xmlns:c16="http://schemas.microsoft.com/office/drawing/2014/chart" uri="{C3380CC4-5D6E-409C-BE32-E72D297353CC}">
+              <c16:uniqueId val="{00000003-E481-4E09-92ED-3DA00D4E7B67}"/>
+            </c:ext>
+          </c:extLst>
+        </c:ser>
+        <c:dLbls>
+          <c:showLegendKey val="0"/>
+          <c:showVal val="0"/>
+          <c:showCatName val="0"/>
+          <c:showSerName val="0"/>
+          <c:showPercent val="0"/>
+          <c:showBubbleSize val="0"/>
+        </c:dLbls>
+        <c:axId val="1153615608"/>
+        <c:axId val="1153618888"/>
+      </c:scatterChart>
+      <c:valAx>
+        <c:axId val="1153615608"/>
+        <c:scaling>
+          <c:orientation val="minMax"/>
+          <c:max val="23"/>
+        </c:scaling>
+        <c:delete val="0"/>
+        <c:axPos val="b"/>
+        <c:majorGridlines>
+          <c:spPr>
+            <a:ln w="9525" cap="flat" cmpd="sng" algn="ctr">
+              <a:solidFill>
+                <a:schemeClr val="tx1">
+                  <a:lumMod val="15000"/>
+                  <a:lumOff val="85000"/>
+                </a:schemeClr>
+              </a:solidFill>
+              <a:round/>
+            </a:ln>
+            <a:effectLst/>
+          </c:spPr>
+        </c:majorGridlines>
+        <c:title>
+          <c:tx>
+            <c:rich>
+              <a:bodyPr rot="0" vert="horz"/>
+              <a:lstStyle/>
+              <a:p>
+                <a:pPr>
+                  <a:defRPr/>
+                </a:pPr>
+                <a:r>
+                  <a:rPr lang="de-DE"/>
+                  <a:t>Time</a:t>
+                </a:r>
+              </a:p>
+            </c:rich>
+          </c:tx>
+          <c:overlay val="0"/>
+          <c:spPr>
+            <a:noFill/>
+            <a:ln>
+              <a:noFill/>
+            </a:ln>
+            <a:effectLst/>
+          </c:spPr>
+        </c:title>
+        <c:numFmt formatCode="General" sourceLinked="1"/>
+        <c:majorTickMark val="none"/>
+        <c:minorTickMark val="none"/>
+        <c:tickLblPos val="nextTo"/>
+        <c:spPr>
+          <a:noFill/>
+          <a:ln w="9525" cap="flat" cmpd="sng" algn="ctr">
+            <a:solidFill>
+              <a:schemeClr val="tx1">
+                <a:lumMod val="25000"/>
+                <a:lumOff val="75000"/>
+              </a:schemeClr>
+            </a:solidFill>
+            <a:round/>
+          </a:ln>
+          <a:effectLst/>
+        </c:spPr>
+        <c:txPr>
+          <a:bodyPr rot="-60000000" vert="horz"/>
+          <a:lstStyle/>
+          <a:p>
+            <a:pPr>
+              <a:defRPr/>
+            </a:pPr>
+            <a:endParaRPr lang="de-DE"/>
+          </a:p>
+        </c:txPr>
+        <c:crossAx val="1153618888"/>
+        <c:crosses val="autoZero"/>
+        <c:crossBetween val="midCat"/>
+        <c:majorUnit val="1"/>
+      </c:valAx>
+      <c:valAx>
+        <c:axId val="1153618888"/>
+        <c:scaling>
+          <c:orientation val="minMax"/>
+        </c:scaling>
+        <c:delete val="0"/>
+        <c:axPos val="l"/>
+        <c:majorGridlines>
+          <c:spPr>
+            <a:ln w="9525" cap="flat" cmpd="sng" algn="ctr">
+              <a:solidFill>
+                <a:schemeClr val="tx1">
+                  <a:lumMod val="15000"/>
+                  <a:lumOff val="85000"/>
+                </a:schemeClr>
+              </a:solidFill>
+              <a:round/>
+            </a:ln>
+            <a:effectLst/>
+          </c:spPr>
+        </c:majorGridlines>
+        <c:title>
+          <c:tx>
+            <c:rich>
+              <a:bodyPr rot="-5400000" vert="horz"/>
+              <a:lstStyle/>
+              <a:p>
+                <a:pPr>
+                  <a:defRPr/>
+                </a:pPr>
+                <a:r>
+                  <a:rPr lang="de-DE"/>
+                  <a:t>kWh</a:t>
+                </a:r>
+              </a:p>
+            </c:rich>
+          </c:tx>
+          <c:overlay val="0"/>
+          <c:spPr>
+            <a:noFill/>
+            <a:ln>
+              <a:noFill/>
+            </a:ln>
+            <a:effectLst/>
+          </c:spPr>
+        </c:title>
+        <c:numFmt formatCode="General" sourceLinked="1"/>
+        <c:majorTickMark val="none"/>
+        <c:minorTickMark val="none"/>
+        <c:tickLblPos val="nextTo"/>
+        <c:spPr>
+          <a:noFill/>
+          <a:ln w="9525" cap="flat" cmpd="sng" algn="ctr">
+            <a:solidFill>
+              <a:schemeClr val="tx1">
+                <a:lumMod val="25000"/>
+                <a:lumOff val="75000"/>
+              </a:schemeClr>
+            </a:solidFill>
+            <a:round/>
+          </a:ln>
+          <a:effectLst/>
+        </c:spPr>
+        <c:txPr>
+          <a:bodyPr rot="-60000000" vert="horz"/>
+          <a:lstStyle/>
+          <a:p>
+            <a:pPr>
+              <a:defRPr/>
+            </a:pPr>
+            <a:endParaRPr lang="de-DE"/>
+          </a:p>
+        </c:txPr>
+        <c:crossAx val="1153615608"/>
+        <c:crosses val="autoZero"/>
+        <c:crossBetween val="midCat"/>
+      </c:valAx>
+    </c:plotArea>
+    <c:plotVisOnly val="1"/>
+    <c:dispBlanksAs val="gap"/>
+    <c:showDLblsOverMax val="0"/>
+  </c:chart>
+  <c:txPr>
+    <a:bodyPr/>
+    <a:lstStyle/>
+    <a:p>
+      <a:pPr>
+        <a:defRPr sz="1400"/>
+      </a:pPr>
+      <a:endParaRPr lang="de-DE"/>
+    </a:p>
+  </c:txPr>
+  <c:externalData r:id="rId1">
+    <c:autoUpdate val="0"/>
+  </c:externalData>
+</c:chartSpace>
+</file>
+
+<file path=ppt/charts/chart2.xml><?xml version="1.0" encoding="utf-8"?>
+<c:chartSpace xmlns:c="http://schemas.openxmlformats.org/drawingml/2006/chart" xmlns:a="http://schemas.openxmlformats.org/drawingml/2006/main" xmlns:r="http://schemas.openxmlformats.org/officeDocument/2006/relationships" xmlns:c16r2="http://schemas.microsoft.com/office/drawing/2015/06/chart">
+  <c:date1904 val="0"/>
+  <c:lang val="de-DE"/>
+  <c:roundedCorners val="0"/>
+  <mc:AlternateContent xmlns:mc="http://schemas.openxmlformats.org/markup-compatibility/2006">
+    <mc:Choice xmlns:c14="http://schemas.microsoft.com/office/drawing/2007/8/2/chart" Requires="c14">
+      <c14:style val="102"/>
+    </mc:Choice>
+    <mc:Fallback>
+      <c:style val="2"/>
+    </mc:Fallback>
+  </mc:AlternateContent>
+  <c:chart>
+    <c:title>
+      <c:tx>
+        <c:rich>
+          <a:bodyPr rot="0" spcFirstLastPara="1" vertOverflow="ellipsis" vert="horz" wrap="square" anchor="ctr" anchorCtr="1"/>
+          <a:lstStyle/>
+          <a:p>
+            <a:pPr>
+              <a:defRPr sz="1680" b="0" i="0" u="none" strike="noStrike" kern="1200" spc="0" baseline="0">
+                <a:solidFill>
+                  <a:schemeClr val="tx1">
+                    <a:lumMod val="65000"/>
+                    <a:lumOff val="35000"/>
+                  </a:schemeClr>
+                </a:solidFill>
+                <a:latin typeface="+mn-lt"/>
+                <a:ea typeface="+mn-ea"/>
+                <a:cs typeface="+mn-cs"/>
+              </a:defRPr>
+            </a:pPr>
+            <a:r>
+              <a:rPr lang="de-DE"/>
+              <a:t>Demand Profile for DE_KN_industrial3_grid_import</a:t>
+            </a:r>
+          </a:p>
+        </c:rich>
+      </c:tx>
+      <c:overlay val="0"/>
+      <c:spPr>
+        <a:noFill/>
+        <a:ln>
+          <a:noFill/>
+        </a:ln>
+        <a:effectLst/>
+      </c:spPr>
+      <c:txPr>
+        <a:bodyPr rot="0" spcFirstLastPara="1" vertOverflow="ellipsis" vert="horz" wrap="square" anchor="ctr" anchorCtr="1"/>
+        <a:lstStyle/>
+        <a:p>
+          <a:pPr>
+            <a:defRPr sz="1680" b="0" i="0" u="none" strike="noStrike" kern="1200" spc="0" baseline="0">
+              <a:solidFill>
+                <a:schemeClr val="tx1">
+                  <a:lumMod val="65000"/>
+                  <a:lumOff val="35000"/>
+                </a:schemeClr>
+              </a:solidFill>
+              <a:latin typeface="+mn-lt"/>
+              <a:ea typeface="+mn-ea"/>
+              <a:cs typeface="+mn-cs"/>
+            </a:defRPr>
+          </a:pPr>
+          <a:endParaRPr lang="de-DE"/>
+        </a:p>
+      </c:txPr>
+    </c:title>
+    <c:autoTitleDeleted val="0"/>
+    <c:plotArea>
+      <c:layout/>
+      <c:scatterChart>
+        <c:scatterStyle val="lineMarker"/>
+        <c:varyColors val="0"/>
+        <c:ser>
+          <c:idx val="0"/>
+          <c:order val="0"/>
+          <c:spPr>
+            <a:ln w="19050" cap="rnd">
+              <a:solidFill>
+                <a:schemeClr val="accent1"/>
+              </a:solidFill>
+              <a:round/>
+            </a:ln>
+            <a:effectLst/>
+          </c:spPr>
+          <c:marker>
+            <c:symbol val="circle"/>
+            <c:size val="5"/>
+            <c:spPr>
+              <a:solidFill>
+                <a:schemeClr val="accent1"/>
+              </a:solidFill>
+              <a:ln w="9525">
+                <a:solidFill>
+                  <a:schemeClr val="accent1"/>
+                </a:solidFill>
+              </a:ln>
+              <a:effectLst/>
+            </c:spPr>
+          </c:marker>
+          <c:xVal>
+            <c:numRef>
+              <c:f>Tabelle1!$B$85:$B$108</c:f>
+              <c:numCache>
+                <c:formatCode>General</c:formatCode>
+                <c:ptCount val="24"/>
+                <c:pt idx="0">
+                  <c:v>0</c:v>
+                </c:pt>
+                <c:pt idx="1">
+                  <c:v>1</c:v>
+                </c:pt>
+                <c:pt idx="2">
+                  <c:v>2</c:v>
+                </c:pt>
+                <c:pt idx="3">
+                  <c:v>3</c:v>
+                </c:pt>
+                <c:pt idx="4">
+                  <c:v>4</c:v>
+                </c:pt>
+                <c:pt idx="5">
+                  <c:v>5</c:v>
+                </c:pt>
+                <c:pt idx="6">
+                  <c:v>6</c:v>
+                </c:pt>
+                <c:pt idx="7">
+                  <c:v>7</c:v>
+                </c:pt>
+                <c:pt idx="8">
+                  <c:v>8</c:v>
+                </c:pt>
+                <c:pt idx="9">
+                  <c:v>9</c:v>
+                </c:pt>
+                <c:pt idx="10">
+                  <c:v>10</c:v>
+                </c:pt>
+                <c:pt idx="11">
+                  <c:v>11</c:v>
+                </c:pt>
+                <c:pt idx="12">
+                  <c:v>12</c:v>
+                </c:pt>
+                <c:pt idx="13">
+                  <c:v>13</c:v>
+                </c:pt>
+                <c:pt idx="14">
+                  <c:v>14</c:v>
+                </c:pt>
+                <c:pt idx="15">
+                  <c:v>15</c:v>
+                </c:pt>
+                <c:pt idx="16">
+                  <c:v>16</c:v>
+                </c:pt>
+                <c:pt idx="17">
+                  <c:v>17</c:v>
+                </c:pt>
+                <c:pt idx="18">
+                  <c:v>18</c:v>
+                </c:pt>
+                <c:pt idx="19">
+                  <c:v>19</c:v>
+                </c:pt>
+                <c:pt idx="20">
+                  <c:v>20</c:v>
+                </c:pt>
+                <c:pt idx="21">
+                  <c:v>21</c:v>
+                </c:pt>
+                <c:pt idx="22">
+                  <c:v>22</c:v>
+                </c:pt>
+                <c:pt idx="23">
+                  <c:v>23</c:v>
+                </c:pt>
+              </c:numCache>
+            </c:numRef>
+          </c:xVal>
+          <c:yVal>
+            <c:numRef>
+              <c:f>Tabelle1!$C$85:$C$108</c:f>
+              <c:numCache>
+                <c:formatCode>General</c:formatCode>
+                <c:ptCount val="24"/>
+                <c:pt idx="0">
+                  <c:v>67.818172567000005</c:v>
+                </c:pt>
+                <c:pt idx="1">
+                  <c:v>65.220085470100003</c:v>
+                </c:pt>
+                <c:pt idx="2">
+                  <c:v>63.535612535600002</c:v>
+                </c:pt>
+                <c:pt idx="3">
+                  <c:v>62.6773504274</c:v>
+                </c:pt>
+                <c:pt idx="4">
+                  <c:v>61.1737244236</c:v>
+                </c:pt>
+                <c:pt idx="5">
+                  <c:v>60.520720020799999</c:v>
+                </c:pt>
+                <c:pt idx="6">
+                  <c:v>59.957977208000003</c:v>
+                </c:pt>
+                <c:pt idx="7">
+                  <c:v>59.698005698000003</c:v>
+                </c:pt>
+                <c:pt idx="8">
+                  <c:v>61.126780626799999</c:v>
+                </c:pt>
+                <c:pt idx="9">
+                  <c:v>72.25</c:v>
+                </c:pt>
+                <c:pt idx="10">
+                  <c:v>85.893162393200001</c:v>
+                </c:pt>
+                <c:pt idx="11">
+                  <c:v>129.37181303119999</c:v>
+                </c:pt>
+                <c:pt idx="12">
+                  <c:v>104.5949008499</c:v>
+                </c:pt>
+                <c:pt idx="13">
+                  <c:v>116.5809726147</c:v>
+                </c:pt>
+                <c:pt idx="14">
+                  <c:v>114.3882575767</c:v>
+                </c:pt>
+                <c:pt idx="15">
+                  <c:v>103.73011363640001</c:v>
+                </c:pt>
+                <c:pt idx="16">
+                  <c:v>106.21799178409999</c:v>
+                </c:pt>
+                <c:pt idx="17">
+                  <c:v>100.787795608</c:v>
+                </c:pt>
+                <c:pt idx="18">
+                  <c:v>93.1373772102</c:v>
+                </c:pt>
+                <c:pt idx="19">
+                  <c:v>86.768970139199993</c:v>
+                </c:pt>
+                <c:pt idx="20">
+                  <c:v>82.879285714299996</c:v>
+                </c:pt>
+                <c:pt idx="21">
+                  <c:v>78.222142857099996</c:v>
+                </c:pt>
+                <c:pt idx="22">
+                  <c:v>72.246283068599993</c:v>
+                </c:pt>
+                <c:pt idx="23">
+                  <c:v>68.571574074300003</c:v>
+                </c:pt>
+              </c:numCache>
+            </c:numRef>
+          </c:yVal>
+          <c:smooth val="0"/>
+          <c:extLst>
+            <c:ext xmlns:c16="http://schemas.microsoft.com/office/drawing/2014/chart" uri="{C3380CC4-5D6E-409C-BE32-E72D297353CC}">
+              <c16:uniqueId val="{00000000-364C-4B9D-9AD2-068AFF5FCA5D}"/>
+            </c:ext>
+          </c:extLst>
+        </c:ser>
+        <c:dLbls>
+          <c:showLegendKey val="0"/>
+          <c:showVal val="0"/>
+          <c:showCatName val="0"/>
+          <c:showSerName val="0"/>
+          <c:showPercent val="0"/>
+          <c:showBubbleSize val="0"/>
+        </c:dLbls>
+        <c:axId val="545676464"/>
+        <c:axId val="545677120"/>
+      </c:scatterChart>
+      <c:valAx>
+        <c:axId val="545676464"/>
+        <c:scaling>
+          <c:orientation val="minMax"/>
+          <c:max val="23"/>
+          <c:min val="0"/>
+        </c:scaling>
+        <c:delete val="0"/>
+        <c:axPos val="b"/>
+        <c:majorGridlines>
+          <c:spPr>
+            <a:ln w="9525" cap="flat" cmpd="sng" algn="ctr">
+              <a:solidFill>
+                <a:schemeClr val="tx1">
+                  <a:lumMod val="15000"/>
+                  <a:lumOff val="85000"/>
+                </a:schemeClr>
+              </a:solidFill>
+              <a:round/>
+            </a:ln>
+            <a:effectLst/>
+          </c:spPr>
+        </c:majorGridlines>
+        <c:title>
+          <c:tx>
+            <c:rich>
+              <a:bodyPr rot="0" spcFirstLastPara="1" vertOverflow="ellipsis" vert="horz" wrap="square" anchor="ctr" anchorCtr="1"/>
+              <a:lstStyle/>
+              <a:p>
+                <a:pPr>
+                  <a:defRPr sz="1400" b="0" i="0" u="none" strike="noStrike" kern="1200" baseline="0">
+                    <a:solidFill>
+                      <a:schemeClr val="tx1">
+                        <a:lumMod val="65000"/>
+                        <a:lumOff val="35000"/>
+                      </a:schemeClr>
+                    </a:solidFill>
+                    <a:latin typeface="+mn-lt"/>
+                    <a:ea typeface="+mn-ea"/>
+                    <a:cs typeface="+mn-cs"/>
+                  </a:defRPr>
+                </a:pPr>
+                <a:r>
+                  <a:rPr lang="de-DE"/>
+                  <a:t>Time</a:t>
+                </a:r>
+              </a:p>
+            </c:rich>
+          </c:tx>
+          <c:overlay val="0"/>
+          <c:spPr>
+            <a:noFill/>
+            <a:ln>
+              <a:noFill/>
+            </a:ln>
+            <a:effectLst/>
+          </c:spPr>
+          <c:txPr>
+            <a:bodyPr rot="0" spcFirstLastPara="1" vertOverflow="ellipsis" vert="horz" wrap="square" anchor="ctr" anchorCtr="1"/>
+            <a:lstStyle/>
+            <a:p>
+              <a:pPr>
+                <a:defRPr sz="1400" b="0" i="0" u="none" strike="noStrike" kern="1200" baseline="0">
+                  <a:solidFill>
+                    <a:schemeClr val="tx1">
+                      <a:lumMod val="65000"/>
+                      <a:lumOff val="35000"/>
+                    </a:schemeClr>
+                  </a:solidFill>
+                  <a:latin typeface="+mn-lt"/>
+                  <a:ea typeface="+mn-ea"/>
+                  <a:cs typeface="+mn-cs"/>
+                </a:defRPr>
+              </a:pPr>
+              <a:endParaRPr lang="de-DE"/>
+            </a:p>
+          </c:txPr>
+        </c:title>
+        <c:numFmt formatCode="General" sourceLinked="1"/>
+        <c:majorTickMark val="none"/>
+        <c:minorTickMark val="none"/>
+        <c:tickLblPos val="nextTo"/>
+        <c:spPr>
+          <a:noFill/>
+          <a:ln w="9525" cap="flat" cmpd="sng" algn="ctr">
+            <a:solidFill>
+              <a:schemeClr val="tx1">
+                <a:lumMod val="25000"/>
+                <a:lumOff val="75000"/>
+              </a:schemeClr>
+            </a:solidFill>
+            <a:round/>
+          </a:ln>
+          <a:effectLst/>
+        </c:spPr>
+        <c:txPr>
+          <a:bodyPr rot="-60000000" spcFirstLastPara="1" vertOverflow="ellipsis" vert="horz" wrap="square" anchor="ctr" anchorCtr="1"/>
+          <a:lstStyle/>
+          <a:p>
+            <a:pPr>
+              <a:defRPr sz="1400" b="0" i="0" u="none" strike="noStrike" kern="1200" baseline="0">
+                <a:solidFill>
+                  <a:schemeClr val="tx1">
+                    <a:lumMod val="65000"/>
+                    <a:lumOff val="35000"/>
+                  </a:schemeClr>
+                </a:solidFill>
+                <a:latin typeface="+mn-lt"/>
+                <a:ea typeface="+mn-ea"/>
+                <a:cs typeface="+mn-cs"/>
+              </a:defRPr>
+            </a:pPr>
+            <a:endParaRPr lang="de-DE"/>
+          </a:p>
+        </c:txPr>
+        <c:crossAx val="545677120"/>
+        <c:crosses val="autoZero"/>
+        <c:crossBetween val="midCat"/>
+        <c:majorUnit val="1"/>
+      </c:valAx>
+      <c:valAx>
+        <c:axId val="545677120"/>
+        <c:scaling>
+          <c:orientation val="minMax"/>
+        </c:scaling>
+        <c:delete val="0"/>
+        <c:axPos val="l"/>
+        <c:majorGridlines>
+          <c:spPr>
+            <a:ln w="9525" cap="flat" cmpd="sng" algn="ctr">
+              <a:solidFill>
+                <a:schemeClr val="tx1">
+                  <a:lumMod val="15000"/>
+                  <a:lumOff val="85000"/>
+                </a:schemeClr>
+              </a:solidFill>
+              <a:round/>
+            </a:ln>
+            <a:effectLst/>
+          </c:spPr>
+        </c:majorGridlines>
+        <c:title>
+          <c:tx>
+            <c:rich>
+              <a:bodyPr rot="-5400000" spcFirstLastPara="1" vertOverflow="ellipsis" vert="horz" wrap="square" anchor="ctr" anchorCtr="1"/>
+              <a:lstStyle/>
+              <a:p>
+                <a:pPr>
+                  <a:defRPr sz="1400" b="0" i="0" u="none" strike="noStrike" kern="1200" baseline="0">
+                    <a:solidFill>
+                      <a:schemeClr val="tx1">
+                        <a:lumMod val="65000"/>
+                        <a:lumOff val="35000"/>
+                      </a:schemeClr>
+                    </a:solidFill>
+                    <a:latin typeface="+mn-lt"/>
+                    <a:ea typeface="+mn-ea"/>
+                    <a:cs typeface="+mn-cs"/>
+                  </a:defRPr>
+                </a:pPr>
+                <a:r>
+                  <a:rPr lang="de-DE"/>
+                  <a:t>kWh</a:t>
+                </a:r>
+              </a:p>
+            </c:rich>
+          </c:tx>
+          <c:overlay val="0"/>
+          <c:spPr>
+            <a:noFill/>
+            <a:ln>
+              <a:noFill/>
+            </a:ln>
+            <a:effectLst/>
+          </c:spPr>
+          <c:txPr>
+            <a:bodyPr rot="-5400000" spcFirstLastPara="1" vertOverflow="ellipsis" vert="horz" wrap="square" anchor="ctr" anchorCtr="1"/>
+            <a:lstStyle/>
+            <a:p>
+              <a:pPr>
+                <a:defRPr sz="1400" b="0" i="0" u="none" strike="noStrike" kern="1200" baseline="0">
+                  <a:solidFill>
+                    <a:schemeClr val="tx1">
+                      <a:lumMod val="65000"/>
+                      <a:lumOff val="35000"/>
+                    </a:schemeClr>
+                  </a:solidFill>
+                  <a:latin typeface="+mn-lt"/>
+                  <a:ea typeface="+mn-ea"/>
+                  <a:cs typeface="+mn-cs"/>
+                </a:defRPr>
+              </a:pPr>
+              <a:endParaRPr lang="de-DE"/>
+            </a:p>
+          </c:txPr>
+        </c:title>
+        <c:numFmt formatCode="General" sourceLinked="1"/>
+        <c:majorTickMark val="none"/>
+        <c:minorTickMark val="none"/>
+        <c:tickLblPos val="nextTo"/>
+        <c:spPr>
+          <a:noFill/>
+          <a:ln w="9525" cap="flat" cmpd="sng" algn="ctr">
+            <a:solidFill>
+              <a:schemeClr val="tx1">
+                <a:lumMod val="25000"/>
+                <a:lumOff val="75000"/>
+              </a:schemeClr>
+            </a:solidFill>
+            <a:round/>
+          </a:ln>
+          <a:effectLst/>
+        </c:spPr>
+        <c:txPr>
+          <a:bodyPr rot="-60000000" spcFirstLastPara="1" vertOverflow="ellipsis" vert="horz" wrap="square" anchor="ctr" anchorCtr="1"/>
+          <a:lstStyle/>
+          <a:p>
+            <a:pPr>
+              <a:defRPr sz="1400" b="0" i="0" u="none" strike="noStrike" kern="1200" baseline="0">
+                <a:solidFill>
+                  <a:schemeClr val="tx1">
+                    <a:lumMod val="65000"/>
+                    <a:lumOff val="35000"/>
+                  </a:schemeClr>
+                </a:solidFill>
+                <a:latin typeface="+mn-lt"/>
+                <a:ea typeface="+mn-ea"/>
+                <a:cs typeface="+mn-cs"/>
+              </a:defRPr>
+            </a:pPr>
+            <a:endParaRPr lang="de-DE"/>
+          </a:p>
+        </c:txPr>
+        <c:crossAx val="545676464"/>
+        <c:crosses val="autoZero"/>
+        <c:crossBetween val="midCat"/>
+      </c:valAx>
+      <c:spPr>
+        <a:noFill/>
+        <a:ln>
+          <a:noFill/>
+        </a:ln>
+        <a:effectLst/>
+      </c:spPr>
+    </c:plotArea>
+    <c:plotVisOnly val="1"/>
+    <c:dispBlanksAs val="gap"/>
+    <c:showDLblsOverMax val="0"/>
+  </c:chart>
+  <c:spPr>
+    <a:noFill/>
+    <a:ln>
+      <a:noFill/>
+    </a:ln>
+    <a:effectLst/>
+  </c:spPr>
+  <c:txPr>
+    <a:bodyPr/>
+    <a:lstStyle/>
+    <a:p>
+      <a:pPr>
+        <a:defRPr sz="1400"/>
+      </a:pPr>
+      <a:endParaRPr lang="de-DE"/>
+    </a:p>
+  </c:txPr>
+  <c:externalData r:id="rId3">
+    <c:autoUpdate val="0"/>
+  </c:externalData>
+</c:chartSpace>
+</file>
+
+<file path=ppt/charts/colors1.xml><?xml version="1.0" encoding="utf-8"?>
+<cs:colorStyle xmlns:cs="http://schemas.microsoft.com/office/drawing/2012/chartStyle" xmlns:a="http://schemas.openxmlformats.org/drawingml/2006/main" meth="cycle" id="10">
+  <a:schemeClr val="accent1"/>
+  <a:schemeClr val="accent2"/>
+  <a:schemeClr val="accent3"/>
+  <a:schemeClr val="accent4"/>
+  <a:schemeClr val="accent5"/>
+  <a:schemeClr val="accent6"/>
+  <cs:variation/>
+  <cs:variation>
+    <a:lumMod val="60000"/>
+  </cs:variation>
+  <cs:variation>
+    <a:lumMod val="80000"/>
+    <a:lumOff val="20000"/>
+  </cs:variation>
+  <cs:variation>
+    <a:lumMod val="80000"/>
+  </cs:variation>
+  <cs:variation>
+    <a:lumMod val="60000"/>
+    <a:lumOff val="40000"/>
+  </cs:variation>
+  <cs:variation>
+    <a:lumMod val="50000"/>
+  </cs:variation>
+  <cs:variation>
+    <a:lumMod val="70000"/>
+    <a:lumOff val="30000"/>
+  </cs:variation>
+  <cs:variation>
+    <a:lumMod val="70000"/>
+  </cs:variation>
+  <cs:variation>
+    <a:lumMod val="50000"/>
+    <a:lumOff val="50000"/>
+  </cs:variation>
+</cs:colorStyle>
+</file>
+
+<file path=ppt/charts/style1.xml><?xml version="1.0" encoding="utf-8"?>
+<cs:chartStyle xmlns:cs="http://schemas.microsoft.com/office/drawing/2012/chartStyle" xmlns:a="http://schemas.openxmlformats.org/drawingml/2006/main" id="240">
+  <cs:axisTitle>
+    <cs:lnRef idx="0"/>
+    <cs:fillRef idx="0"/>
+    <cs:effectRef idx="0"/>
+    <cs:fontRef idx="minor">
+      <a:schemeClr val="tx1">
+        <a:lumMod val="65000"/>
+        <a:lumOff val="35000"/>
+      </a:schemeClr>
+    </cs:fontRef>
+    <cs:defRPr sz="1000" kern="1200"/>
+  </cs:axisTitle>
+  <cs:categoryAxis>
+    <cs:lnRef idx="0"/>
+    <cs:fillRef idx="0"/>
+    <cs:effectRef idx="0"/>
+    <cs:fontRef idx="minor">
+      <a:schemeClr val="tx1">
+        <a:lumMod val="65000"/>
+        <a:lumOff val="35000"/>
+      </a:schemeClr>
+    </cs:fontRef>
+    <cs:spPr>
+      <a:ln w="9525" cap="flat" cmpd="sng" algn="ctr">
+        <a:solidFill>
+          <a:schemeClr val="tx1">
+            <a:lumMod val="25000"/>
+            <a:lumOff val="75000"/>
+          </a:schemeClr>
+        </a:solidFill>
+        <a:round/>
+      </a:ln>
+    </cs:spPr>
+    <cs:defRPr sz="900" kern="1200"/>
+  </cs:categoryAxis>
+  <cs:chartArea mods="allowNoFillOverride allowNoLineOverride">
+    <cs:lnRef idx="0"/>
+    <cs:fillRef idx="0"/>
+    <cs:effectRef idx="0"/>
+    <cs:fontRef idx="minor">
+      <a:schemeClr val="tx1"/>
+    </cs:fontRef>
+    <cs:spPr>
+      <a:solidFill>
+        <a:schemeClr val="bg1"/>
+      </a:solidFill>
+      <a:ln w="9525" cap="flat" cmpd="sng" algn="ctr">
+        <a:solidFill>
+          <a:schemeClr val="tx1">
+            <a:lumMod val="15000"/>
+            <a:lumOff val="85000"/>
+          </a:schemeClr>
+        </a:solidFill>
+        <a:round/>
+      </a:ln>
+    </cs:spPr>
+    <cs:defRPr sz="1000" kern="1200"/>
+  </cs:chartArea>
+  <cs:dataLabel>
+    <cs:lnRef idx="0"/>
+    <cs:fillRef idx="0"/>
+    <cs:effectRef idx="0"/>
+    <cs:fontRef idx="minor">
+      <a:schemeClr val="tx1">
+        <a:lumMod val="75000"/>
+        <a:lumOff val="25000"/>
+      </a:schemeClr>
+    </cs:fontRef>
+    <cs:defRPr sz="900" kern="1200"/>
+  </cs:dataLabel>
+  <cs:dataLabelCallout>
+    <cs:lnRef idx="0"/>
+    <cs:fillRef idx="0"/>
+    <cs:effectRef idx="0"/>
+    <cs:fontRef idx="minor">
+      <a:schemeClr val="dk1">
+        <a:lumMod val="65000"/>
+        <a:lumOff val="35000"/>
+      </a:schemeClr>
+    </cs:fontRef>
+    <cs:spPr>
+      <a:solidFill>
+        <a:schemeClr val="lt1"/>
+      </a:solidFill>
+      <a:ln>
+        <a:solidFill>
+          <a:schemeClr val="dk1">
+            <a:lumMod val="25000"/>
+            <a:lumOff val="75000"/>
+          </a:schemeClr>
+        </a:solidFill>
+      </a:ln>
+    </cs:spPr>
+    <cs:defRPr sz="900" kern="1200"/>
+    <cs:bodyPr rot="0" spcFirstLastPara="1" vertOverflow="clip" horzOverflow="clip" vert="horz" wrap="square" lIns="36576" tIns="18288" rIns="36576" bIns="18288" anchor="ctr" anchorCtr="1">
+      <a:spAutoFit/>
+    </cs:bodyPr>
+  </cs:dataLabelCallout>
+  <cs:dataPoint>
+    <cs:lnRef idx="0"/>
+    <cs:fillRef idx="1">
+      <cs:styleClr val="auto"/>
+    </cs:fillRef>
+    <cs:effectRef idx="0"/>
+    <cs:fontRef idx="minor">
+      <a:schemeClr val="tx1"/>
+    </cs:fontRef>
+  </cs:dataPoint>
+  <cs:dataPoint3D>
+    <cs:lnRef idx="0"/>
+    <cs:fillRef idx="1">
+      <cs:styleClr val="auto"/>
+    </cs:fillRef>
+    <cs:effectRef idx="0"/>
+    <cs:fontRef idx="minor">
+      <a:schemeClr val="tx1"/>
+    </cs:fontRef>
+  </cs:dataPoint3D>
+  <cs:dataPointLine>
+    <cs:lnRef idx="0">
+      <cs:styleClr val="auto"/>
+    </cs:lnRef>
+    <cs:fillRef idx="1"/>
+    <cs:effectRef idx="0"/>
+    <cs:fontRef idx="minor">
+      <a:schemeClr val="tx1"/>
+    </cs:fontRef>
+    <cs:spPr>
+      <a:ln w="19050" cap="rnd">
+        <a:solidFill>
+          <a:schemeClr val="phClr"/>
+        </a:solidFill>
+        <a:round/>
+      </a:ln>
+    </cs:spPr>
+  </cs:dataPointLine>
+  <cs:dataPointMarker>
+    <cs:lnRef idx="0">
+      <cs:styleClr val="auto"/>
+    </cs:lnRef>
+    <cs:fillRef idx="1">
+      <cs:styleClr val="auto"/>
+    </cs:fillRef>
+    <cs:effectRef idx="0"/>
+    <cs:fontRef idx="minor">
+      <a:schemeClr val="tx1"/>
+    </cs:fontRef>
+    <cs:spPr>
+      <a:ln w="9525">
+        <a:solidFill>
+          <a:schemeClr val="phClr"/>
+        </a:solidFill>
+      </a:ln>
+    </cs:spPr>
+  </cs:dataPointMarker>
+  <cs:dataPointMarkerLayout symbol="circle" size="5"/>
+  <cs:dataPointWireframe>
+    <cs:lnRef idx="0">
+      <cs:styleClr val="auto"/>
+    </cs:lnRef>
+    <cs:fillRef idx="0"/>
+    <cs:effectRef idx="0"/>
+    <cs:fontRef idx="minor">
+      <a:schemeClr val="dk1"/>
+    </cs:fontRef>
+    <cs:spPr>
+      <a:ln w="9525" cap="rnd">
+        <a:solidFill>
+          <a:schemeClr val="phClr"/>
+        </a:solidFill>
+        <a:round/>
+      </a:ln>
+    </cs:spPr>
+  </cs:dataPointWireframe>
+  <cs:dataTable>
+    <cs:lnRef idx="0"/>
+    <cs:fillRef idx="0"/>
+    <cs:effectRef idx="0"/>
+    <cs:fontRef idx="minor">
+      <a:schemeClr val="tx1">
+        <a:lumMod val="65000"/>
+        <a:lumOff val="35000"/>
+      </a:schemeClr>
+    </cs:fontRef>
+    <cs:spPr>
+      <a:noFill/>
+      <a:ln w="9525" cap="flat" cmpd="sng" algn="ctr">
+        <a:solidFill>
+          <a:schemeClr val="tx1">
+            <a:lumMod val="15000"/>
+            <a:lumOff val="85000"/>
+          </a:schemeClr>
+        </a:solidFill>
+        <a:round/>
+      </a:ln>
+    </cs:spPr>
+    <cs:defRPr sz="900" kern="1200"/>
+  </cs:dataTable>
+  <cs:downBar>
+    <cs:lnRef idx="0"/>
+    <cs:fillRef idx="0"/>
+    <cs:effectRef idx="0"/>
+    <cs:fontRef idx="minor">
+      <a:schemeClr val="tx1"/>
+    </cs:fontRef>
+    <cs:spPr>
+      <a:solidFill>
+        <a:schemeClr val="dk1">
+          <a:lumMod val="75000"/>
+          <a:lumOff val="25000"/>
+        </a:schemeClr>
+      </a:solidFill>
+      <a:ln w="9525" cap="flat" cmpd="sng" algn="ctr">
+        <a:solidFill>
+          <a:schemeClr val="tx1">
+            <a:lumMod val="65000"/>
+            <a:lumOff val="35000"/>
+          </a:schemeClr>
+        </a:solidFill>
+        <a:round/>
+      </a:ln>
+    </cs:spPr>
+  </cs:downBar>
+  <cs:dropLine>
+    <cs:lnRef idx="0"/>
+    <cs:fillRef idx="0"/>
+    <cs:effectRef idx="0"/>
+    <cs:fontRef idx="minor">
+      <a:schemeClr val="tx1"/>
+    </cs:fontRef>
+    <cs:spPr>
+      <a:ln w="9525" cap="flat" cmpd="sng" algn="ctr">
+        <a:solidFill>
+          <a:schemeClr val="tx1">
+            <a:lumMod val="35000"/>
+            <a:lumOff val="65000"/>
+          </a:schemeClr>
+        </a:solidFill>
+        <a:round/>
+      </a:ln>
+    </cs:spPr>
+  </cs:dropLine>
+  <cs:errorBar>
+    <cs:lnRef idx="0"/>
+    <cs:fillRef idx="0"/>
+    <cs:effectRef idx="0"/>
+    <cs:fontRef idx="minor">
+      <a:schemeClr val="tx1"/>
+    </cs:fontRef>
+    <cs:spPr>
+      <a:ln w="9525" cap="flat" cmpd="sng" algn="ctr">
+        <a:solidFill>
+          <a:schemeClr val="tx1">
+            <a:lumMod val="65000"/>
+            <a:lumOff val="35000"/>
+          </a:schemeClr>
+        </a:solidFill>
+        <a:round/>
+      </a:ln>
+    </cs:spPr>
+  </cs:errorBar>
+  <cs:floor>
+    <cs:lnRef idx="0"/>
+    <cs:fillRef idx="0"/>
+    <cs:effectRef idx="0"/>
+    <cs:fontRef idx="minor">
+      <a:schemeClr val="tx1"/>
+    </cs:fontRef>
+    <cs:spPr>
+      <a:noFill/>
+      <a:ln>
+        <a:noFill/>
+      </a:ln>
+    </cs:spPr>
+  </cs:floor>
+  <cs:gridlineMajor>
+    <cs:lnRef idx="0"/>
+    <cs:fillRef idx="0"/>
+    <cs:effectRef idx="0"/>
+    <cs:fontRef idx="minor">
+      <a:schemeClr val="tx1"/>
+    </cs:fontRef>
+    <cs:spPr>
+      <a:ln w="9525" cap="flat" cmpd="sng" algn="ctr">
+        <a:solidFill>
+          <a:schemeClr val="tx1">
+            <a:lumMod val="15000"/>
+            <a:lumOff val="85000"/>
+          </a:schemeClr>
+        </a:solidFill>
+        <a:round/>
+      </a:ln>
+    </cs:spPr>
+  </cs:gridlineMajor>
+  <cs:gridlineMinor>
+    <cs:lnRef idx="0"/>
+    <cs:fillRef idx="0"/>
+    <cs:effectRef idx="0"/>
+    <cs:fontRef idx="minor">
+      <a:schemeClr val="tx1"/>
+    </cs:fontRef>
+    <cs:spPr>
+      <a:ln w="9525" cap="flat" cmpd="sng" algn="ctr">
+        <a:solidFill>
+          <a:schemeClr val="tx1">
+            <a:lumMod val="5000"/>
+            <a:lumOff val="95000"/>
+          </a:schemeClr>
+        </a:solidFill>
+        <a:round/>
+      </a:ln>
+    </cs:spPr>
+  </cs:gridlineMinor>
+  <cs:hiLoLine>
+    <cs:lnRef idx="0"/>
+    <cs:fillRef idx="0"/>
+    <cs:effectRef idx="0"/>
+    <cs:fontRef idx="minor">
+      <a:schemeClr val="tx1"/>
+    </cs:fontRef>
+    <cs:spPr>
+      <a:ln w="9525" cap="flat" cmpd="sng" algn="ctr">
+        <a:solidFill>
+          <a:schemeClr val="tx1">
+            <a:lumMod val="50000"/>
+            <a:lumOff val="50000"/>
+          </a:schemeClr>
+        </a:solidFill>
+        <a:round/>
+      </a:ln>
+    </cs:spPr>
+  </cs:hiLoLine>
+  <cs:leaderLine>
+    <cs:lnRef idx="0"/>
+    <cs:fillRef idx="0"/>
+    <cs:effectRef idx="0"/>
+    <cs:fontRef idx="minor">
+      <a:schemeClr val="tx1"/>
+    </cs:fontRef>
+    <cs:spPr>
+      <a:ln w="9525" cap="flat" cmpd="sng" algn="ctr">
+        <a:solidFill>
+          <a:schemeClr val="tx1">
+            <a:lumMod val="35000"/>
+            <a:lumOff val="65000"/>
+          </a:schemeClr>
+        </a:solidFill>
+        <a:round/>
+      </a:ln>
+    </cs:spPr>
+  </cs:leaderLine>
+  <cs:legend>
+    <cs:lnRef idx="0"/>
+    <cs:fillRef idx="0"/>
+    <cs:effectRef idx="0"/>
+    <cs:fontRef idx="minor">
+      <a:schemeClr val="tx1">
+        <a:lumMod val="65000"/>
+        <a:lumOff val="35000"/>
+      </a:schemeClr>
+    </cs:fontRef>
+    <cs:defRPr sz="900" kern="1200"/>
+  </cs:legend>
+  <cs:plotArea mods="allowNoFillOverride allowNoLineOverride">
+    <cs:lnRef idx="0"/>
+    <cs:fillRef idx="0"/>
+    <cs:effectRef idx="0"/>
+    <cs:fontRef idx="minor">
+      <a:schemeClr val="tx1"/>
+    </cs:fontRef>
+  </cs:plotArea>
+  <cs:plotArea3D mods="allowNoFillOverride allowNoLineOverride">
+    <cs:lnRef idx="0"/>
+    <cs:fillRef idx="0"/>
+    <cs:effectRef idx="0"/>
+    <cs:fontRef idx="minor">
+      <a:schemeClr val="tx1"/>
+    </cs:fontRef>
+  </cs:plotArea3D>
+  <cs:seriesAxis>
+    <cs:lnRef idx="0"/>
+    <cs:fillRef idx="0"/>
+    <cs:effectRef idx="0"/>
+    <cs:fontRef idx="minor">
+      <a:schemeClr val="tx1">
+        <a:lumMod val="65000"/>
+        <a:lumOff val="35000"/>
+      </a:schemeClr>
+    </cs:fontRef>
+    <cs:defRPr sz="900" kern="1200"/>
+  </cs:seriesAxis>
+  <cs:seriesLine>
+    <cs:lnRef idx="0"/>
+    <cs:fillRef idx="0"/>
+    <cs:effectRef idx="0"/>
+    <cs:fontRef idx="minor">
+      <a:schemeClr val="tx1"/>
+    </cs:fontRef>
+    <cs:spPr>
+      <a:ln w="9525" cap="flat" cmpd="sng" algn="ctr">
+        <a:solidFill>
+          <a:schemeClr val="tx1">
+            <a:lumMod val="35000"/>
+            <a:lumOff val="65000"/>
+          </a:schemeClr>
+        </a:solidFill>
+        <a:round/>
+      </a:ln>
+    </cs:spPr>
+  </cs:seriesLine>
+  <cs:title>
+    <cs:lnRef idx="0"/>
+    <cs:fillRef idx="0"/>
+    <cs:effectRef idx="0"/>
+    <cs:fontRef idx="minor">
+      <a:schemeClr val="tx1">
+        <a:lumMod val="65000"/>
+        <a:lumOff val="35000"/>
+      </a:schemeClr>
+    </cs:fontRef>
+    <cs:defRPr sz="1400" b="0" kern="1200" spc="0" baseline="0"/>
+  </cs:title>
+  <cs:trendline>
+    <cs:lnRef idx="0">
+      <cs:styleClr val="auto"/>
+    </cs:lnRef>
+    <cs:fillRef idx="0"/>
+    <cs:effectRef idx="0"/>
+    <cs:fontRef idx="minor">
+      <a:schemeClr val="tx1"/>
+    </cs:fontRef>
+    <cs:spPr>
+      <a:ln w="19050" cap="rnd">
+        <a:solidFill>
+          <a:schemeClr val="phClr"/>
+        </a:solidFill>
+        <a:prstDash val="sysDot"/>
+      </a:ln>
+    </cs:spPr>
+  </cs:trendline>
+  <cs:trendlineLabel>
+    <cs:lnRef idx="0"/>
+    <cs:fillRef idx="0"/>
+    <cs:effectRef idx="0"/>
+    <cs:fontRef idx="minor">
+      <a:schemeClr val="tx1">
+        <a:lumMod val="65000"/>
+        <a:lumOff val="35000"/>
+      </a:schemeClr>
+    </cs:fontRef>
+    <cs:defRPr sz="900" kern="1200"/>
+  </cs:trendlineLabel>
+  <cs:upBar>
+    <cs:lnRef idx="0"/>
+    <cs:fillRef idx="0"/>
+    <cs:effectRef idx="0"/>
+    <cs:fontRef idx="minor">
+      <a:schemeClr val="tx1"/>
+    </cs:fontRef>
+    <cs:spPr>
+      <a:solidFill>
+        <a:schemeClr val="lt1"/>
+      </a:solidFill>
+      <a:ln w="9525" cap="flat" cmpd="sng" algn="ctr">
+        <a:solidFill>
+          <a:schemeClr val="tx1">
+            <a:lumMod val="65000"/>
+            <a:lumOff val="35000"/>
+          </a:schemeClr>
+        </a:solidFill>
+        <a:round/>
+      </a:ln>
+    </cs:spPr>
+  </cs:upBar>
+  <cs:valueAxis>
+    <cs:lnRef idx="0"/>
+    <cs:fillRef idx="0"/>
+    <cs:effectRef idx="0"/>
+    <cs:fontRef idx="minor">
+      <a:schemeClr val="tx1">
+        <a:lumMod val="65000"/>
+        <a:lumOff val="35000"/>
+      </a:schemeClr>
+    </cs:fontRef>
+    <cs:spPr>
+      <a:ln w="9525" cap="flat" cmpd="sng" algn="ctr">
+        <a:solidFill>
+          <a:schemeClr val="tx1">
+            <a:lumMod val="25000"/>
+            <a:lumOff val="75000"/>
+          </a:schemeClr>
+        </a:solidFill>
+        <a:round/>
+      </a:ln>
+    </cs:spPr>
+    <cs:defRPr sz="900" kern="1200"/>
+  </cs:valueAxis>
+  <cs:wall>
+    <cs:lnRef idx="0"/>
+    <cs:fillRef idx="0"/>
+    <cs:effectRef idx="0"/>
+    <cs:fontRef idx="minor">
+      <a:schemeClr val="tx1"/>
+    </cs:fontRef>
+    <cs:spPr>
+      <a:noFill/>
+      <a:ln>
+        <a:noFill/>
+      </a:ln>
+    </cs:spPr>
+  </cs:wall>
+</cs:chartStyle>
+</file>
+
 <file path=ppt/handoutMasters/handoutMaster1.xml><?xml version="1.0" encoding="utf-8"?>
 <p:handoutMaster xmlns:a="http://schemas.openxmlformats.org/drawingml/2006/main" xmlns:r="http://schemas.openxmlformats.org/officeDocument/2006/relationships" xmlns:p="http://schemas.openxmlformats.org/presentationml/2006/main">
   <p:cSld>
@@ -364,7 +2439,7 @@
               <a:rPr lang="en-US" smtClean="0">
                 <a:latin typeface="Segoe UI" pitchFamily="34" charset="0"/>
               </a:rPr>
-              <a:t>11/8/2018</a:t>
+              <a:t>11/9/2018</a:t>
             </a:fld>
             <a:endParaRPr lang="en-US" dirty="0">
               <a:latin typeface="Segoe UI" pitchFamily="34" charset="0"/>
@@ -476,7 +2551,7 @@
                 <a:latin typeface="Segoe UI" pitchFamily="34" charset="0"/>
               </a:rPr>
               <a:pPr/>
-              <a:t>‹#›</a:t>
+              <a:t>‹Nr.›</a:t>
             </a:fld>
             <a:endParaRPr lang="en-US" dirty="0">
               <a:latin typeface="Segoe UI" pitchFamily="34" charset="0"/>
@@ -690,7 +2765,7 @@
           <a:p>
             <a:fld id="{FAB7E488-A2B7-4DFF-BB0C-7FE809FBD274}" type="datetime1">
               <a:rPr lang="en-US" smtClean="0"/>
-              <a:t>11/8/2018</a:t>
+              <a:t>11/9/2018</a:t>
             </a:fld>
             <a:endParaRPr lang="en-US" dirty="0"/>
           </a:p>
@@ -787,7 +2862,7 @@
             <a:fld id="{B4008EB6-D09E-4580-8CD6-DDB14511944F}" type="slidenum">
               <a:rPr lang="en-US" smtClean="0"/>
               <a:pPr/>
-              <a:t>‹#›</a:t>
+              <a:t>‹Nr.›</a:t>
             </a:fld>
             <a:endParaRPr lang="en-US" dirty="0"/>
           </a:p>
@@ -1099,7 +3174,7 @@
           <a:p>
             <a:fld id="{582996C8-0FB7-4AF3-9E1C-9C46E76A0E1D}" type="datetime1">
               <a:rPr lang="en-US" smtClean="0"/>
-              <a:t>11/8/2018</a:t>
+              <a:t>11/9/2018</a:t>
             </a:fld>
             <a:endParaRPr lang="en-US" dirty="0"/>
           </a:p>
@@ -1330,7 +3405,7 @@
           <a:p>
             <a:fld id="{55AED9EA-078F-4E5F-A87D-C222390B94C5}" type="datetime1">
               <a:rPr lang="en-US" smtClean="0"/>
-              <a:t>11/8/2018</a:t>
+              <a:t>11/9/2018</a:t>
             </a:fld>
             <a:endParaRPr lang="en-US"/>
           </a:p>
@@ -1413,7 +3488,7 @@
             <a:fld id="{860CA8AD-EDD7-4639-9B75-4CED81BEA940}" type="slidenum">
               <a:rPr lang="en-US" smtClean="0"/>
               <a:pPr/>
-              <a:t>‹#›</a:t>
+              <a:t>‹Nr.›</a:t>
             </a:fld>
             <a:endParaRPr lang="en-US"/>
           </a:p>
@@ -2046,7 +4121,7 @@
           <a:p>
             <a:fld id="{E55F5D87-DC9B-4B34-94F7-34F7869934B7}" type="datetime1">
               <a:rPr lang="en-US" smtClean="0"/>
-              <a:t>11/8/2018</a:t>
+              <a:t>11/9/2018</a:t>
             </a:fld>
             <a:endParaRPr lang="en-US"/>
           </a:p>
@@ -2129,7 +4204,7 @@
             <a:fld id="{860CA8AD-EDD7-4639-9B75-4CED81BEA940}" type="slidenum">
               <a:rPr lang="en-US" smtClean="0"/>
               <a:pPr/>
-              <a:t>‹#›</a:t>
+              <a:t>‹Nr.›</a:t>
             </a:fld>
             <a:endParaRPr lang="en-US"/>
           </a:p>
@@ -2609,7 +4684,7 @@
           <a:p>
             <a:fld id="{F39B9885-F48A-40D7-A2B1-41FF67D1934C}" type="datetime1">
               <a:rPr lang="en-US" smtClean="0"/>
-              <a:t>11/8/2018</a:t>
+              <a:t>11/9/2018</a:t>
             </a:fld>
             <a:endParaRPr lang="en-US"/>
           </a:p>
@@ -2692,7 +4767,7 @@
             <a:fld id="{860CA8AD-EDD7-4639-9B75-4CED81BEA940}" type="slidenum">
               <a:rPr lang="en-US" smtClean="0"/>
               <a:pPr/>
-              <a:t>‹#›</a:t>
+              <a:t>‹Nr.›</a:t>
             </a:fld>
             <a:endParaRPr lang="en-US"/>
           </a:p>
@@ -3070,7 +5145,7 @@
           <a:p>
             <a:fld id="{30736813-934E-4E95-B30A-F5C374F28E1F}" type="datetime1">
               <a:rPr lang="en-US" smtClean="0"/>
-              <a:t>11/8/2018</a:t>
+              <a:t>11/9/2018</a:t>
             </a:fld>
             <a:endParaRPr lang="en-US"/>
           </a:p>
@@ -3153,7 +5228,7 @@
             <a:fld id="{860CA8AD-EDD7-4639-9B75-4CED81BEA940}" type="slidenum">
               <a:rPr lang="en-US" smtClean="0"/>
               <a:pPr/>
-              <a:t>‹#›</a:t>
+              <a:t>‹Nr.›</a:t>
             </a:fld>
             <a:endParaRPr lang="en-US"/>
           </a:p>
@@ -3669,7 +5744,7 @@
           <a:p>
             <a:fld id="{55AED9EA-078F-4E5F-A87D-C222390B94C5}" type="datetime1">
               <a:rPr lang="en-US" smtClean="0"/>
-              <a:t>11/8/2018</a:t>
+              <a:t>11/9/2018</a:t>
             </a:fld>
             <a:endParaRPr lang="en-US"/>
           </a:p>
@@ -3734,210 +5809,404 @@
           </a:p>
         </p:txBody>
       </p:sp>
-      <p:sp>
-        <p:nvSpPr>
-          <p:cNvPr id="6" name="Inhaltsplatzhalter 5">
-            <a:extLst>
-              <a:ext uri="{FF2B5EF4-FFF2-40B4-BE49-F238E27FC236}">
-                <a16:creationId xmlns:a16="http://schemas.microsoft.com/office/drawing/2014/main" id="{A346FCE4-C325-469C-A6B4-5C5A706CF6EE}"/>
-              </a:ext>
-            </a:extLst>
-          </p:cNvPr>
-          <p:cNvSpPr>
-            <a:spLocks noGrp="1"/>
-          </p:cNvSpPr>
-          <p:nvPr>
-            <p:ph sz="quarter" idx="15"/>
-          </p:nvPr>
-        </p:nvSpPr>
-        <p:spPr/>
-        <p:txBody>
-          <a:bodyPr vert="horz" lIns="182880" tIns="146304" rIns="182880" bIns="146304" rtlCol="0" anchor="t">
-            <a:noAutofit/>
-          </a:bodyPr>
-          <a:lstStyle/>
-          <a:p>
-            <a:pPr lvl="1"/>
-            <a:r>
-              <a:rPr lang="en-US" dirty="0">
-                <a:cs typeface="Segoe UI"/>
-              </a:rPr>
-              <a:t>Moist air density:</a:t>
-            </a:r>
-          </a:p>
-          <a:p>
-            <a:pPr lvl="1"/>
-            <a:endParaRPr lang="en-US" dirty="0">
-              <a:cs typeface="Segoe UI"/>
-            </a:endParaRPr>
-          </a:p>
-          <a:p>
-            <a:pPr marL="457200" lvl="1" indent="-457200">
-              <a:buChar char="•"/>
-            </a:pPr>
-            <a:r>
-              <a:rPr lang="en-US" dirty="0">
-                <a:cs typeface="Segoe UI"/>
-              </a:rPr>
-              <a:t>Compound of dry air and water vapor and their respective densities</a:t>
-            </a:r>
-          </a:p>
-          <a:p>
-            <a:pPr marL="457200" lvl="1" indent="-457200">
-              <a:buChar char="•"/>
-            </a:pPr>
-            <a:r>
-              <a:rPr lang="en-US" dirty="0">
-                <a:cs typeface="Segoe UI"/>
-              </a:rPr>
-              <a:t>Depends on:</a:t>
-            </a:r>
-          </a:p>
-          <a:p>
-            <a:pPr marL="739140" lvl="3" indent="-281940"/>
-            <a:r>
-              <a:rPr lang="en-US" dirty="0">
-                <a:cs typeface="Segoe UI"/>
-              </a:rPr>
-              <a:t>Temperature</a:t>
-            </a:r>
-          </a:p>
-          <a:p>
-            <a:pPr marL="739140" lvl="3" indent="-281940"/>
-            <a:r>
-              <a:rPr lang="en-US" dirty="0">
-                <a:cs typeface="Segoe UI"/>
-              </a:rPr>
-              <a:t>Pressure</a:t>
-            </a:r>
-          </a:p>
-          <a:p>
-            <a:pPr marL="739140" lvl="3" indent="-281940"/>
-            <a:r>
-              <a:rPr lang="en-US" dirty="0">
-                <a:cs typeface="Segoe UI"/>
-              </a:rPr>
-              <a:t>Relative humidity</a:t>
-            </a:r>
-          </a:p>
-          <a:p>
-            <a:pPr marL="457200" lvl="1" indent="-457200">
-              <a:buChar char="•"/>
-            </a:pPr>
-            <a:r>
-              <a:rPr lang="en-US" dirty="0">
-                <a:cs typeface="Segoe UI"/>
-              </a:rPr>
-              <a:t>Formula: </a:t>
-            </a:r>
-            <a:r>
-              <a:rPr lang="en-US" dirty="0" err="1">
-                <a:cs typeface="Segoe UI"/>
-              </a:rPr>
-              <a:t>d_humid</a:t>
-            </a:r>
-            <a:r>
-              <a:rPr lang="en-US" dirty="0">
-                <a:cs typeface="Segoe UI"/>
-              </a:rPr>
-              <a:t>  = </a:t>
-            </a:r>
-            <a:r>
-              <a:rPr lang="en-US" dirty="0" err="1">
-                <a:cs typeface="Segoe UI"/>
-              </a:rPr>
-              <a:t>p_dry</a:t>
-            </a:r>
-            <a:r>
-              <a:rPr lang="en-US" dirty="0">
-                <a:cs typeface="Segoe UI"/>
-              </a:rPr>
-              <a:t>/(</a:t>
-            </a:r>
-            <a:r>
-              <a:rPr lang="en-US" dirty="0" err="1">
-                <a:cs typeface="Segoe UI"/>
-              </a:rPr>
-              <a:t>R_dry</a:t>
-            </a:r>
-            <a:r>
-              <a:rPr lang="en-US" dirty="0">
-                <a:cs typeface="Segoe UI"/>
-              </a:rPr>
-              <a:t> * T) + </a:t>
-            </a:r>
-            <a:r>
-              <a:rPr lang="en-US" dirty="0" err="1">
-                <a:cs typeface="Segoe UI"/>
-              </a:rPr>
-              <a:t>p_vapor</a:t>
-            </a:r>
-            <a:r>
-              <a:rPr lang="en-US" dirty="0">
-                <a:cs typeface="Segoe UI"/>
-              </a:rPr>
-              <a:t>/(</a:t>
-            </a:r>
-            <a:r>
-              <a:rPr lang="en-US" dirty="0" err="1">
-                <a:cs typeface="Segoe UI"/>
-              </a:rPr>
-              <a:t>R_vapor</a:t>
-            </a:r>
-            <a:r>
-              <a:rPr lang="en-US" dirty="0">
-                <a:cs typeface="Segoe UI"/>
-              </a:rPr>
-              <a:t> * T)</a:t>
-            </a:r>
-          </a:p>
-          <a:p>
-            <a:pPr marL="739140" lvl="3" indent="-281940"/>
-            <a:r>
-              <a:rPr lang="en-US" dirty="0">
-                <a:cs typeface="Segoe UI"/>
-              </a:rPr>
-              <a:t>d = density</a:t>
-            </a:r>
-          </a:p>
-          <a:p>
-            <a:pPr marL="739140" lvl="3" indent="-281940"/>
-            <a:r>
-              <a:rPr lang="en-US" dirty="0">
-                <a:cs typeface="Segoe UI"/>
-              </a:rPr>
-              <a:t>p = pressure</a:t>
-            </a:r>
-          </a:p>
-          <a:p>
-            <a:pPr lvl="3"/>
-            <a:r>
-              <a:rPr lang="en-US" dirty="0">
-                <a:cs typeface="Segoe UI"/>
-              </a:rPr>
-              <a:t>R = specific gas constant</a:t>
-            </a:r>
-          </a:p>
-          <a:p>
-            <a:pPr marL="456565" lvl="2" indent="-227965"/>
-            <a:endParaRPr lang="en-US" dirty="0">
-              <a:cs typeface="Segoe UI"/>
-            </a:endParaRPr>
-          </a:p>
-          <a:p>
-            <a:pPr marL="456565" lvl="2" indent="-227965"/>
-            <a:endParaRPr lang="en-US" dirty="0">
-              <a:cs typeface="Segoe UI"/>
-            </a:endParaRPr>
-          </a:p>
-          <a:p>
-            <a:pPr marL="456565" lvl="2" indent="-227965"/>
-            <a:endParaRPr lang="de-DE" dirty="0">
-              <a:cs typeface="Segoe UI"/>
-            </a:endParaRPr>
-          </a:p>
-        </p:txBody>
-      </p:sp>
+      <mc:AlternateContent xmlns:mc="http://schemas.openxmlformats.org/markup-compatibility/2006">
+        <mc:Choice xmlns:a14="http://schemas.microsoft.com/office/drawing/2010/main" Requires="a14">
+          <p:sp>
+            <p:nvSpPr>
+              <p:cNvPr id="6" name="Inhaltsplatzhalter 5">
+                <a:extLst>
+                  <a:ext uri="{FF2B5EF4-FFF2-40B4-BE49-F238E27FC236}">
+                    <a16:creationId xmlns:a16="http://schemas.microsoft.com/office/drawing/2014/main" id="{A346FCE4-C325-469C-A6B4-5C5A706CF6EE}"/>
+                  </a:ext>
+                </a:extLst>
+              </p:cNvPr>
+              <p:cNvSpPr>
+                <a:spLocks noGrp="1"/>
+              </p:cNvSpPr>
+              <p:nvPr>
+                <p:ph sz="quarter" idx="15"/>
+              </p:nvPr>
+            </p:nvSpPr>
+            <p:spPr/>
+            <p:txBody>
+              <a:bodyPr vert="horz" lIns="182880" tIns="146304" rIns="182880" bIns="146304" rtlCol="0" anchor="t">
+                <a:noAutofit/>
+              </a:bodyPr>
+              <a:lstStyle/>
+              <a:p>
+                <a:pPr lvl="1"/>
+                <a:r>
+                  <a:rPr lang="en-US" dirty="0">
+                    <a:cs typeface="Segoe UI"/>
+                  </a:rPr>
+                  <a:t>Moist air density:</a:t>
+                </a:r>
+              </a:p>
+              <a:p>
+                <a:pPr marL="457200" lvl="1" indent="-457200">
+                  <a:buChar char="•"/>
+                </a:pPr>
+                <a:r>
+                  <a:rPr lang="en-US" dirty="0">
+                    <a:cs typeface="Segoe UI"/>
+                  </a:rPr>
+                  <a:t>Compound of dry air and water vapor and their respective densities</a:t>
+                </a:r>
+              </a:p>
+              <a:p>
+                <a:pPr marL="457200" lvl="1" indent="-457200">
+                  <a:buChar char="•"/>
+                </a:pPr>
+                <a:r>
+                  <a:rPr lang="en-US" dirty="0">
+                    <a:cs typeface="Segoe UI"/>
+                  </a:rPr>
+                  <a:t>Depends on:</a:t>
+                </a:r>
+              </a:p>
+              <a:p>
+                <a:pPr marL="739140" lvl="3" indent="-281940"/>
+                <a:r>
+                  <a:rPr lang="en-US" dirty="0">
+                    <a:cs typeface="Segoe UI"/>
+                  </a:rPr>
+                  <a:t>Temperature</a:t>
+                </a:r>
+              </a:p>
+              <a:p>
+                <a:pPr marL="739140" lvl="3" indent="-281940"/>
+                <a:r>
+                  <a:rPr lang="en-US" dirty="0">
+                    <a:cs typeface="Segoe UI"/>
+                  </a:rPr>
+                  <a:t>Pressure</a:t>
+                </a:r>
+              </a:p>
+              <a:p>
+                <a:pPr marL="739140" lvl="3" indent="-281940"/>
+                <a:r>
+                  <a:rPr lang="en-US" dirty="0">
+                    <a:cs typeface="Segoe UI"/>
+                  </a:rPr>
+                  <a:t>Relative humidity</a:t>
+                </a:r>
+              </a:p>
+              <a:p>
+                <a:pPr marL="457200" lvl="1" indent="-457200">
+                  <a:buChar char="•"/>
+                </a:pPr>
+                <a:r>
+                  <a:rPr lang="en-US" dirty="0">
+                    <a:cs typeface="Segoe UI"/>
+                  </a:rPr>
+                  <a:t>Formula: </a:t>
+                </a:r>
+                <a14:m>
+                  <m:oMath xmlns:m="http://schemas.openxmlformats.org/officeDocument/2006/math">
+                    <m:sSub>
+                      <m:sSubPr>
+                        <m:ctrlPr>
+                          <a:rPr lang="de-DE" i="1" smtClean="0">
+                            <a:latin typeface="Cambria Math" panose="02040503050406030204" pitchFamily="18" charset="0"/>
+                            <a:cs typeface="Segoe UI"/>
+                          </a:rPr>
+                        </m:ctrlPr>
+                      </m:sSubPr>
+                      <m:e>
+                        <m:r>
+                          <a:rPr lang="de-DE" b="0" i="1" smtClean="0">
+                            <a:latin typeface="Cambria Math" panose="02040503050406030204" pitchFamily="18" charset="0"/>
+                            <a:cs typeface="Segoe UI"/>
+                          </a:rPr>
+                          <m:t>𝑑</m:t>
+                        </m:r>
+                      </m:e>
+                      <m:sub>
+                        <m:r>
+                          <a:rPr lang="de-DE" b="0" i="1" smtClean="0">
+                            <a:latin typeface="Cambria Math" panose="02040503050406030204" pitchFamily="18" charset="0"/>
+                            <a:cs typeface="Segoe UI"/>
+                          </a:rPr>
+                          <m:t>h𝑢𝑚𝑖𝑑</m:t>
+                        </m:r>
+                      </m:sub>
+                    </m:sSub>
+                    <m:r>
+                      <a:rPr lang="en-US" i="1" smtClean="0">
+                        <a:latin typeface="Cambria Math" panose="02040503050406030204" pitchFamily="18" charset="0"/>
+                        <a:cs typeface="Segoe UI"/>
+                      </a:rPr>
+                      <m:t>=</m:t>
+                    </m:r>
+                    <m:f>
+                      <m:fPr>
+                        <m:ctrlPr>
+                          <a:rPr lang="de-DE" b="0" i="1" smtClean="0">
+                            <a:latin typeface="Cambria Math" panose="02040503050406030204" pitchFamily="18" charset="0"/>
+                            <a:cs typeface="Segoe UI"/>
+                          </a:rPr>
+                        </m:ctrlPr>
+                      </m:fPr>
+                      <m:num>
+                        <m:sSub>
+                          <m:sSubPr>
+                            <m:ctrlPr>
+                              <a:rPr lang="en-US" i="1" smtClean="0">
+                                <a:latin typeface="Cambria Math" panose="02040503050406030204" pitchFamily="18" charset="0"/>
+                                <a:cs typeface="Segoe UI"/>
+                              </a:rPr>
+                            </m:ctrlPr>
+                          </m:sSubPr>
+                          <m:e>
+                            <m:r>
+                              <a:rPr lang="de-DE" b="0" i="1" smtClean="0">
+                                <a:latin typeface="Cambria Math" panose="02040503050406030204" pitchFamily="18" charset="0"/>
+                                <a:cs typeface="Segoe UI"/>
+                              </a:rPr>
+                              <m:t>𝑝</m:t>
+                            </m:r>
+                          </m:e>
+                          <m:sub>
+                            <m:r>
+                              <a:rPr lang="de-DE" b="0" i="1" smtClean="0">
+                                <a:latin typeface="Cambria Math" panose="02040503050406030204" pitchFamily="18" charset="0"/>
+                                <a:cs typeface="Segoe UI"/>
+                              </a:rPr>
+                              <m:t>𝑑𝑟𝑦</m:t>
+                            </m:r>
+                          </m:sub>
+                        </m:sSub>
+                      </m:num>
+                      <m:den>
+                        <m:sSub>
+                          <m:sSubPr>
+                            <m:ctrlPr>
+                              <a:rPr lang="en-US" i="1" smtClean="0">
+                                <a:latin typeface="Cambria Math" panose="02040503050406030204" pitchFamily="18" charset="0"/>
+                                <a:cs typeface="Segoe UI"/>
+                              </a:rPr>
+                            </m:ctrlPr>
+                          </m:sSubPr>
+                          <m:e>
+                            <m:r>
+                              <a:rPr lang="de-DE" b="0" i="1" smtClean="0">
+                                <a:latin typeface="Cambria Math" panose="02040503050406030204" pitchFamily="18" charset="0"/>
+                                <a:cs typeface="Segoe UI"/>
+                              </a:rPr>
+                              <m:t>𝑅</m:t>
+                            </m:r>
+                          </m:e>
+                          <m:sub>
+                            <m:r>
+                              <a:rPr lang="de-DE" b="0" i="1" smtClean="0">
+                                <a:latin typeface="Cambria Math" panose="02040503050406030204" pitchFamily="18" charset="0"/>
+                                <a:cs typeface="Segoe UI"/>
+                              </a:rPr>
+                              <m:t>𝑑𝑟𝑦</m:t>
+                            </m:r>
+                          </m:sub>
+                        </m:sSub>
+                        <m:r>
+                          <a:rPr lang="de-DE" b="0" i="1" smtClean="0">
+                            <a:latin typeface="Cambria Math" panose="02040503050406030204" pitchFamily="18" charset="0"/>
+                            <a:cs typeface="Segoe UI"/>
+                          </a:rPr>
+                          <m:t>∗</m:t>
+                        </m:r>
+                        <m:r>
+                          <a:rPr lang="de-DE" b="0" i="1" smtClean="0">
+                            <a:latin typeface="Cambria Math" panose="02040503050406030204" pitchFamily="18" charset="0"/>
+                            <a:cs typeface="Segoe UI"/>
+                          </a:rPr>
+                          <m:t>𝑇</m:t>
+                        </m:r>
+                      </m:den>
+                    </m:f>
+                    <m:r>
+                      <a:rPr lang="de-DE" b="0" i="1" smtClean="0">
+                        <a:latin typeface="Cambria Math" panose="02040503050406030204" pitchFamily="18" charset="0"/>
+                        <a:cs typeface="Segoe UI"/>
+                      </a:rPr>
+                      <m:t>+ </m:t>
+                    </m:r>
+                    <m:f>
+                      <m:fPr>
+                        <m:ctrlPr>
+                          <a:rPr lang="de-DE" b="0" i="1" smtClean="0">
+                            <a:latin typeface="Cambria Math" panose="02040503050406030204" pitchFamily="18" charset="0"/>
+                            <a:cs typeface="Segoe UI"/>
+                          </a:rPr>
+                        </m:ctrlPr>
+                      </m:fPr>
+                      <m:num>
+                        <m:sSub>
+                          <m:sSubPr>
+                            <m:ctrlPr>
+                              <a:rPr lang="de-DE" b="0" i="1" smtClean="0">
+                                <a:latin typeface="Cambria Math" panose="02040503050406030204" pitchFamily="18" charset="0"/>
+                                <a:cs typeface="Segoe UI"/>
+                              </a:rPr>
+                            </m:ctrlPr>
+                          </m:sSubPr>
+                          <m:e>
+                            <m:r>
+                              <a:rPr lang="de-DE" b="0" i="1" smtClean="0">
+                                <a:latin typeface="Cambria Math" panose="02040503050406030204" pitchFamily="18" charset="0"/>
+                                <a:cs typeface="Segoe UI"/>
+                              </a:rPr>
+                              <m:t>𝑝</m:t>
+                            </m:r>
+                          </m:e>
+                          <m:sub>
+                            <m:r>
+                              <a:rPr lang="de-DE" b="0" i="1" smtClean="0">
+                                <a:latin typeface="Cambria Math" panose="02040503050406030204" pitchFamily="18" charset="0"/>
+                                <a:cs typeface="Segoe UI"/>
+                              </a:rPr>
+                              <m:t>𝑣𝑎𝑝𝑜𝑟</m:t>
+                            </m:r>
+                          </m:sub>
+                        </m:sSub>
+                      </m:num>
+                      <m:den>
+                        <m:sSub>
+                          <m:sSubPr>
+                            <m:ctrlPr>
+                              <a:rPr lang="de-DE" b="0" i="1" smtClean="0">
+                                <a:latin typeface="Cambria Math" panose="02040503050406030204" pitchFamily="18" charset="0"/>
+                                <a:cs typeface="Segoe UI"/>
+                              </a:rPr>
+                            </m:ctrlPr>
+                          </m:sSubPr>
+                          <m:e>
+                            <m:r>
+                              <a:rPr lang="de-DE" b="0" i="1" smtClean="0">
+                                <a:latin typeface="Cambria Math" panose="02040503050406030204" pitchFamily="18" charset="0"/>
+                                <a:cs typeface="Segoe UI"/>
+                              </a:rPr>
+                              <m:t>𝑅</m:t>
+                            </m:r>
+                          </m:e>
+                          <m:sub>
+                            <m:r>
+                              <a:rPr lang="de-DE" b="0" i="1" smtClean="0">
+                                <a:latin typeface="Cambria Math" panose="02040503050406030204" pitchFamily="18" charset="0"/>
+                                <a:cs typeface="Segoe UI"/>
+                              </a:rPr>
+                              <m:t>𝑣𝑎𝑝𝑜𝑟</m:t>
+                            </m:r>
+                          </m:sub>
+                        </m:sSub>
+                        <m:r>
+                          <a:rPr lang="de-DE" b="0" i="1" smtClean="0">
+                            <a:latin typeface="Cambria Math" panose="02040503050406030204" pitchFamily="18" charset="0"/>
+                            <a:cs typeface="Segoe UI"/>
+                          </a:rPr>
+                          <m:t>∗</m:t>
+                        </m:r>
+                        <m:r>
+                          <a:rPr lang="de-DE" b="0" i="1" smtClean="0">
+                            <a:latin typeface="Cambria Math" panose="02040503050406030204" pitchFamily="18" charset="0"/>
+                            <a:cs typeface="Segoe UI"/>
+                          </a:rPr>
+                          <m:t>𝑇</m:t>
+                        </m:r>
+                      </m:den>
+                    </m:f>
+                  </m:oMath>
+                </a14:m>
+                <a:endParaRPr lang="en-US" dirty="0">
+                  <a:cs typeface="Segoe UI"/>
+                </a:endParaRPr>
+              </a:p>
+              <a:p>
+                <a:pPr marL="739140" lvl="3" indent="-281940"/>
+                <a:r>
+                  <a:rPr lang="en-US" dirty="0">
+                    <a:cs typeface="Segoe UI"/>
+                  </a:rPr>
+                  <a:t>d = density</a:t>
+                </a:r>
+              </a:p>
+              <a:p>
+                <a:pPr marL="739140" lvl="3" indent="-281940"/>
+                <a:r>
+                  <a:rPr lang="en-US" dirty="0">
+                    <a:cs typeface="Segoe UI"/>
+                  </a:rPr>
+                  <a:t>p = pressure</a:t>
+                </a:r>
+              </a:p>
+              <a:p>
+                <a:pPr lvl="3"/>
+                <a:r>
+                  <a:rPr lang="en-US" dirty="0">
+                    <a:cs typeface="Segoe UI"/>
+                  </a:rPr>
+                  <a:t>R = specific gas constant</a:t>
+                </a:r>
+              </a:p>
+              <a:p>
+                <a:pPr marL="456565" lvl="2" indent="-227965"/>
+                <a:endParaRPr lang="en-US" dirty="0">
+                  <a:cs typeface="Segoe UI"/>
+                </a:endParaRPr>
+              </a:p>
+              <a:p>
+                <a:pPr marL="456565" lvl="2" indent="-227965"/>
+                <a:endParaRPr lang="en-US" dirty="0">
+                  <a:cs typeface="Segoe UI"/>
+                </a:endParaRPr>
+              </a:p>
+              <a:p>
+                <a:pPr marL="456565" lvl="2" indent="-227965"/>
+                <a:endParaRPr lang="de-DE" dirty="0">
+                  <a:cs typeface="Segoe UI"/>
+                </a:endParaRPr>
+              </a:p>
+            </p:txBody>
+          </p:sp>
+        </mc:Choice>
+        <mc:Fallback>
+          <p:sp>
+            <p:nvSpPr>
+              <p:cNvPr id="6" name="Inhaltsplatzhalter 5">
+                <a:extLst>
+                  <a:ext uri="{FF2B5EF4-FFF2-40B4-BE49-F238E27FC236}">
+                    <a16:creationId xmlns:a16="http://schemas.microsoft.com/office/drawing/2014/main" id="{A346FCE4-C325-469C-A6B4-5C5A706CF6EE}"/>
+                  </a:ext>
+                </a:extLst>
+              </p:cNvPr>
+              <p:cNvSpPr>
+                <a:spLocks noGrp="1" noRot="1" noChangeAspect="1" noMove="1" noResize="1" noEditPoints="1" noAdjustHandles="1" noChangeArrowheads="1" noChangeShapeType="1" noTextEdit="1"/>
+              </p:cNvSpPr>
+              <p:nvPr>
+                <p:ph sz="quarter" idx="15"/>
+              </p:nvPr>
+            </p:nvSpPr>
+            <p:spPr>
+              <a:blipFill>
+                <a:blip r:embed="rId2"/>
+                <a:stretch>
+                  <a:fillRect/>
+                </a:stretch>
+              </a:blipFill>
+            </p:spPr>
+            <p:txBody>
+              <a:bodyPr/>
+              <a:lstStyle/>
+              <a:p>
+                <a:r>
+                  <a:rPr lang="de-DE">
+                    <a:noFill/>
+                  </a:rPr>
+                  <a:t> </a:t>
+                </a:r>
+              </a:p>
+            </p:txBody>
+          </p:sp>
+        </mc:Fallback>
+      </mc:AlternateContent>
     </p:spTree>
     <p:extLst>
       <p:ext uri="{BB962C8B-B14F-4D97-AF65-F5344CB8AC3E}">
@@ -4022,7 +6291,7 @@
           <a:p>
             <a:fld id="{55AED9EA-078F-4E5F-A87D-C222390B94C5}" type="datetime1">
               <a:rPr lang="en-US" smtClean="0"/>
-              <a:t>11/8/2018</a:t>
+              <a:t>11/9/2018</a:t>
             </a:fld>
             <a:endParaRPr lang="en-US"/>
           </a:p>
@@ -4144,7 +6413,7 @@
               <a:rPr lang="en-US" sz="2400" dirty="0">
                 <a:cs typeface="Segoe UI"/>
               </a:rPr>
-              <a:t>Relative Humidity * saturated vapor pressure</a:t>
+              <a:t>Relative humidity * saturated vapor pressure</a:t>
             </a:r>
           </a:p>
           <a:p>
@@ -4216,7 +6485,7 @@
 </file>
 
 <file path=ppt/slides/slide12.xml><?xml version="1.0" encoding="utf-8"?>
-<p:sld xmlns:a="http://schemas.openxmlformats.org/drawingml/2006/main" xmlns:r="http://schemas.openxmlformats.org/officeDocument/2006/relationships" xmlns:p="http://schemas.openxmlformats.org/presentationml/2006/main" show="0">
+<p:sld xmlns:a="http://schemas.openxmlformats.org/drawingml/2006/main" xmlns:r="http://schemas.openxmlformats.org/officeDocument/2006/relationships" xmlns:p="http://schemas.openxmlformats.org/presentationml/2006/main">
   <p:cSld>
     <p:spTree>
       <p:nvGrpSpPr>
@@ -4372,7 +6641,7 @@
           <a:p>
             <a:fld id="{55AED9EA-078F-4E5F-A87D-C222390B94C5}" type="datetime1">
               <a:rPr lang="en-US" smtClean="0"/>
-              <a:t>11/8/2018</a:t>
+              <a:t>11/9/2018</a:t>
             </a:fld>
             <a:endParaRPr lang="en-US"/>
           </a:p>
@@ -4487,22 +6756,13 @@
               <a:buNone/>
             </a:pPr>
             <a:r>
-              <a:rPr lang="en-US" sz="2800" dirty="0" err="1">
-                <a:solidFill>
-                  <a:srgbClr val="000000"/>
-                </a:solidFill>
-                <a:cs typeface="Segoe UI"/>
-              </a:rPr>
-              <a:t>Userinputs</a:t>
-            </a:r>
-            <a:r>
               <a:rPr lang="en-US" sz="2800" dirty="0">
                 <a:solidFill>
                   <a:srgbClr val="000000"/>
                 </a:solidFill>
                 <a:cs typeface="Segoe UI"/>
               </a:rPr>
-              <a:t>:</a:t>
+              <a:t>User inputs:</a:t>
             </a:r>
           </a:p>
           <a:p>
@@ -4653,7 +6913,7 @@
           <a:p>
             <a:fld id="{55AED9EA-078F-4E5F-A87D-C222390B94C5}" type="datetime1">
               <a:rPr lang="en-US" smtClean="0"/>
-              <a:t>11/8/2018</a:t>
+              <a:t>11/9/2018</a:t>
             </a:fld>
             <a:endParaRPr lang="en-US"/>
           </a:p>
@@ -4718,143 +6978,284 @@
           </a:p>
         </p:txBody>
       </p:sp>
-      <p:sp>
-        <p:nvSpPr>
-          <p:cNvPr id="6" name="Inhaltsplatzhalter 5">
-            <a:extLst>
-              <a:ext uri="{FF2B5EF4-FFF2-40B4-BE49-F238E27FC236}">
-                <a16:creationId xmlns:a16="http://schemas.microsoft.com/office/drawing/2014/main" id="{A346FCE4-C325-469C-A6B4-5C5A706CF6EE}"/>
-              </a:ext>
-            </a:extLst>
-          </p:cNvPr>
-          <p:cNvSpPr>
-            <a:spLocks noGrp="1"/>
-          </p:cNvSpPr>
-          <p:nvPr>
-            <p:ph sz="quarter" idx="15"/>
-          </p:nvPr>
-        </p:nvSpPr>
-        <p:spPr/>
-        <p:txBody>
-          <a:bodyPr vert="horz" lIns="182880" tIns="146304" rIns="182880" bIns="146304" rtlCol="0" anchor="t">
-            <a:noAutofit/>
-          </a:bodyPr>
-          <a:lstStyle/>
-          <a:p>
-            <a:pPr marL="228600" lvl="2" indent="0">
-              <a:buNone/>
-            </a:pPr>
-            <a:r>
-              <a:rPr lang="en-US" sz="2800" dirty="0">
-                <a:cs typeface="Segoe UI"/>
-              </a:rPr>
-              <a:t>Solar panel yield is the percentage of:</a:t>
-            </a:r>
-          </a:p>
-          <a:p>
-            <a:pPr marL="685800" lvl="2" indent="-457200"/>
-            <a:r>
-              <a:rPr lang="en-US" sz="2800" dirty="0">
-                <a:solidFill>
-                  <a:srgbClr val="000000"/>
-                </a:solidFill>
-                <a:cs typeface="Segoe UI"/>
-              </a:rPr>
-              <a:t>Watt peak in kW / module area in m^2</a:t>
-            </a:r>
-          </a:p>
-          <a:p>
-            <a:pPr marL="228600" lvl="2" indent="0">
-              <a:buNone/>
-            </a:pPr>
-            <a:endParaRPr lang="en-US" sz="2800" dirty="0">
-              <a:solidFill>
-                <a:srgbClr val="000000"/>
-              </a:solidFill>
-              <a:cs typeface="Segoe UI"/>
-            </a:endParaRPr>
-          </a:p>
-          <a:p>
-            <a:pPr marL="228600" lvl="2" indent="0">
-              <a:buNone/>
-            </a:pPr>
-            <a:r>
-              <a:rPr lang="en-US" sz="2800" dirty="0">
-                <a:solidFill>
-                  <a:srgbClr val="000000"/>
-                </a:solidFill>
-                <a:cs typeface="Segoe UI"/>
-              </a:rPr>
-              <a:t>Performance ratio:</a:t>
-            </a:r>
-          </a:p>
-          <a:p>
-            <a:pPr marL="685800" lvl="2" indent="-457200"/>
-            <a:r>
-              <a:rPr lang="en-US" sz="2800" dirty="0">
-                <a:solidFill>
-                  <a:srgbClr val="000000"/>
-                </a:solidFill>
-                <a:cs typeface="Segoe UI"/>
-              </a:rPr>
-              <a:t>All other losses combined + temperature loss</a:t>
-            </a:r>
-          </a:p>
-          <a:p>
-            <a:pPr marL="685800" lvl="2" indent="-457200"/>
-            <a:endParaRPr lang="en-US" sz="2800" dirty="0">
-              <a:solidFill>
-                <a:srgbClr val="000000"/>
-              </a:solidFill>
-              <a:cs typeface="Segoe UI"/>
-            </a:endParaRPr>
-          </a:p>
-          <a:p>
-            <a:pPr marL="228600" lvl="2" indent="0">
-              <a:buNone/>
-            </a:pPr>
-            <a:r>
-              <a:rPr lang="en-US" sz="2800" dirty="0">
-                <a:solidFill>
-                  <a:srgbClr val="000000"/>
-                </a:solidFill>
-                <a:cs typeface="Segoe UI"/>
-              </a:rPr>
-              <a:t>Temperature loss:</a:t>
-            </a:r>
-          </a:p>
-          <a:p>
-            <a:pPr marL="685800" lvl="2" indent="-457200"/>
-            <a:r>
-              <a:rPr lang="en-US" sz="2800" dirty="0">
-                <a:solidFill>
-                  <a:srgbClr val="000000"/>
-                </a:solidFill>
-                <a:cs typeface="Segoe UI"/>
-              </a:rPr>
-              <a:t>Max(T in </a:t>
-            </a:r>
-            <a:r>
-              <a:rPr lang="en-US" sz="2800" dirty="0" err="1">
-                <a:solidFill>
-                  <a:srgbClr val="000000"/>
-                </a:solidFill>
-                <a:cs typeface="Segoe UI"/>
-              </a:rPr>
-              <a:t>celsius</a:t>
-            </a:r>
-            <a:r>
-              <a:rPr lang="en-US" sz="2800" dirty="0">
-                <a:solidFill>
-                  <a:srgbClr val="000000"/>
-                </a:solidFill>
-                <a:cs typeface="Segoe UI"/>
-              </a:rPr>
-              <a:t> * 0.05 , 0)</a:t>
-            </a:r>
-          </a:p>
-        </p:txBody>
-      </p:sp>
+      <mc:AlternateContent xmlns:mc="http://schemas.openxmlformats.org/markup-compatibility/2006">
+        <mc:Choice xmlns:a14="http://schemas.microsoft.com/office/drawing/2010/main" Requires="a14">
+          <p:sp>
+            <p:nvSpPr>
+              <p:cNvPr id="6" name="Inhaltsplatzhalter 5">
+                <a:extLst>
+                  <a:ext uri="{FF2B5EF4-FFF2-40B4-BE49-F238E27FC236}">
+                    <a16:creationId xmlns:a16="http://schemas.microsoft.com/office/drawing/2014/main" id="{A346FCE4-C325-469C-A6B4-5C5A706CF6EE}"/>
+                  </a:ext>
+                </a:extLst>
+              </p:cNvPr>
+              <p:cNvSpPr>
+                <a:spLocks noGrp="1"/>
+              </p:cNvSpPr>
+              <p:nvPr>
+                <p:ph sz="quarter" idx="15"/>
+              </p:nvPr>
+            </p:nvSpPr>
+            <p:spPr/>
+            <p:txBody>
+              <a:bodyPr vert="horz" lIns="182880" tIns="146304" rIns="182880" bIns="146304" rtlCol="0" anchor="t">
+                <a:noAutofit/>
+              </a:bodyPr>
+              <a:lstStyle/>
+              <a:p>
+                <a:pPr marL="228600" lvl="2" indent="0">
+                  <a:buNone/>
+                </a:pPr>
+                <a:r>
+                  <a:rPr lang="en-US" sz="2800" dirty="0">
+                    <a:cs typeface="Segoe UI"/>
+                  </a:rPr>
+                  <a:t>Solar panel yield is the percentage of:</a:t>
+                </a:r>
+              </a:p>
+              <a:p>
+                <a:pPr marL="685800" lvl="2" indent="-457200"/>
+                <a:r>
+                  <a:rPr lang="en-US" sz="2800" dirty="0">
+                    <a:solidFill>
+                      <a:srgbClr val="000000"/>
+                    </a:solidFill>
+                    <a:cs typeface="Segoe UI"/>
+                  </a:rPr>
+                  <a:t>Watt peak in kW / module area in m^2</a:t>
+                </a:r>
+              </a:p>
+              <a:p>
+                <a:pPr marL="228600" lvl="2" indent="0">
+                  <a:buNone/>
+                </a:pPr>
+                <a:endParaRPr lang="en-US" sz="2800" dirty="0">
+                  <a:solidFill>
+                    <a:srgbClr val="000000"/>
+                  </a:solidFill>
+                  <a:cs typeface="Segoe UI"/>
+                </a:endParaRPr>
+              </a:p>
+              <a:p>
+                <a:pPr marL="228600" lvl="2" indent="0">
+                  <a:buNone/>
+                </a:pPr>
+                <a:r>
+                  <a:rPr lang="en-US" sz="2800" dirty="0">
+                    <a:solidFill>
+                      <a:srgbClr val="000000"/>
+                    </a:solidFill>
+                    <a:cs typeface="Segoe UI"/>
+                  </a:rPr>
+                  <a:t>Performance ratio:</a:t>
+                </a:r>
+              </a:p>
+              <a:p>
+                <a:pPr marL="685800" lvl="2" indent="-457200"/>
+                <a:r>
+                  <a:rPr lang="en-US" sz="2800" dirty="0">
+                    <a:solidFill>
+                      <a:srgbClr val="000000"/>
+                    </a:solidFill>
+                    <a:cs typeface="Segoe UI"/>
+                  </a:rPr>
+                  <a:t>All other losses combined + temperature loss</a:t>
+                </a:r>
+              </a:p>
+              <a:p>
+                <a:pPr marL="685800" lvl="2" indent="-457200"/>
+                <a:endParaRPr lang="en-US" sz="2800" dirty="0">
+                  <a:solidFill>
+                    <a:srgbClr val="000000"/>
+                  </a:solidFill>
+                  <a:cs typeface="Segoe UI"/>
+                </a:endParaRPr>
+              </a:p>
+              <a:p>
+                <a:pPr marL="228600" lvl="2" indent="0">
+                  <a:buNone/>
+                </a:pPr>
+                <a:r>
+                  <a:rPr lang="en-US" sz="2800" dirty="0">
+                    <a:solidFill>
+                      <a:srgbClr val="000000"/>
+                    </a:solidFill>
+                    <a:cs typeface="Segoe UI"/>
+                  </a:rPr>
+                  <a:t>Temperature loss:</a:t>
+                </a:r>
+              </a:p>
+              <a:p>
+                <a:pPr marL="685800" lvl="2" indent="-457200"/>
+                <a14:m>
+                  <m:oMath xmlns:m="http://schemas.openxmlformats.org/officeDocument/2006/math">
+                    <m:sSub>
+                      <m:sSubPr>
+                        <m:ctrlPr>
+                          <a:rPr lang="en-US" sz="2800" i="1" smtClean="0">
+                            <a:solidFill>
+                              <a:srgbClr val="000000"/>
+                            </a:solidFill>
+                            <a:latin typeface="Cambria Math" panose="02040503050406030204" pitchFamily="18" charset="0"/>
+                            <a:cs typeface="Segoe UI"/>
+                          </a:rPr>
+                        </m:ctrlPr>
+                      </m:sSubPr>
+                      <m:e>
+                        <m:r>
+                          <a:rPr lang="de-DE" sz="2800" b="0" i="1" smtClean="0">
+                            <a:solidFill>
+                              <a:srgbClr val="000000"/>
+                            </a:solidFill>
+                            <a:latin typeface="Cambria Math" panose="02040503050406030204" pitchFamily="18" charset="0"/>
+                            <a:cs typeface="Segoe UI"/>
+                          </a:rPr>
+                          <m:t>𝐿</m:t>
+                        </m:r>
+                      </m:e>
+                      <m:sub>
+                        <m:r>
+                          <a:rPr lang="de-DE" sz="2800" b="0" i="1" smtClean="0">
+                            <a:solidFill>
+                              <a:srgbClr val="000000"/>
+                            </a:solidFill>
+                            <a:latin typeface="Cambria Math" panose="02040503050406030204" pitchFamily="18" charset="0"/>
+                            <a:cs typeface="Segoe UI"/>
+                          </a:rPr>
+                          <m:t>𝑡</m:t>
+                        </m:r>
+                      </m:sub>
+                    </m:sSub>
+                    <m:r>
+                      <a:rPr lang="en-US" sz="2800" i="1" smtClean="0">
+                        <a:solidFill>
+                          <a:srgbClr val="000000"/>
+                        </a:solidFill>
+                        <a:latin typeface="Cambria Math" panose="02040503050406030204" pitchFamily="18" charset="0"/>
+                        <a:cs typeface="Segoe UI"/>
+                      </a:rPr>
+                      <m:t>=</m:t>
+                    </m:r>
+                    <m:r>
+                      <m:rPr>
+                        <m:sty m:val="p"/>
+                      </m:rPr>
+                      <a:rPr lang="de-DE" sz="2800" b="0" i="0" smtClean="0">
+                        <a:solidFill>
+                          <a:srgbClr val="000000"/>
+                        </a:solidFill>
+                        <a:latin typeface="Cambria Math" panose="02040503050406030204" pitchFamily="18" charset="0"/>
+                        <a:cs typeface="Segoe UI"/>
+                      </a:rPr>
+                      <m:t>max</m:t>
+                    </m:r>
+                    <m:r>
+                      <a:rPr lang="de-DE" sz="2800" b="0" i="1" smtClean="0">
+                        <a:solidFill>
+                          <a:srgbClr val="000000"/>
+                        </a:solidFill>
+                        <a:latin typeface="Cambria Math" panose="02040503050406030204" pitchFamily="18" charset="0"/>
+                        <a:cs typeface="Segoe UI"/>
+                      </a:rPr>
+                      <m:t>⁡(</m:t>
+                    </m:r>
+                    <m:d>
+                      <m:dPr>
+                        <m:ctrlPr>
+                          <a:rPr lang="de-DE" sz="2800" b="0" i="1" smtClean="0">
+                            <a:solidFill>
+                              <a:srgbClr val="000000"/>
+                            </a:solidFill>
+                            <a:latin typeface="Cambria Math" panose="02040503050406030204" pitchFamily="18" charset="0"/>
+                            <a:cs typeface="Segoe UI"/>
+                          </a:rPr>
+                        </m:ctrlPr>
+                      </m:dPr>
+                      <m:e>
+                        <m:r>
+                          <a:rPr lang="de-DE" sz="2800" b="0" i="1" smtClean="0">
+                            <a:solidFill>
+                              <a:srgbClr val="000000"/>
+                            </a:solidFill>
+                            <a:latin typeface="Cambria Math" panose="02040503050406030204" pitchFamily="18" charset="0"/>
+                            <a:cs typeface="Segoe UI"/>
+                          </a:rPr>
+                          <m:t>𝑇</m:t>
+                        </m:r>
+                        <m:r>
+                          <a:rPr lang="de-DE" sz="2800" b="0" i="1" smtClean="0">
+                            <a:solidFill>
+                              <a:srgbClr val="000000"/>
+                            </a:solidFill>
+                            <a:latin typeface="Cambria Math" panose="02040503050406030204" pitchFamily="18" charset="0"/>
+                            <a:cs typeface="Segoe UI"/>
+                          </a:rPr>
+                          <m:t>−25</m:t>
+                        </m:r>
+                      </m:e>
+                    </m:d>
+                    <m:r>
+                      <a:rPr lang="de-DE" sz="2800" b="0" i="1" smtClean="0">
+                        <a:solidFill>
+                          <a:srgbClr val="000000"/>
+                        </a:solidFill>
+                        <a:latin typeface="Cambria Math" panose="02040503050406030204" pitchFamily="18" charset="0"/>
+                        <a:cs typeface="Segoe UI"/>
+                      </a:rPr>
+                      <m:t>∗0.005,0)</m:t>
+                    </m:r>
+                  </m:oMath>
+                </a14:m>
+                <a:endParaRPr lang="en-US" sz="2800" dirty="0">
+                  <a:solidFill>
+                    <a:srgbClr val="000000"/>
+                  </a:solidFill>
+                  <a:cs typeface="Segoe UI"/>
+                </a:endParaRPr>
+              </a:p>
+            </p:txBody>
+          </p:sp>
+        </mc:Choice>
+        <mc:Fallback>
+          <p:sp>
+            <p:nvSpPr>
+              <p:cNvPr id="6" name="Inhaltsplatzhalter 5">
+                <a:extLst>
+                  <a:ext uri="{FF2B5EF4-FFF2-40B4-BE49-F238E27FC236}">
+                    <a16:creationId xmlns:a16="http://schemas.microsoft.com/office/drawing/2014/main" id="{A346FCE4-C325-469C-A6B4-5C5A706CF6EE}"/>
+                  </a:ext>
+                </a:extLst>
+              </p:cNvPr>
+              <p:cNvSpPr>
+                <a:spLocks noGrp="1" noRot="1" noChangeAspect="1" noMove="1" noResize="1" noEditPoints="1" noAdjustHandles="1" noChangeArrowheads="1" noChangeShapeType="1" noTextEdit="1"/>
+              </p:cNvSpPr>
+              <p:nvPr>
+                <p:ph sz="quarter" idx="15"/>
+              </p:nvPr>
+            </p:nvSpPr>
+            <p:spPr>
+              <a:blipFill>
+                <a:blip r:embed="rId2"/>
+                <a:stretch>
+                  <a:fillRect/>
+                </a:stretch>
+              </a:blipFill>
+            </p:spPr>
+            <p:txBody>
+              <a:bodyPr/>
+              <a:lstStyle/>
+              <a:p>
+                <a:r>
+                  <a:rPr lang="de-DE">
+                    <a:noFill/>
+                  </a:rPr>
+                  <a:t> </a:t>
+                </a:r>
+              </a:p>
+            </p:txBody>
+          </p:sp>
+        </mc:Fallback>
+      </mc:AlternateContent>
     </p:spTree>
     <p:extLst>
       <p:ext uri="{BB962C8B-B14F-4D97-AF65-F5344CB8AC3E}">
@@ -4939,7 +7340,7 @@
           <a:p>
             <a:fld id="{55AED9EA-078F-4E5F-A87D-C222390B94C5}" type="datetime1">
               <a:rPr lang="en-US" smtClean="0"/>
-              <a:t>11/8/2018</a:t>
+              <a:t>11/9/2018</a:t>
             </a:fld>
             <a:endParaRPr lang="en-US"/>
           </a:p>
@@ -5004,119 +7405,173 @@
           </a:p>
         </p:txBody>
       </p:sp>
-      <p:sp>
-        <p:nvSpPr>
-          <p:cNvPr id="6" name="Inhaltsplatzhalter 5">
-            <a:extLst>
-              <a:ext uri="{FF2B5EF4-FFF2-40B4-BE49-F238E27FC236}">
-                <a16:creationId xmlns:a16="http://schemas.microsoft.com/office/drawing/2014/main" id="{A346FCE4-C325-469C-A6B4-5C5A706CF6EE}"/>
-              </a:ext>
-            </a:extLst>
-          </p:cNvPr>
-          <p:cNvSpPr>
-            <a:spLocks noGrp="1"/>
-          </p:cNvSpPr>
-          <p:nvPr>
-            <p:ph sz="quarter" idx="15"/>
-          </p:nvPr>
-        </p:nvSpPr>
-        <p:spPr/>
-        <p:txBody>
-          <a:bodyPr vert="horz" lIns="182880" tIns="146304" rIns="182880" bIns="146304" rtlCol="0" anchor="t">
-            <a:noAutofit/>
-          </a:bodyPr>
-          <a:lstStyle/>
-          <a:p>
-            <a:pPr marL="228600" lvl="2" indent="0">
-              <a:buNone/>
-            </a:pPr>
-            <a:r>
-              <a:rPr lang="en-US" sz="2800" dirty="0">
-                <a:cs typeface="Segoe UI"/>
-              </a:rPr>
-              <a:t>Solar radiation incident:</a:t>
-            </a:r>
-          </a:p>
-          <a:p>
-            <a:pPr marL="456565" lvl="2" indent="-227965"/>
-            <a:r>
-              <a:rPr lang="en-US" sz="2800" dirty="0" err="1">
-                <a:cs typeface="Segoe UI"/>
-              </a:rPr>
-              <a:t>Solarpanels</a:t>
-            </a:r>
-            <a:r>
-              <a:rPr lang="en-US" sz="2800" dirty="0">
-                <a:cs typeface="Segoe UI"/>
-              </a:rPr>
-              <a:t> are mostly tilted</a:t>
-            </a:r>
-          </a:p>
-          <a:p>
-            <a:pPr marL="456565" lvl="2" indent="-227965"/>
-            <a:r>
-              <a:rPr lang="en-US" sz="2800" dirty="0">
-                <a:cs typeface="Segoe UI"/>
-              </a:rPr>
-              <a:t>Solar radiation is tilted based on the day of the year and the latitude of the measurement</a:t>
-            </a:r>
-          </a:p>
-          <a:p>
-            <a:pPr marL="456565" lvl="2" indent="-227965"/>
-            <a:r>
-              <a:rPr lang="en-US" sz="2800" dirty="0">
-                <a:cs typeface="Segoe UI"/>
-              </a:rPr>
-              <a:t>The solar radiation incident describes the effective solar </a:t>
-            </a:r>
-            <a:r>
-              <a:rPr lang="en-US" sz="2800" dirty="0" err="1">
-                <a:cs typeface="Segoe UI"/>
-              </a:rPr>
-              <a:t>radation</a:t>
-            </a:r>
-            <a:r>
-              <a:rPr lang="en-US" sz="2800" dirty="0">
-                <a:cs typeface="Segoe UI"/>
-              </a:rPr>
-              <a:t> in a tilted surface based on:</a:t>
-            </a:r>
-          </a:p>
-          <a:p>
-            <a:pPr marL="739140" lvl="3" indent="-281940"/>
-            <a:r>
-              <a:rPr lang="en-US" sz="2400" dirty="0">
-                <a:cs typeface="Segoe UI"/>
-              </a:rPr>
-              <a:t>horizontal sun power in W/m^2</a:t>
-            </a:r>
-          </a:p>
-          <a:p>
-            <a:pPr marL="739140" lvl="3" indent="-281940"/>
-            <a:r>
-              <a:rPr lang="en-US" sz="2400" dirty="0">
-                <a:cs typeface="Segoe UI"/>
-              </a:rPr>
-              <a:t>Elevation angle alpha</a:t>
-            </a:r>
-          </a:p>
-          <a:p>
-            <a:pPr marL="739140" lvl="3" indent="-281940"/>
-            <a:r>
-              <a:rPr lang="en-US" sz="2400" dirty="0" err="1">
-                <a:cs typeface="Segoe UI"/>
-              </a:rPr>
-              <a:t>Solarpanel</a:t>
-            </a:r>
-            <a:r>
-              <a:rPr lang="en-US" sz="2400" dirty="0">
-                <a:cs typeface="Segoe UI"/>
-              </a:rPr>
-              <a:t> tilt beta</a:t>
-            </a:r>
-          </a:p>
-        </p:txBody>
-      </p:sp>
+      <mc:AlternateContent xmlns:mc="http://schemas.openxmlformats.org/markup-compatibility/2006">
+        <mc:Choice xmlns:a14="http://schemas.microsoft.com/office/drawing/2010/main" Requires="a14">
+          <p:sp>
+            <p:nvSpPr>
+              <p:cNvPr id="6" name="Inhaltsplatzhalter 5">
+                <a:extLst>
+                  <a:ext uri="{FF2B5EF4-FFF2-40B4-BE49-F238E27FC236}">
+                    <a16:creationId xmlns:a16="http://schemas.microsoft.com/office/drawing/2014/main" id="{A346FCE4-C325-469C-A6B4-5C5A706CF6EE}"/>
+                  </a:ext>
+                </a:extLst>
+              </p:cNvPr>
+              <p:cNvSpPr>
+                <a:spLocks noGrp="1"/>
+              </p:cNvSpPr>
+              <p:nvPr>
+                <p:ph sz="quarter" idx="15"/>
+              </p:nvPr>
+            </p:nvSpPr>
+            <p:spPr/>
+            <p:txBody>
+              <a:bodyPr vert="horz" lIns="182880" tIns="146304" rIns="182880" bIns="146304" rtlCol="0" anchor="t">
+                <a:noAutofit/>
+              </a:bodyPr>
+              <a:lstStyle/>
+              <a:p>
+                <a:pPr marL="228600" lvl="2" indent="0">
+                  <a:buNone/>
+                </a:pPr>
+                <a:r>
+                  <a:rPr lang="en-US" sz="2800" dirty="0">
+                    <a:cs typeface="Segoe UI"/>
+                  </a:rPr>
+                  <a:t>Solar radiation incident:</a:t>
+                </a:r>
+              </a:p>
+              <a:p>
+                <a:pPr marL="456565" lvl="2" indent="-227965"/>
+                <a:r>
+                  <a:rPr lang="en-US" sz="2800" dirty="0">
+                    <a:cs typeface="Segoe UI"/>
+                  </a:rPr>
+                  <a:t>Solar panels are mostly tilted</a:t>
+                </a:r>
+              </a:p>
+              <a:p>
+                <a:pPr marL="456565" lvl="2" indent="-227965"/>
+                <a:r>
+                  <a:rPr lang="en-US" sz="2800" dirty="0">
+                    <a:cs typeface="Segoe UI"/>
+                  </a:rPr>
+                  <a:t>Solar radiation is tilted based on the day of the year and the latitude of the measurement</a:t>
+                </a:r>
+              </a:p>
+              <a:p>
+                <a:pPr marL="456565" lvl="2" indent="-227965"/>
+                <a:r>
+                  <a:rPr lang="en-US" sz="2800" dirty="0">
+                    <a:cs typeface="Segoe UI"/>
+                  </a:rPr>
+                  <a:t>The solar radiation incident describes the effective solar radiation in a tilted surface based on:</a:t>
+                </a:r>
+              </a:p>
+              <a:p>
+                <a:pPr marL="739140" lvl="3" indent="-281940"/>
+                <a:r>
+                  <a:rPr lang="en-US" sz="2400" dirty="0">
+                    <a:cs typeface="Segoe UI"/>
+                  </a:rPr>
+                  <a:t>horizontal sun power in W/</a:t>
+                </a:r>
+                <a14:m>
+                  <m:oMath xmlns:m="http://schemas.openxmlformats.org/officeDocument/2006/math">
+                    <m:sSup>
+                      <m:sSupPr>
+                        <m:ctrlPr>
+                          <a:rPr lang="en-US" sz="2400" i="1" smtClean="0">
+                            <a:latin typeface="Cambria Math" panose="02040503050406030204" pitchFamily="18" charset="0"/>
+                            <a:cs typeface="Segoe UI"/>
+                          </a:rPr>
+                        </m:ctrlPr>
+                      </m:sSupPr>
+                      <m:e>
+                        <m:r>
+                          <a:rPr lang="de-DE" sz="2400" b="0" i="1" smtClean="0">
+                            <a:latin typeface="Cambria Math" panose="02040503050406030204" pitchFamily="18" charset="0"/>
+                            <a:cs typeface="Segoe UI"/>
+                          </a:rPr>
+                          <m:t>𝑚</m:t>
+                        </m:r>
+                      </m:e>
+                      <m:sup>
+                        <m:r>
+                          <a:rPr lang="de-DE" sz="2400" b="0" i="1" smtClean="0">
+                            <a:latin typeface="Cambria Math" panose="02040503050406030204" pitchFamily="18" charset="0"/>
+                            <a:cs typeface="Segoe UI"/>
+                          </a:rPr>
+                          <m:t>2</m:t>
+                        </m:r>
+                      </m:sup>
+                    </m:sSup>
+                  </m:oMath>
+                </a14:m>
+                <a:endParaRPr lang="en-US" sz="2400" dirty="0">
+                  <a:cs typeface="Segoe UI"/>
+                </a:endParaRPr>
+              </a:p>
+              <a:p>
+                <a:pPr marL="739140" lvl="3" indent="-281940"/>
+                <a:r>
+                  <a:rPr lang="en-US" sz="2400" dirty="0">
+                    <a:cs typeface="Segoe UI"/>
+                  </a:rPr>
+                  <a:t>Elevation angle alpha</a:t>
+                </a:r>
+              </a:p>
+              <a:p>
+                <a:pPr marL="739140" lvl="3" indent="-281940"/>
+                <a:r>
+                  <a:rPr lang="en-US" sz="2400" dirty="0">
+                    <a:cs typeface="Segoe UI"/>
+                  </a:rPr>
+                  <a:t>Solar panel tilt beta</a:t>
+                </a:r>
+              </a:p>
+            </p:txBody>
+          </p:sp>
+        </mc:Choice>
+        <mc:Fallback>
+          <p:sp>
+            <p:nvSpPr>
+              <p:cNvPr id="6" name="Inhaltsplatzhalter 5">
+                <a:extLst>
+                  <a:ext uri="{FF2B5EF4-FFF2-40B4-BE49-F238E27FC236}">
+                    <a16:creationId xmlns:a16="http://schemas.microsoft.com/office/drawing/2014/main" id="{A346FCE4-C325-469C-A6B4-5C5A706CF6EE}"/>
+                  </a:ext>
+                </a:extLst>
+              </p:cNvPr>
+              <p:cNvSpPr>
+                <a:spLocks noGrp="1" noRot="1" noChangeAspect="1" noMove="1" noResize="1" noEditPoints="1" noAdjustHandles="1" noChangeArrowheads="1" noChangeShapeType="1" noTextEdit="1"/>
+              </p:cNvSpPr>
+              <p:nvPr>
+                <p:ph sz="quarter" idx="15"/>
+              </p:nvPr>
+            </p:nvSpPr>
+            <p:spPr>
+              <a:blipFill>
+                <a:blip r:embed="rId2"/>
+                <a:stretch>
+                  <a:fillRect/>
+                </a:stretch>
+              </a:blipFill>
+            </p:spPr>
+            <p:txBody>
+              <a:bodyPr/>
+              <a:lstStyle/>
+              <a:p>
+                <a:r>
+                  <a:rPr lang="de-DE">
+                    <a:noFill/>
+                  </a:rPr>
+                  <a:t> </a:t>
+                </a:r>
+              </a:p>
+            </p:txBody>
+          </p:sp>
+        </mc:Fallback>
+      </mc:AlternateContent>
     </p:spTree>
     <p:extLst>
       <p:ext uri="{BB962C8B-B14F-4D97-AF65-F5344CB8AC3E}">
@@ -5201,7 +7656,7 @@
           <a:p>
             <a:fld id="{55AED9EA-078F-4E5F-A87D-C222390B94C5}" type="datetime1">
               <a:rPr lang="en-US" smtClean="0"/>
-              <a:t>11/8/2018</a:t>
+              <a:t>11/9/2018</a:t>
             </a:fld>
             <a:endParaRPr lang="en-US"/>
           </a:p>
@@ -5398,7 +7853,7 @@
 </file>
 
 <file path=ppt/slides/slide17.xml><?xml version="1.0" encoding="utf-8"?>
-<p:sld xmlns:a="http://schemas.openxmlformats.org/drawingml/2006/main" xmlns:r="http://schemas.openxmlformats.org/officeDocument/2006/relationships" xmlns:p="http://schemas.openxmlformats.org/presentationml/2006/main" show="0">
+<p:sld xmlns:a="http://schemas.openxmlformats.org/drawingml/2006/main" xmlns:r="http://schemas.openxmlformats.org/officeDocument/2006/relationships" xmlns:p="http://schemas.openxmlformats.org/presentationml/2006/main">
   <p:cSld>
     <p:spTree>
       <p:nvGrpSpPr>
@@ -5551,7 +8006,7 @@
           <a:p>
             <a:fld id="{55AED9EA-078F-4E5F-A87D-C222390B94C5}" type="datetime1">
               <a:rPr lang="en-US" smtClean="0"/>
-              <a:t>11/8/2018</a:t>
+              <a:t>11/9/2018</a:t>
             </a:fld>
             <a:endParaRPr lang="en-US"/>
           </a:p>
@@ -5686,19 +8141,7 @@
               <a:rPr lang="en-US" sz="2800" dirty="0">
                 <a:cs typeface="Segoe UI"/>
               </a:rPr>
-              <a:t>The equation in the implementation uses max and min functionalities to ensure the constraints of the battery as </a:t>
-            </a:r>
-            <a:r>
-              <a:rPr lang="en-US" sz="2800" dirty="0" err="1">
-                <a:cs typeface="Segoe UI"/>
-              </a:rPr>
-              <a:t>definded</a:t>
-            </a:r>
-            <a:r>
-              <a:rPr lang="en-US" sz="2800" dirty="0">
-                <a:cs typeface="Segoe UI"/>
-              </a:rPr>
-              <a:t> in the slides hold true.</a:t>
+              <a:t>The equation in the implementation uses max and min functionalities to ensure the constraints of the battery as defined in the slides hold true.</a:t>
             </a:r>
           </a:p>
         </p:txBody>
@@ -5720,7 +8163,7 @@
 </file>
 
 <file path=ppt/slides/slide19.xml><?xml version="1.0" encoding="utf-8"?>
-<p:sld xmlns:a="http://schemas.openxmlformats.org/drawingml/2006/main" xmlns:r="http://schemas.openxmlformats.org/officeDocument/2006/relationships" xmlns:p="http://schemas.openxmlformats.org/presentationml/2006/main" show="0">
+<p:sld xmlns:a="http://schemas.openxmlformats.org/drawingml/2006/main" xmlns:r="http://schemas.openxmlformats.org/officeDocument/2006/relationships" xmlns:p="http://schemas.openxmlformats.org/presentationml/2006/main">
   <p:cSld>
     <p:spTree>
       <p:nvGrpSpPr>
@@ -5977,7 +8420,7 @@
           <a:p>
             <a:fld id="{55AED9EA-078F-4E5F-A87D-C222390B94C5}" type="datetime1">
               <a:rPr lang="en-US" smtClean="0"/>
-              <a:t>11/8/2018</a:t>
+              <a:t>11/9/2018</a:t>
             </a:fld>
             <a:endParaRPr lang="en-US"/>
           </a:p>
@@ -6146,7 +8589,7 @@
 </file>
 
 <file path=ppt/slides/slide21.xml><?xml version="1.0" encoding="utf-8"?>
-<p:sld xmlns:a="http://schemas.openxmlformats.org/drawingml/2006/main" xmlns:r="http://schemas.openxmlformats.org/officeDocument/2006/relationships" xmlns:p="http://schemas.openxmlformats.org/presentationml/2006/main" show="0">
+<p:sld xmlns:a="http://schemas.openxmlformats.org/drawingml/2006/main" xmlns:r="http://schemas.openxmlformats.org/officeDocument/2006/relationships" xmlns:p="http://schemas.openxmlformats.org/presentationml/2006/main">
   <p:cSld>
     <p:spTree>
       <p:nvGrpSpPr>
@@ -6164,3185 +8607,419 @@
       </p:grpSpPr>
       <p:sp>
         <p:nvSpPr>
-          <p:cNvPr id="2" name="Rechteck: abgerundete Ecken 1">
+          <p:cNvPr id="2" name="Titel 1">
             <a:extLst>
               <a:ext uri="{FF2B5EF4-FFF2-40B4-BE49-F238E27FC236}">
-                <a16:creationId xmlns:a16="http://schemas.microsoft.com/office/drawing/2014/main" id="{D22B5CD7-EAA9-4093-880D-8B4C530971EB}"/>
+                <a16:creationId xmlns:a16="http://schemas.microsoft.com/office/drawing/2014/main" id="{FF4F576B-73C9-4AA1-811C-FDC0B2D05439}"/>
               </a:ext>
             </a:extLst>
           </p:cNvPr>
-          <p:cNvSpPr/>
-          <p:nvPr/>
-        </p:nvSpPr>
-        <p:spPr bwMode="auto">
-          <a:xfrm>
-            <a:off x="2027237" y="982662"/>
-            <a:ext cx="2133600" cy="533400"/>
-          </a:xfrm>
-          <a:prstGeom prst="roundRect">
-            <a:avLst/>
-          </a:prstGeom>
-          <a:solidFill>
-            <a:schemeClr val="accent2">
-              <a:lumMod val="75000"/>
-            </a:schemeClr>
-          </a:solidFill>
-          <a:ln>
-            <a:noFill/>
-            <a:headEnd type="none" w="med" len="med"/>
-            <a:tailEnd type="none" w="med" len="med"/>
-          </a:ln>
-          <a:effectLst/>
-        </p:spPr>
-        <p:style>
-          <a:lnRef idx="1">
-            <a:schemeClr val="accent2"/>
-          </a:lnRef>
-          <a:fillRef idx="3">
-            <a:schemeClr val="accent2"/>
-          </a:fillRef>
-          <a:effectRef idx="2">
-            <a:schemeClr val="accent2"/>
-          </a:effectRef>
-          <a:fontRef idx="minor">
-            <a:schemeClr val="lt1"/>
-          </a:fontRef>
-        </p:style>
-        <p:txBody>
-          <a:bodyPr lIns="91440" tIns="91440" rIns="34294" bIns="34294" rtlCol="0" anchor="t" anchorCtr="0"/>
+          <p:cNvSpPr>
+            <a:spLocks noGrp="1"/>
+          </p:cNvSpPr>
+          <p:nvPr>
+            <p:ph type="title"/>
+          </p:nvPr>
+        </p:nvSpPr>
+        <p:spPr/>
+        <p:txBody>
+          <a:bodyPr/>
           <a:lstStyle/>
           <a:p>
-            <a:pPr algn="ctr" defTabSz="932406"/>
-            <a:r>
-              <a:rPr lang="de-DE" sz="2000" b="1" spc="-102" dirty="0" err="1">
-                <a:gradFill>
-                  <a:gsLst>
-                    <a:gs pos="0">
-                      <a:srgbClr val="FFFFFF"/>
-                    </a:gs>
-                    <a:gs pos="100000">
-                      <a:srgbClr val="FFFFFF"/>
-                    </a:gs>
-                  </a:gsLst>
-                  <a:lin ang="5400000" scaled="0"/>
-                </a:gradFill>
-                <a:ea typeface="Segoe UI" pitchFamily="34" charset="0"/>
-                <a:cs typeface="Segoe UI" pitchFamily="34" charset="0"/>
-              </a:rPr>
-              <a:t>WeatherCollector</a:t>
-            </a:r>
-            <a:endParaRPr lang="de-DE" sz="2000" b="1" spc="-102" dirty="0">
-              <a:gradFill>
-                <a:gsLst>
-                  <a:gs pos="0">
-                    <a:srgbClr val="FFFFFF"/>
-                  </a:gs>
-                  <a:gs pos="100000">
-                    <a:srgbClr val="FFFFFF"/>
-                  </a:gs>
-                </a:gsLst>
-                <a:lin ang="5400000" scaled="0"/>
-              </a:gradFill>
-              <a:ea typeface="Segoe UI" pitchFamily="34" charset="0"/>
-              <a:cs typeface="Segoe UI" pitchFamily="34" charset="0"/>
-            </a:endParaRPr>
-          </a:p>
-        </p:txBody>
-      </p:sp>
-      <p:sp>
-        <p:nvSpPr>
-          <p:cNvPr id="5" name="Rechteck: abgerundete Ecken 4">
+            <a:r>
+              <a:rPr lang="en-US" dirty="0"/>
+              <a:t>Home</a:t>
+            </a:r>
+          </a:p>
+        </p:txBody>
+      </p:sp>
+      <p:sp>
+        <p:nvSpPr>
+          <p:cNvPr id="3" name="Datumsplatzhalter 2">
             <a:extLst>
               <a:ext uri="{FF2B5EF4-FFF2-40B4-BE49-F238E27FC236}">
-                <a16:creationId xmlns:a16="http://schemas.microsoft.com/office/drawing/2014/main" id="{95AEF877-612B-4637-AEED-EA0194672AB8}"/>
+                <a16:creationId xmlns:a16="http://schemas.microsoft.com/office/drawing/2014/main" id="{12FE7F30-B031-4560-816D-A25DD8D13762}"/>
               </a:ext>
             </a:extLst>
           </p:cNvPr>
-          <p:cNvSpPr/>
-          <p:nvPr/>
-        </p:nvSpPr>
-        <p:spPr bwMode="auto">
-          <a:xfrm>
-            <a:off x="5667375" y="982662"/>
-            <a:ext cx="2133600" cy="533400"/>
-          </a:xfrm>
-          <a:prstGeom prst="roundRect">
-            <a:avLst/>
-          </a:prstGeom>
-          <a:solidFill>
-            <a:schemeClr val="accent2">
-              <a:lumMod val="75000"/>
-            </a:schemeClr>
-          </a:solidFill>
-          <a:ln>
-            <a:noFill/>
-            <a:headEnd type="none" w="med" len="med"/>
-            <a:tailEnd type="none" w="med" len="med"/>
-          </a:ln>
-          <a:effectLst/>
-        </p:spPr>
-        <p:style>
-          <a:lnRef idx="1">
-            <a:schemeClr val="accent2"/>
-          </a:lnRef>
-          <a:fillRef idx="3">
-            <a:schemeClr val="accent2"/>
-          </a:fillRef>
-          <a:effectRef idx="2">
-            <a:schemeClr val="accent2"/>
-          </a:effectRef>
-          <a:fontRef idx="minor">
-            <a:schemeClr val="lt1"/>
-          </a:fontRef>
-        </p:style>
-        <p:txBody>
-          <a:bodyPr lIns="91440" tIns="91440" rIns="34294" bIns="34294" rtlCol="0" anchor="t" anchorCtr="0"/>
+          <p:cNvSpPr>
+            <a:spLocks noGrp="1"/>
+          </p:cNvSpPr>
+          <p:nvPr>
+            <p:ph type="dt" sz="half" idx="2"/>
+          </p:nvPr>
+        </p:nvSpPr>
+        <p:spPr/>
+        <p:txBody>
+          <a:bodyPr/>
           <a:lstStyle/>
           <a:p>
-            <a:pPr algn="ctr" defTabSz="932406"/>
-            <a:r>
-              <a:rPr lang="de-DE" sz="2000" b="1" spc="-102" dirty="0">
-                <a:gradFill>
-                  <a:gsLst>
-                    <a:gs pos="0">
-                      <a:srgbClr val="FFFFFF"/>
-                    </a:gs>
-                    <a:gs pos="100000">
-                      <a:srgbClr val="FFFFFF"/>
-                    </a:gs>
-                  </a:gsLst>
-                  <a:lin ang="5400000" scaled="0"/>
-                </a:gradFill>
-                <a:ea typeface="Segoe UI" pitchFamily="34" charset="0"/>
-                <a:cs typeface="Segoe UI" pitchFamily="34" charset="0"/>
-              </a:rPr>
-              <a:t>Weatherbit.io</a:t>
-            </a:r>
-          </a:p>
-        </p:txBody>
-      </p:sp>
-      <p:sp>
-        <p:nvSpPr>
-          <p:cNvPr id="6" name="Zylinder 5">
+            <a:fld id="{55AED9EA-078F-4E5F-A87D-C222390B94C5}" type="datetime1">
+              <a:rPr lang="en-US" smtClean="0"/>
+              <a:t>11/9/2018</a:t>
+            </a:fld>
+            <a:endParaRPr lang="en-US"/>
+          </a:p>
+        </p:txBody>
+      </p:sp>
+      <p:sp>
+        <p:nvSpPr>
+          <p:cNvPr id="4" name="Fußzeilenplatzhalter 3">
             <a:extLst>
               <a:ext uri="{FF2B5EF4-FFF2-40B4-BE49-F238E27FC236}">
-                <a16:creationId xmlns:a16="http://schemas.microsoft.com/office/drawing/2014/main" id="{B5C00319-C37F-468B-B339-964240C1BF36}"/>
+                <a16:creationId xmlns:a16="http://schemas.microsoft.com/office/drawing/2014/main" id="{E53A2B92-BC12-49E3-A18A-D413B74F5C4D}"/>
               </a:ext>
             </a:extLst>
           </p:cNvPr>
-          <p:cNvSpPr/>
-          <p:nvPr/>
-        </p:nvSpPr>
-        <p:spPr bwMode="auto">
-          <a:xfrm>
-            <a:off x="395082" y="2887663"/>
-            <a:ext cx="762000" cy="914400"/>
-          </a:xfrm>
-          <a:prstGeom prst="can">
-            <a:avLst/>
-          </a:prstGeom>
-          <a:solidFill>
-            <a:srgbClr val="92D050"/>
-          </a:solidFill>
-          <a:ln>
-            <a:noFill/>
-            <a:headEnd type="none" w="med" len="med"/>
-            <a:tailEnd type="none" w="med" len="med"/>
-          </a:ln>
-          <a:effectLst/>
-        </p:spPr>
-        <p:style>
-          <a:lnRef idx="1">
-            <a:schemeClr val="accent2"/>
-          </a:lnRef>
-          <a:fillRef idx="3">
-            <a:schemeClr val="accent2"/>
-          </a:fillRef>
-          <a:effectRef idx="2">
-            <a:schemeClr val="accent2"/>
-          </a:effectRef>
-          <a:fontRef idx="minor">
-            <a:schemeClr val="lt1"/>
-          </a:fontRef>
-        </p:style>
-        <p:txBody>
-          <a:bodyPr lIns="91440" tIns="91440" rIns="34294" bIns="34294" rtlCol="0" anchor="t" anchorCtr="0"/>
+          <p:cNvSpPr>
+            <a:spLocks noGrp="1"/>
+          </p:cNvSpPr>
+          <p:nvPr>
+            <p:ph type="ftr" sz="quarter" idx="3"/>
+          </p:nvPr>
+        </p:nvSpPr>
+        <p:spPr/>
+        <p:txBody>
+          <a:bodyPr/>
           <a:lstStyle/>
           <a:p>
-            <a:pPr algn="ctr" defTabSz="932406"/>
-            <a:endParaRPr lang="de-DE" sz="2800" spc="-102" dirty="0">
-              <a:gradFill>
-                <a:gsLst>
-                  <a:gs pos="0">
-                    <a:srgbClr val="FFFFFF"/>
-                  </a:gs>
-                  <a:gs pos="100000">
-                    <a:srgbClr val="FFFFFF"/>
-                  </a:gs>
-                </a:gsLst>
-                <a:lin ang="5400000" scaled="0"/>
-              </a:gradFill>
-              <a:ea typeface="Segoe UI" pitchFamily="34" charset="0"/>
-              <a:cs typeface="Segoe UI" pitchFamily="34" charset="0"/>
-            </a:endParaRPr>
-          </a:p>
-        </p:txBody>
-      </p:sp>
-      <p:cxnSp>
-        <p:nvCxnSpPr>
-          <p:cNvPr id="8" name="Verbinder: gewinkelt 7">
+            <a:r>
+              <a:rPr lang="de-DE"/>
+              <a:t>Smart Energy Systems</a:t>
+            </a:r>
+            <a:endParaRPr lang="en-US"/>
+          </a:p>
+        </p:txBody>
+      </p:sp>
+      <p:sp>
+        <p:nvSpPr>
+          <p:cNvPr id="5" name="Foliennummernplatzhalter 4">
             <a:extLst>
               <a:ext uri="{FF2B5EF4-FFF2-40B4-BE49-F238E27FC236}">
-                <a16:creationId xmlns:a16="http://schemas.microsoft.com/office/drawing/2014/main" id="{E7B449CA-3702-4BC8-B296-13689EB63D9B}"/>
+                <a16:creationId xmlns:a16="http://schemas.microsoft.com/office/drawing/2014/main" id="{84AB002B-7A4F-4918-9325-066835A97BFC}"/>
               </a:ext>
             </a:extLst>
           </p:cNvPr>
-          <p:cNvCxnSpPr>
-            <a:cxnSpLocks/>
-            <a:stCxn id="2" idx="1"/>
-            <a:endCxn id="6" idx="1"/>
-          </p:cNvCxnSpPr>
-          <p:nvPr/>
-        </p:nvCxnSpPr>
-        <p:spPr>
-          <a:xfrm rot="10800000" flipV="1">
-            <a:off x="776083" y="1249361"/>
-            <a:ext cx="1251155" cy="1638301"/>
-          </a:xfrm>
-          <a:prstGeom prst="bentConnector2">
-            <a:avLst/>
-          </a:prstGeom>
-          <a:ln w="57150">
-            <a:solidFill>
-              <a:schemeClr val="accent2">
-                <a:lumMod val="75000"/>
-              </a:schemeClr>
-            </a:solidFill>
-            <a:tailEnd type="triangle"/>
-          </a:ln>
-        </p:spPr>
-        <p:style>
-          <a:lnRef idx="1">
-            <a:schemeClr val="accent1"/>
-          </a:lnRef>
-          <a:fillRef idx="0">
-            <a:schemeClr val="accent1"/>
-          </a:fillRef>
-          <a:effectRef idx="0">
-            <a:schemeClr val="accent1"/>
-          </a:effectRef>
-          <a:fontRef idx="minor">
-            <a:schemeClr val="tx1"/>
-          </a:fontRef>
-        </p:style>
-      </p:cxnSp>
-      <p:cxnSp>
-        <p:nvCxnSpPr>
-          <p:cNvPr id="14" name="Gerader Verbinder 13">
+          <p:cNvSpPr>
+            <a:spLocks noGrp="1"/>
+          </p:cNvSpPr>
+          <p:nvPr>
+            <p:ph type="sldNum" sz="quarter" idx="4"/>
+          </p:nvPr>
+        </p:nvSpPr>
+        <p:spPr/>
+        <p:txBody>
+          <a:bodyPr/>
+          <a:lstStyle/>
+          <a:p>
+            <a:fld id="{860CA8AD-EDD7-4639-9B75-4CED81BEA940}" type="slidenum">
+              <a:rPr lang="en-US" smtClean="0"/>
+              <a:pPr/>
+              <a:t>21</a:t>
+            </a:fld>
+            <a:endParaRPr lang="en-US"/>
+          </a:p>
+        </p:txBody>
+      </p:sp>
+      <p:graphicFrame>
+        <p:nvGraphicFramePr>
+          <p:cNvPr id="9" name="Diagramm 8">
             <a:extLst>
               <a:ext uri="{FF2B5EF4-FFF2-40B4-BE49-F238E27FC236}">
-                <a16:creationId xmlns:a16="http://schemas.microsoft.com/office/drawing/2014/main" id="{05FFAA37-FD16-45A1-8A18-AB3487C3D592}"/>
+                <a16:creationId xmlns:a16="http://schemas.microsoft.com/office/drawing/2014/main" id="{B340C1D7-1EE4-4F1E-858A-175C7C8CC21C}"/>
               </a:ext>
             </a:extLst>
           </p:cNvPr>
-          <p:cNvCxnSpPr>
-            <a:cxnSpLocks/>
-          </p:cNvCxnSpPr>
-          <p:nvPr/>
-        </p:nvCxnSpPr>
-        <p:spPr>
-          <a:xfrm>
-            <a:off x="1570037" y="0"/>
-            <a:ext cx="0" cy="6994525"/>
-          </a:xfrm>
-          <a:prstGeom prst="line">
-            <a:avLst/>
-          </a:prstGeom>
-          <a:ln w="57150">
-            <a:prstDash val="dash"/>
-          </a:ln>
-        </p:spPr>
-        <p:style>
-          <a:lnRef idx="1">
-            <a:schemeClr val="accent1"/>
-          </a:lnRef>
-          <a:fillRef idx="0">
-            <a:schemeClr val="accent1"/>
-          </a:fillRef>
-          <a:effectRef idx="0">
-            <a:schemeClr val="accent1"/>
-          </a:effectRef>
-          <a:fontRef idx="minor">
-            <a:schemeClr val="tx1"/>
-          </a:fontRef>
-        </p:style>
-      </p:cxnSp>
-      <p:cxnSp>
-        <p:nvCxnSpPr>
-          <p:cNvPr id="22" name="Gerade Verbindung mit Pfeil 21">
+          <p:cNvGraphicFramePr>
+            <a:graphicFrameLocks/>
+          </p:cNvGraphicFramePr>
+          <p:nvPr>
+            <p:extLst>
+              <p:ext uri="{D42A27DB-BD31-4B8C-83A1-F6EECF244321}">
+                <p14:modId xmlns:p14="http://schemas.microsoft.com/office/powerpoint/2010/main" val="1871711935"/>
+              </p:ext>
+            </p:extLst>
+          </p:nvPr>
+        </p:nvGraphicFramePr>
+        <p:xfrm>
+          <a:off x="394570" y="1439862"/>
+          <a:ext cx="11647333" cy="4495800"/>
+        </p:xfrm>
+        <a:graphic>
+          <a:graphicData uri="http://schemas.openxmlformats.org/drawingml/2006/chart">
+            <c:chart xmlns:c="http://schemas.openxmlformats.org/drawingml/2006/chart" xmlns:r="http://schemas.openxmlformats.org/officeDocument/2006/relationships" r:id="rId2"/>
+          </a:graphicData>
+        </a:graphic>
+      </p:graphicFrame>
+    </p:spTree>
+    <p:extLst>
+      <p:ext uri="{BB962C8B-B14F-4D97-AF65-F5344CB8AC3E}">
+        <p14:creationId xmlns:p14="http://schemas.microsoft.com/office/powerpoint/2010/main" val="2393671248"/>
+      </p:ext>
+    </p:extLst>
+  </p:cSld>
+  <p:clrMapOvr>
+    <a:masterClrMapping/>
+  </p:clrMapOvr>
+  <p:transition>
+    <p:fade/>
+  </p:transition>
+</p:sld>
+</file>
+
+<file path=ppt/slides/slide22.xml><?xml version="1.0" encoding="utf-8"?>
+<p:sld xmlns:a="http://schemas.openxmlformats.org/drawingml/2006/main" xmlns:r="http://schemas.openxmlformats.org/officeDocument/2006/relationships" xmlns:p="http://schemas.openxmlformats.org/presentationml/2006/main">
+  <p:cSld>
+    <p:spTree>
+      <p:nvGrpSpPr>
+        <p:cNvPr id="1" name=""/>
+        <p:cNvGrpSpPr/>
+        <p:nvPr/>
+      </p:nvGrpSpPr>
+      <p:grpSpPr>
+        <a:xfrm>
+          <a:off x="0" y="0"/>
+          <a:ext cx="0" cy="0"/>
+          <a:chOff x="0" y="0"/>
+          <a:chExt cx="0" cy="0"/>
+        </a:xfrm>
+      </p:grpSpPr>
+      <p:sp>
+        <p:nvSpPr>
+          <p:cNvPr id="2" name="Titel 1">
             <a:extLst>
               <a:ext uri="{FF2B5EF4-FFF2-40B4-BE49-F238E27FC236}">
-                <a16:creationId xmlns:a16="http://schemas.microsoft.com/office/drawing/2014/main" id="{56F4B71C-750F-4C2F-9254-D2F4D354DC95}"/>
+                <a16:creationId xmlns:a16="http://schemas.microsoft.com/office/drawing/2014/main" id="{FF4F576B-73C9-4AA1-811C-FDC0B2D05439}"/>
               </a:ext>
             </a:extLst>
           </p:cNvPr>
-          <p:cNvCxnSpPr>
-            <a:stCxn id="2" idx="3"/>
-            <a:endCxn id="5" idx="1"/>
-          </p:cNvCxnSpPr>
-          <p:nvPr/>
-        </p:nvCxnSpPr>
-        <p:spPr>
-          <a:xfrm>
-            <a:off x="4160837" y="1249362"/>
-            <a:ext cx="1506538" cy="0"/>
-          </a:xfrm>
-          <a:prstGeom prst="straightConnector1">
-            <a:avLst/>
-          </a:prstGeom>
-          <a:ln w="57150">
-            <a:solidFill>
-              <a:schemeClr val="accent2">
-                <a:lumMod val="75000"/>
-              </a:schemeClr>
-            </a:solidFill>
-            <a:prstDash val="sysDash"/>
-            <a:tailEnd type="triangle"/>
-          </a:ln>
-        </p:spPr>
-        <p:style>
-          <a:lnRef idx="1">
-            <a:schemeClr val="accent1"/>
-          </a:lnRef>
-          <a:fillRef idx="0">
-            <a:schemeClr val="accent1"/>
-          </a:fillRef>
-          <a:effectRef idx="0">
-            <a:schemeClr val="accent1"/>
-          </a:effectRef>
-          <a:fontRef idx="minor">
-            <a:schemeClr val="tx1"/>
-          </a:fontRef>
-        </p:style>
-      </p:cxnSp>
-      <p:sp>
-        <p:nvSpPr>
-          <p:cNvPr id="23" name="Textfeld 22">
+          <p:cNvSpPr>
+            <a:spLocks noGrp="1"/>
+          </p:cNvSpPr>
+          <p:nvPr>
+            <p:ph type="title"/>
+          </p:nvPr>
+        </p:nvSpPr>
+        <p:spPr/>
+        <p:txBody>
+          <a:bodyPr/>
+          <a:lstStyle/>
+          <a:p>
+            <a:r>
+              <a:rPr lang="en-US" dirty="0"/>
+              <a:t>Office building</a:t>
+            </a:r>
+          </a:p>
+        </p:txBody>
+      </p:sp>
+      <p:sp>
+        <p:nvSpPr>
+          <p:cNvPr id="3" name="Datumsplatzhalter 2">
             <a:extLst>
               <a:ext uri="{FF2B5EF4-FFF2-40B4-BE49-F238E27FC236}">
-                <a16:creationId xmlns:a16="http://schemas.microsoft.com/office/drawing/2014/main" id="{A54B695E-F81A-4E39-804E-DF81CE4E96F1}"/>
+                <a16:creationId xmlns:a16="http://schemas.microsoft.com/office/drawing/2014/main" id="{12FE7F30-B031-4560-816D-A25DD8D13762}"/>
               </a:ext>
             </a:extLst>
           </p:cNvPr>
-          <p:cNvSpPr txBox="1"/>
-          <p:nvPr/>
-        </p:nvSpPr>
-        <p:spPr>
-          <a:xfrm>
-            <a:off x="5398782" y="315416"/>
-            <a:ext cx="909223" cy="461665"/>
-          </a:xfrm>
-          <a:prstGeom prst="rect">
-            <a:avLst/>
-          </a:prstGeom>
-          <a:noFill/>
-        </p:spPr>
-        <p:txBody>
-          <a:bodyPr wrap="none" rtlCol="0">
-            <a:spAutoFit/>
-          </a:bodyPr>
+          <p:cNvSpPr>
+            <a:spLocks noGrp="1"/>
+          </p:cNvSpPr>
+          <p:nvPr>
+            <p:ph type="dt" sz="half" idx="2"/>
+          </p:nvPr>
+        </p:nvSpPr>
+        <p:spPr/>
+        <p:txBody>
+          <a:bodyPr/>
           <a:lstStyle/>
           <a:p>
-            <a:r>
-              <a:rPr lang="de-DE" sz="2400" dirty="0" err="1">
-                <a:gradFill>
-                  <a:gsLst>
-                    <a:gs pos="0">
-                      <a:schemeClr val="tx1">
-                        <a:lumMod val="75000"/>
-                        <a:lumOff val="25000"/>
-                      </a:schemeClr>
-                    </a:gs>
-                    <a:gs pos="100000">
-                      <a:schemeClr val="tx1">
-                        <a:lumMod val="75000"/>
-                        <a:lumOff val="25000"/>
-                      </a:schemeClr>
-                    </a:gs>
-                  </a:gsLst>
-                  <a:lin ang="5400000" scaled="0"/>
-                </a:gradFill>
-              </a:rPr>
-              <a:t>Logic</a:t>
-            </a:r>
-            <a:endParaRPr lang="de-DE" sz="2400" dirty="0">
-              <a:gradFill>
-                <a:gsLst>
-                  <a:gs pos="0">
-                    <a:schemeClr val="tx1">
-                      <a:lumMod val="75000"/>
-                      <a:lumOff val="25000"/>
-                    </a:schemeClr>
-                  </a:gs>
-                  <a:gs pos="100000">
-                    <a:schemeClr val="tx1">
-                      <a:lumMod val="75000"/>
-                      <a:lumOff val="25000"/>
-                    </a:schemeClr>
-                  </a:gs>
-                </a:gsLst>
-                <a:lin ang="5400000" scaled="0"/>
-              </a:gradFill>
-            </a:endParaRPr>
-          </a:p>
-        </p:txBody>
-      </p:sp>
-      <p:sp>
-        <p:nvSpPr>
-          <p:cNvPr id="24" name="Textfeld 23">
+            <a:fld id="{55AED9EA-078F-4E5F-A87D-C222390B94C5}" type="datetime1">
+              <a:rPr lang="en-US" smtClean="0"/>
+              <a:t>11/9/2018</a:t>
+            </a:fld>
+            <a:endParaRPr lang="en-US"/>
+          </a:p>
+        </p:txBody>
+      </p:sp>
+      <p:sp>
+        <p:nvSpPr>
+          <p:cNvPr id="4" name="Fußzeilenplatzhalter 3">
             <a:extLst>
               <a:ext uri="{FF2B5EF4-FFF2-40B4-BE49-F238E27FC236}">
-                <a16:creationId xmlns:a16="http://schemas.microsoft.com/office/drawing/2014/main" id="{BB8A5DEB-7750-461E-9D79-750C2915D3FA}"/>
+                <a16:creationId xmlns:a16="http://schemas.microsoft.com/office/drawing/2014/main" id="{E53A2B92-BC12-49E3-A18A-D413B74F5C4D}"/>
               </a:ext>
             </a:extLst>
           </p:cNvPr>
-          <p:cNvSpPr txBox="1"/>
-          <p:nvPr/>
-        </p:nvSpPr>
-        <p:spPr>
-          <a:xfrm>
-            <a:off x="353604" y="315415"/>
-            <a:ext cx="819455" cy="461665"/>
-          </a:xfrm>
-          <a:prstGeom prst="rect">
-            <a:avLst/>
-          </a:prstGeom>
-          <a:noFill/>
-        </p:spPr>
-        <p:txBody>
-          <a:bodyPr wrap="none" rtlCol="0">
-            <a:spAutoFit/>
-          </a:bodyPr>
+          <p:cNvSpPr>
+            <a:spLocks noGrp="1"/>
+          </p:cNvSpPr>
+          <p:nvPr>
+            <p:ph type="ftr" sz="quarter" idx="3"/>
+          </p:nvPr>
+        </p:nvSpPr>
+        <p:spPr/>
+        <p:txBody>
+          <a:bodyPr/>
           <a:lstStyle/>
           <a:p>
             <a:r>
-              <a:rPr lang="de-DE" sz="2400" dirty="0">
-                <a:gradFill>
-                  <a:gsLst>
-                    <a:gs pos="0">
-                      <a:schemeClr val="tx1">
-                        <a:lumMod val="75000"/>
-                        <a:lumOff val="25000"/>
-                      </a:schemeClr>
-                    </a:gs>
-                    <a:gs pos="100000">
-                      <a:schemeClr val="tx1">
-                        <a:lumMod val="75000"/>
-                        <a:lumOff val="25000"/>
-                      </a:schemeClr>
-                    </a:gs>
-                  </a:gsLst>
-                  <a:lin ang="5400000" scaled="0"/>
-                </a:gradFill>
-              </a:rPr>
-              <a:t>Data</a:t>
-            </a:r>
-          </a:p>
-        </p:txBody>
-      </p:sp>
-      <p:sp>
-        <p:nvSpPr>
-          <p:cNvPr id="25" name="Textfeld 24">
+              <a:rPr lang="de-DE"/>
+              <a:t>Smart Energy Systems</a:t>
+            </a:r>
+            <a:endParaRPr lang="en-US"/>
+          </a:p>
+        </p:txBody>
+      </p:sp>
+      <p:sp>
+        <p:nvSpPr>
+          <p:cNvPr id="5" name="Foliennummernplatzhalter 4">
             <a:extLst>
               <a:ext uri="{FF2B5EF4-FFF2-40B4-BE49-F238E27FC236}">
-                <a16:creationId xmlns:a16="http://schemas.microsoft.com/office/drawing/2014/main" id="{032D1AA6-A03F-4D15-B1D3-CC91660A15D4}"/>
+                <a16:creationId xmlns:a16="http://schemas.microsoft.com/office/drawing/2014/main" id="{84AB002B-7A4F-4918-9325-066835A97BFC}"/>
               </a:ext>
             </a:extLst>
           </p:cNvPr>
-          <p:cNvSpPr txBox="1"/>
-          <p:nvPr/>
-        </p:nvSpPr>
-        <p:spPr>
-          <a:xfrm>
-            <a:off x="10015352" y="315415"/>
-            <a:ext cx="1883016" cy="461665"/>
-          </a:xfrm>
-          <a:prstGeom prst="rect">
-            <a:avLst/>
-          </a:prstGeom>
-          <a:noFill/>
-        </p:spPr>
-        <p:txBody>
-          <a:bodyPr wrap="none" rtlCol="0">
-            <a:spAutoFit/>
-          </a:bodyPr>
+          <p:cNvSpPr>
+            <a:spLocks noGrp="1"/>
+          </p:cNvSpPr>
+          <p:nvPr>
+            <p:ph type="sldNum" sz="quarter" idx="4"/>
+          </p:nvPr>
+        </p:nvSpPr>
+        <p:spPr/>
+        <p:txBody>
+          <a:bodyPr/>
           <a:lstStyle/>
           <a:p>
-            <a:r>
-              <a:rPr lang="de-DE" sz="2400" dirty="0" err="1">
-                <a:gradFill>
-                  <a:gsLst>
-                    <a:gs pos="0">
-                      <a:schemeClr val="tx1">
-                        <a:lumMod val="75000"/>
-                        <a:lumOff val="25000"/>
-                      </a:schemeClr>
-                    </a:gs>
-                    <a:gs pos="100000">
-                      <a:schemeClr val="tx1">
-                        <a:lumMod val="75000"/>
-                        <a:lumOff val="25000"/>
-                      </a:schemeClr>
-                    </a:gs>
-                  </a:gsLst>
-                  <a:lin ang="5400000" scaled="0"/>
-                </a:gradFill>
-              </a:rPr>
-              <a:t>Presentation</a:t>
-            </a:r>
-            <a:endParaRPr lang="de-DE" sz="2400" dirty="0">
-              <a:gradFill>
-                <a:gsLst>
-                  <a:gs pos="0">
-                    <a:schemeClr val="tx1">
-                      <a:lumMod val="75000"/>
-                      <a:lumOff val="25000"/>
-                    </a:schemeClr>
-                  </a:gs>
-                  <a:gs pos="100000">
-                    <a:schemeClr val="tx1">
-                      <a:lumMod val="75000"/>
-                      <a:lumOff val="25000"/>
-                    </a:schemeClr>
-                  </a:gs>
-                </a:gsLst>
-                <a:lin ang="5400000" scaled="0"/>
-              </a:gradFill>
-            </a:endParaRPr>
-          </a:p>
-        </p:txBody>
-      </p:sp>
-      <p:sp>
-        <p:nvSpPr>
-          <p:cNvPr id="26" name="Rechteck: abgerundete Ecken 25">
+            <a:fld id="{860CA8AD-EDD7-4639-9B75-4CED81BEA940}" type="slidenum">
+              <a:rPr lang="en-US" smtClean="0"/>
+              <a:pPr/>
+              <a:t>22</a:t>
+            </a:fld>
+            <a:endParaRPr lang="en-US"/>
+          </a:p>
+        </p:txBody>
+      </p:sp>
+      <p:graphicFrame>
+        <p:nvGraphicFramePr>
+          <p:cNvPr id="7" name="Diagramm 6">
             <a:extLst>
               <a:ext uri="{FF2B5EF4-FFF2-40B4-BE49-F238E27FC236}">
-                <a16:creationId xmlns:a16="http://schemas.microsoft.com/office/drawing/2014/main" id="{8CF2A6E4-22A5-4E02-BABC-C0197FC3C05F}"/>
+                <a16:creationId xmlns:a16="http://schemas.microsoft.com/office/drawing/2014/main" id="{8CF5A5C8-B0A4-4195-B1AC-7D8E8079157D}"/>
               </a:ext>
             </a:extLst>
           </p:cNvPr>
-          <p:cNvSpPr/>
-          <p:nvPr/>
-        </p:nvSpPr>
-        <p:spPr bwMode="auto">
-          <a:xfrm>
-            <a:off x="2179637" y="3093243"/>
-            <a:ext cx="1752600" cy="533400"/>
-          </a:xfrm>
-          <a:prstGeom prst="roundRect">
-            <a:avLst/>
-          </a:prstGeom>
-          <a:solidFill>
-            <a:srgbClr val="0070C0"/>
-          </a:solidFill>
-          <a:ln>
-            <a:noFill/>
-            <a:headEnd type="none" w="med" len="med"/>
-            <a:tailEnd type="none" w="med" len="med"/>
-          </a:ln>
-          <a:effectLst/>
-        </p:spPr>
-        <p:style>
-          <a:lnRef idx="1">
-            <a:schemeClr val="accent2"/>
-          </a:lnRef>
-          <a:fillRef idx="3">
-            <a:schemeClr val="accent2"/>
-          </a:fillRef>
-          <a:effectRef idx="2">
-            <a:schemeClr val="accent2"/>
-          </a:effectRef>
-          <a:fontRef idx="minor">
-            <a:schemeClr val="lt1"/>
-          </a:fontRef>
-        </p:style>
-        <p:txBody>
-          <a:bodyPr lIns="91440" tIns="91440" rIns="34294" bIns="34294" rtlCol="0" anchor="t" anchorCtr="0"/>
-          <a:lstStyle/>
-          <a:p>
-            <a:pPr algn="ctr" defTabSz="932406"/>
-            <a:r>
-              <a:rPr lang="de-DE" sz="2000" b="1" spc="-102" dirty="0">
-                <a:gradFill>
-                  <a:gsLst>
-                    <a:gs pos="0">
-                      <a:srgbClr val="FFFFFF"/>
-                    </a:gs>
-                    <a:gs pos="100000">
-                      <a:srgbClr val="FFFFFF"/>
-                    </a:gs>
-                  </a:gsLst>
-                  <a:lin ang="5400000" scaled="0"/>
-                </a:gradFill>
-                <a:ea typeface="Segoe UI" pitchFamily="34" charset="0"/>
-                <a:cs typeface="Segoe UI" pitchFamily="34" charset="0"/>
-              </a:rPr>
-              <a:t>Supplier</a:t>
-            </a:r>
-          </a:p>
-        </p:txBody>
-      </p:sp>
-      <p:sp>
-        <p:nvSpPr>
-          <p:cNvPr id="27" name="Rechteck: abgerundete Ecken 26">
+          <p:cNvGraphicFramePr>
+            <a:graphicFrameLocks/>
+          </p:cNvGraphicFramePr>
+          <p:nvPr>
+            <p:extLst>
+              <p:ext uri="{D42A27DB-BD31-4B8C-83A1-F6EECF244321}">
+                <p14:modId xmlns:p14="http://schemas.microsoft.com/office/powerpoint/2010/main" val="1919565309"/>
+              </p:ext>
+            </p:extLst>
+          </p:nvPr>
+        </p:nvGraphicFramePr>
+        <p:xfrm>
+          <a:off x="347945" y="1211262"/>
+          <a:ext cx="11539603" cy="4876799"/>
+        </p:xfrm>
+        <a:graphic>
+          <a:graphicData uri="http://schemas.openxmlformats.org/drawingml/2006/chart">
+            <c:chart xmlns:c="http://schemas.openxmlformats.org/drawingml/2006/chart" xmlns:r="http://schemas.openxmlformats.org/officeDocument/2006/relationships" r:id="rId2"/>
+          </a:graphicData>
+        </a:graphic>
+      </p:graphicFrame>
+    </p:spTree>
+    <p:extLst>
+      <p:ext uri="{BB962C8B-B14F-4D97-AF65-F5344CB8AC3E}">
+        <p14:creationId xmlns:p14="http://schemas.microsoft.com/office/powerpoint/2010/main" val="1843728"/>
+      </p:ext>
+    </p:extLst>
+  </p:cSld>
+  <p:clrMapOvr>
+    <a:masterClrMapping/>
+  </p:clrMapOvr>
+  <p:transition>
+    <p:fade/>
+  </p:transition>
+</p:sld>
+</file>
+
+<file path=ppt/slides/slide23.xml><?xml version="1.0" encoding="utf-8"?>
+<p:sld xmlns:a="http://schemas.openxmlformats.org/drawingml/2006/main" xmlns:r="http://schemas.openxmlformats.org/officeDocument/2006/relationships" xmlns:p="http://schemas.openxmlformats.org/presentationml/2006/main">
+  <p:cSld>
+    <p:spTree>
+      <p:nvGrpSpPr>
+        <p:cNvPr id="1" name=""/>
+        <p:cNvGrpSpPr/>
+        <p:nvPr/>
+      </p:nvGrpSpPr>
+      <p:grpSpPr>
+        <a:xfrm>
+          <a:off x="0" y="0"/>
+          <a:ext cx="0" cy="0"/>
+          <a:chOff x="0" y="0"/>
+          <a:chExt cx="0" cy="0"/>
+        </a:xfrm>
+      </p:grpSpPr>
+      <p:sp>
+        <p:nvSpPr>
+          <p:cNvPr id="2" name="Titel 1">
             <a:extLst>
               <a:ext uri="{FF2B5EF4-FFF2-40B4-BE49-F238E27FC236}">
-                <a16:creationId xmlns:a16="http://schemas.microsoft.com/office/drawing/2014/main" id="{40A3DE36-73CD-4732-9A70-0034FBA1C76B}"/>
+                <a16:creationId xmlns:a16="http://schemas.microsoft.com/office/drawing/2014/main" id="{B340D05B-AA34-4B4C-8CC7-B1FD25CEAD9A}"/>
               </a:ext>
             </a:extLst>
           </p:cNvPr>
-          <p:cNvSpPr/>
-          <p:nvPr/>
-        </p:nvSpPr>
-        <p:spPr bwMode="auto">
-          <a:xfrm>
-            <a:off x="4531897" y="1897066"/>
-            <a:ext cx="1752600" cy="533400"/>
-          </a:xfrm>
-          <a:prstGeom prst="roundRect">
-            <a:avLst/>
-          </a:prstGeom>
-          <a:solidFill>
-            <a:srgbClr val="0070C0"/>
-          </a:solidFill>
-          <a:ln>
-            <a:noFill/>
-            <a:headEnd type="none" w="med" len="med"/>
-            <a:tailEnd type="none" w="med" len="med"/>
-          </a:ln>
-          <a:effectLst/>
-        </p:spPr>
-        <p:style>
-          <a:lnRef idx="1">
-            <a:schemeClr val="accent2"/>
-          </a:lnRef>
-          <a:fillRef idx="3">
-            <a:schemeClr val="accent2"/>
-          </a:fillRef>
-          <a:effectRef idx="2">
-            <a:schemeClr val="accent2"/>
-          </a:effectRef>
-          <a:fontRef idx="minor">
-            <a:schemeClr val="lt1"/>
-          </a:fontRef>
-        </p:style>
-        <p:txBody>
-          <a:bodyPr lIns="91440" tIns="91440" rIns="34294" bIns="34294" rtlCol="0" anchor="t" anchorCtr="0"/>
+          <p:cNvSpPr>
+            <a:spLocks noGrp="1"/>
+          </p:cNvSpPr>
+          <p:nvPr>
+            <p:ph type="title"/>
+          </p:nvPr>
+        </p:nvSpPr>
+        <p:spPr/>
+        <p:txBody>
+          <a:bodyPr/>
           <a:lstStyle/>
           <a:p>
-            <a:pPr algn="ctr" defTabSz="932406"/>
-            <a:r>
-              <a:rPr lang="de-DE" sz="2000" b="1" spc="-102" dirty="0">
-                <a:gradFill>
-                  <a:gsLst>
-                    <a:gs pos="0">
-                      <a:srgbClr val="FFFFFF"/>
-                    </a:gs>
-                    <a:gs pos="100000">
-                      <a:srgbClr val="FFFFFF"/>
-                    </a:gs>
-                  </a:gsLst>
-                  <a:lin ang="5400000" scaled="0"/>
-                </a:gradFill>
-                <a:ea typeface="Segoe UI" pitchFamily="34" charset="0"/>
-                <a:cs typeface="Segoe UI" pitchFamily="34" charset="0"/>
-              </a:rPr>
-              <a:t>Simulation</a:t>
-            </a:r>
-          </a:p>
-        </p:txBody>
-      </p:sp>
-      <p:sp>
-        <p:nvSpPr>
-          <p:cNvPr id="28" name="Rechteck: abgerundete Ecken 27">
+            <a:r>
+              <a:rPr lang="en-US" dirty="0"/>
+              <a:t>Demo</a:t>
+            </a:r>
+          </a:p>
+        </p:txBody>
+      </p:sp>
+      <p:sp>
+        <p:nvSpPr>
+          <p:cNvPr id="3" name="Textplatzhalter 2">
             <a:extLst>
               <a:ext uri="{FF2B5EF4-FFF2-40B4-BE49-F238E27FC236}">
-                <a16:creationId xmlns:a16="http://schemas.microsoft.com/office/drawing/2014/main" id="{ABFED963-0E4A-4A60-AD30-3F6A58EA0A7E}"/>
+                <a16:creationId xmlns:a16="http://schemas.microsoft.com/office/drawing/2014/main" id="{29CB705A-C2FA-4DDD-B217-2432A149FFF1}"/>
               </a:ext>
             </a:extLst>
           </p:cNvPr>
-          <p:cNvSpPr/>
-          <p:nvPr/>
-        </p:nvSpPr>
-        <p:spPr bwMode="auto">
-          <a:xfrm>
-            <a:off x="2179637" y="4792662"/>
-            <a:ext cx="1752600" cy="533400"/>
-          </a:xfrm>
-          <a:prstGeom prst="roundRect">
-            <a:avLst/>
-          </a:prstGeom>
-          <a:solidFill>
-            <a:srgbClr val="0070C0"/>
-          </a:solidFill>
-          <a:ln>
-            <a:noFill/>
-            <a:headEnd type="none" w="med" len="med"/>
-            <a:tailEnd type="none" w="med" len="med"/>
-          </a:ln>
-          <a:effectLst/>
-        </p:spPr>
-        <p:style>
-          <a:lnRef idx="1">
-            <a:schemeClr val="accent2"/>
-          </a:lnRef>
-          <a:fillRef idx="3">
-            <a:schemeClr val="accent2"/>
-          </a:fillRef>
-          <a:effectRef idx="2">
-            <a:schemeClr val="accent2"/>
-          </a:effectRef>
-          <a:fontRef idx="minor">
-            <a:schemeClr val="lt1"/>
-          </a:fontRef>
-        </p:style>
-        <p:txBody>
-          <a:bodyPr lIns="91440" tIns="91440" rIns="34294" bIns="34294" rtlCol="0" anchor="t" anchorCtr="0"/>
+          <p:cNvSpPr>
+            <a:spLocks noGrp="1"/>
+          </p:cNvSpPr>
+          <p:nvPr>
+            <p:ph type="body" sz="quarter" idx="11"/>
+          </p:nvPr>
+        </p:nvSpPr>
+        <p:spPr/>
+        <p:txBody>
+          <a:bodyPr/>
           <a:lstStyle/>
           <a:p>
-            <a:pPr algn="ctr" defTabSz="932406"/>
-            <a:r>
-              <a:rPr lang="de-DE" sz="2000" b="1" spc="-102" dirty="0">
-                <a:gradFill>
-                  <a:gsLst>
-                    <a:gs pos="0">
-                      <a:srgbClr val="FFFFFF"/>
-                    </a:gs>
-                    <a:gs pos="100000">
-                      <a:srgbClr val="FFFFFF"/>
-                    </a:gs>
-                  </a:gsLst>
-                  <a:lin ang="5400000" scaled="0"/>
-                </a:gradFill>
-                <a:ea typeface="Segoe UI" pitchFamily="34" charset="0"/>
-                <a:cs typeface="Segoe UI" pitchFamily="34" charset="0"/>
-              </a:rPr>
-              <a:t>Storage</a:t>
-            </a:r>
-          </a:p>
-        </p:txBody>
-      </p:sp>
-      <p:sp>
-        <p:nvSpPr>
-          <p:cNvPr id="29" name="Zylinder 28">
-            <a:extLst>
-              <a:ext uri="{FF2B5EF4-FFF2-40B4-BE49-F238E27FC236}">
-                <a16:creationId xmlns:a16="http://schemas.microsoft.com/office/drawing/2014/main" id="{1D155903-7741-40CA-A98D-F43D1D12807F}"/>
-              </a:ext>
-            </a:extLst>
-          </p:cNvPr>
-          <p:cNvSpPr/>
-          <p:nvPr/>
-        </p:nvSpPr>
-        <p:spPr bwMode="auto">
-          <a:xfrm>
-            <a:off x="395082" y="5436395"/>
-            <a:ext cx="762000" cy="952500"/>
-          </a:xfrm>
-          <a:prstGeom prst="can">
-            <a:avLst/>
-          </a:prstGeom>
-          <a:solidFill>
-            <a:srgbClr val="92D050"/>
-          </a:solidFill>
-          <a:ln>
-            <a:noFill/>
-            <a:headEnd type="none" w="med" len="med"/>
-            <a:tailEnd type="none" w="med" len="med"/>
-          </a:ln>
-          <a:effectLst/>
-        </p:spPr>
-        <p:style>
-          <a:lnRef idx="1">
-            <a:schemeClr val="accent2"/>
-          </a:lnRef>
-          <a:fillRef idx="3">
-            <a:schemeClr val="accent2"/>
-          </a:fillRef>
-          <a:effectRef idx="2">
-            <a:schemeClr val="accent2"/>
-          </a:effectRef>
-          <a:fontRef idx="minor">
-            <a:schemeClr val="lt1"/>
-          </a:fontRef>
-        </p:style>
-        <p:txBody>
-          <a:bodyPr lIns="91440" tIns="91440" rIns="34294" bIns="34294" rtlCol="0" anchor="t" anchorCtr="0"/>
-          <a:lstStyle/>
-          <a:p>
-            <a:pPr algn="ctr" defTabSz="932406"/>
-            <a:endParaRPr lang="de-DE" sz="2800" spc="-102" dirty="0">
-              <a:gradFill>
-                <a:gsLst>
-                  <a:gs pos="0">
-                    <a:srgbClr val="FFFFFF"/>
-                  </a:gs>
-                  <a:gs pos="100000">
-                    <a:srgbClr val="FFFFFF"/>
-                  </a:gs>
-                </a:gsLst>
-                <a:lin ang="5400000" scaled="0"/>
-              </a:gradFill>
-              <a:ea typeface="Segoe UI" pitchFamily="34" charset="0"/>
-              <a:cs typeface="Segoe UI" pitchFamily="34" charset="0"/>
-            </a:endParaRPr>
-          </a:p>
-        </p:txBody>
-      </p:sp>
-      <p:sp>
-        <p:nvSpPr>
-          <p:cNvPr id="31" name="Textfeld 30">
-            <a:extLst>
-              <a:ext uri="{FF2B5EF4-FFF2-40B4-BE49-F238E27FC236}">
-                <a16:creationId xmlns:a16="http://schemas.microsoft.com/office/drawing/2014/main" id="{2A9DE4A8-1F9F-4E4A-8A26-3A3BCCB09D53}"/>
-              </a:ext>
-            </a:extLst>
-          </p:cNvPr>
-          <p:cNvSpPr txBox="1"/>
-          <p:nvPr/>
-        </p:nvSpPr>
-        <p:spPr>
-          <a:xfrm>
-            <a:off x="98118" y="3747023"/>
-            <a:ext cx="1465722" cy="400110"/>
-          </a:xfrm>
-          <a:prstGeom prst="rect">
-            <a:avLst/>
-          </a:prstGeom>
-          <a:noFill/>
-        </p:spPr>
-        <p:txBody>
-          <a:bodyPr wrap="none" rtlCol="0">
-            <a:spAutoFit/>
-          </a:bodyPr>
-          <a:lstStyle/>
-          <a:p>
-            <a:r>
-              <a:rPr lang="de-DE" sz="2000" dirty="0" err="1">
-                <a:gradFill>
-                  <a:gsLst>
-                    <a:gs pos="0">
-                      <a:schemeClr val="tx1">
-                        <a:lumMod val="75000"/>
-                        <a:lumOff val="25000"/>
-                      </a:schemeClr>
-                    </a:gs>
-                    <a:gs pos="100000">
-                      <a:schemeClr val="tx1">
-                        <a:lumMod val="75000"/>
-                        <a:lumOff val="25000"/>
-                      </a:schemeClr>
-                    </a:gs>
-                  </a:gsLst>
-                  <a:lin ang="5400000" scaled="0"/>
-                </a:gradFill>
-              </a:rPr>
-              <a:t>WeatherDB</a:t>
-            </a:r>
-            <a:endParaRPr lang="de-DE" sz="2000" dirty="0">
-              <a:gradFill>
-                <a:gsLst>
-                  <a:gs pos="0">
-                    <a:schemeClr val="tx1">
-                      <a:lumMod val="75000"/>
-                      <a:lumOff val="25000"/>
-                    </a:schemeClr>
-                  </a:gs>
-                  <a:gs pos="100000">
-                    <a:schemeClr val="tx1">
-                      <a:lumMod val="75000"/>
-                      <a:lumOff val="25000"/>
-                    </a:schemeClr>
-                  </a:gs>
-                </a:gsLst>
-                <a:lin ang="5400000" scaled="0"/>
-              </a:gradFill>
-            </a:endParaRPr>
-          </a:p>
-        </p:txBody>
-      </p:sp>
-      <p:sp>
-        <p:nvSpPr>
-          <p:cNvPr id="32" name="Textfeld 31">
-            <a:extLst>
-              <a:ext uri="{FF2B5EF4-FFF2-40B4-BE49-F238E27FC236}">
-                <a16:creationId xmlns:a16="http://schemas.microsoft.com/office/drawing/2014/main" id="{0A70D9FB-B609-44D4-80B1-B407F71B34D2}"/>
-              </a:ext>
-            </a:extLst>
-          </p:cNvPr>
-          <p:cNvSpPr txBox="1"/>
-          <p:nvPr/>
-        </p:nvSpPr>
-        <p:spPr>
-          <a:xfrm>
-            <a:off x="73999" y="6293315"/>
-            <a:ext cx="1379865" cy="400110"/>
-          </a:xfrm>
-          <a:prstGeom prst="rect">
-            <a:avLst/>
-          </a:prstGeom>
-          <a:noFill/>
-        </p:spPr>
-        <p:txBody>
-          <a:bodyPr wrap="none" rtlCol="0">
-            <a:spAutoFit/>
-          </a:bodyPr>
-          <a:lstStyle/>
-          <a:p>
-            <a:r>
-              <a:rPr lang="de-DE" sz="2000" dirty="0" err="1">
-                <a:gradFill>
-                  <a:gsLst>
-                    <a:gs pos="0">
-                      <a:schemeClr val="tx1">
-                        <a:lumMod val="75000"/>
-                        <a:lumOff val="25000"/>
-                      </a:schemeClr>
-                    </a:gs>
-                    <a:gs pos="100000">
-                      <a:schemeClr val="tx1">
-                        <a:lumMod val="75000"/>
-                        <a:lumOff val="25000"/>
-                      </a:schemeClr>
-                    </a:gs>
-                  </a:gsLst>
-                  <a:lin ang="5400000" scaled="0"/>
-                </a:gradFill>
-              </a:rPr>
-              <a:t>StorageDB</a:t>
-            </a:r>
-            <a:endParaRPr lang="de-DE" sz="2000" dirty="0">
-              <a:gradFill>
-                <a:gsLst>
-                  <a:gs pos="0">
-                    <a:schemeClr val="tx1">
-                      <a:lumMod val="75000"/>
-                      <a:lumOff val="25000"/>
-                    </a:schemeClr>
-                  </a:gs>
-                  <a:gs pos="100000">
-                    <a:schemeClr val="tx1">
-                      <a:lumMod val="75000"/>
-                      <a:lumOff val="25000"/>
-                    </a:schemeClr>
-                  </a:gs>
-                </a:gsLst>
-                <a:lin ang="5400000" scaled="0"/>
-              </a:gradFill>
-            </a:endParaRPr>
-          </a:p>
-        </p:txBody>
-      </p:sp>
-      <p:sp>
-        <p:nvSpPr>
-          <p:cNvPr id="33" name="Rechteck: abgerundete Ecken 32">
-            <a:extLst>
-              <a:ext uri="{FF2B5EF4-FFF2-40B4-BE49-F238E27FC236}">
-                <a16:creationId xmlns:a16="http://schemas.microsoft.com/office/drawing/2014/main" id="{293E0A96-2DF9-4F5B-80A7-7AE98965561C}"/>
-              </a:ext>
-            </a:extLst>
-          </p:cNvPr>
-          <p:cNvSpPr/>
-          <p:nvPr/>
-        </p:nvSpPr>
-        <p:spPr bwMode="auto">
-          <a:xfrm>
-            <a:off x="4522482" y="3810166"/>
-            <a:ext cx="1752600" cy="533400"/>
-          </a:xfrm>
-          <a:prstGeom prst="roundRect">
-            <a:avLst/>
-          </a:prstGeom>
-          <a:solidFill>
-            <a:srgbClr val="0070C0"/>
-          </a:solidFill>
-          <a:ln>
-            <a:noFill/>
-            <a:headEnd type="none" w="med" len="med"/>
-            <a:tailEnd type="none" w="med" len="med"/>
-          </a:ln>
-          <a:effectLst/>
-        </p:spPr>
-        <p:style>
-          <a:lnRef idx="1">
-            <a:schemeClr val="accent2"/>
-          </a:lnRef>
-          <a:fillRef idx="3">
-            <a:schemeClr val="accent2"/>
-          </a:fillRef>
-          <a:effectRef idx="2">
-            <a:schemeClr val="accent2"/>
-          </a:effectRef>
-          <a:fontRef idx="minor">
-            <a:schemeClr val="lt1"/>
-          </a:fontRef>
-        </p:style>
-        <p:txBody>
-          <a:bodyPr lIns="91440" tIns="91440" rIns="34294" bIns="34294" rtlCol="0" anchor="t" anchorCtr="0"/>
-          <a:lstStyle/>
-          <a:p>
-            <a:pPr algn="ctr" defTabSz="932406"/>
-            <a:r>
-              <a:rPr lang="de-DE" sz="2000" b="1" spc="-102" dirty="0">
-                <a:gradFill>
-                  <a:gsLst>
-                    <a:gs pos="0">
-                      <a:srgbClr val="FFFFFF"/>
-                    </a:gs>
-                    <a:gs pos="100000">
-                      <a:srgbClr val="FFFFFF"/>
-                    </a:gs>
-                  </a:gsLst>
-                  <a:lin ang="5400000" scaled="0"/>
-                </a:gradFill>
-                <a:ea typeface="Segoe UI" pitchFamily="34" charset="0"/>
-                <a:cs typeface="Segoe UI" pitchFamily="34" charset="0"/>
-              </a:rPr>
-              <a:t>Controller</a:t>
-            </a:r>
-          </a:p>
-        </p:txBody>
-      </p:sp>
-      <p:sp>
-        <p:nvSpPr>
-          <p:cNvPr id="34" name="Rechteck: abgerundete Ecken 33">
-            <a:extLst>
-              <a:ext uri="{FF2B5EF4-FFF2-40B4-BE49-F238E27FC236}">
-                <a16:creationId xmlns:a16="http://schemas.microsoft.com/office/drawing/2014/main" id="{D9CCE0B1-D640-4229-A546-DC39C91D5116}"/>
-              </a:ext>
-            </a:extLst>
-          </p:cNvPr>
-          <p:cNvSpPr/>
-          <p:nvPr/>
-        </p:nvSpPr>
-        <p:spPr bwMode="auto">
-          <a:xfrm>
-            <a:off x="6904037" y="2609914"/>
-            <a:ext cx="1752600" cy="533400"/>
-          </a:xfrm>
-          <a:prstGeom prst="roundRect">
-            <a:avLst/>
-          </a:prstGeom>
-          <a:solidFill>
-            <a:srgbClr val="0070C0"/>
-          </a:solidFill>
-          <a:ln>
-            <a:noFill/>
-            <a:headEnd type="none" w="med" len="med"/>
-            <a:tailEnd type="none" w="med" len="med"/>
-          </a:ln>
-          <a:effectLst/>
-        </p:spPr>
-        <p:style>
-          <a:lnRef idx="1">
-            <a:schemeClr val="accent2"/>
-          </a:lnRef>
-          <a:fillRef idx="3">
-            <a:schemeClr val="accent2"/>
-          </a:fillRef>
-          <a:effectRef idx="2">
-            <a:schemeClr val="accent2"/>
-          </a:effectRef>
-          <a:fontRef idx="minor">
-            <a:schemeClr val="lt1"/>
-          </a:fontRef>
-        </p:style>
-        <p:txBody>
-          <a:bodyPr lIns="91440" tIns="91440" rIns="34294" bIns="34294" rtlCol="0" anchor="t" anchorCtr="0"/>
-          <a:lstStyle/>
-          <a:p>
-            <a:pPr algn="ctr" defTabSz="932406"/>
-            <a:r>
-              <a:rPr lang="de-DE" sz="2000" b="1" spc="-102" dirty="0">
-                <a:gradFill>
-                  <a:gsLst>
-                    <a:gs pos="0">
-                      <a:srgbClr val="FFFFFF"/>
-                    </a:gs>
-                    <a:gs pos="100000">
-                      <a:srgbClr val="FFFFFF"/>
-                    </a:gs>
-                  </a:gsLst>
-                  <a:lin ang="5400000" scaled="0"/>
-                </a:gradFill>
-                <a:ea typeface="Segoe UI" pitchFamily="34" charset="0"/>
-                <a:cs typeface="Segoe UI" pitchFamily="34" charset="0"/>
-              </a:rPr>
-              <a:t>Utilities</a:t>
-            </a:r>
-          </a:p>
-        </p:txBody>
-      </p:sp>
-      <p:sp>
-        <p:nvSpPr>
-          <p:cNvPr id="35" name="Rechteck: abgerundete Ecken 34">
-            <a:extLst>
-              <a:ext uri="{FF2B5EF4-FFF2-40B4-BE49-F238E27FC236}">
-                <a16:creationId xmlns:a16="http://schemas.microsoft.com/office/drawing/2014/main" id="{D0851183-7384-4C90-A361-1CB67FC0B7E2}"/>
-              </a:ext>
-            </a:extLst>
-          </p:cNvPr>
-          <p:cNvSpPr/>
-          <p:nvPr/>
-        </p:nvSpPr>
-        <p:spPr bwMode="auto">
-          <a:xfrm>
-            <a:off x="7177269" y="3725876"/>
-            <a:ext cx="1752600" cy="533400"/>
-          </a:xfrm>
-          <a:prstGeom prst="roundRect">
-            <a:avLst/>
-          </a:prstGeom>
-          <a:solidFill>
-            <a:srgbClr val="0070C0"/>
-          </a:solidFill>
-          <a:ln>
-            <a:noFill/>
-            <a:headEnd type="none" w="med" len="med"/>
-            <a:tailEnd type="none" w="med" len="med"/>
-          </a:ln>
-          <a:effectLst/>
-        </p:spPr>
-        <p:style>
-          <a:lnRef idx="1">
-            <a:schemeClr val="accent2"/>
-          </a:lnRef>
-          <a:fillRef idx="3">
-            <a:schemeClr val="accent2"/>
-          </a:fillRef>
-          <a:effectRef idx="2">
-            <a:schemeClr val="accent2"/>
-          </a:effectRef>
-          <a:fontRef idx="minor">
-            <a:schemeClr val="lt1"/>
-          </a:fontRef>
-        </p:style>
-        <p:txBody>
-          <a:bodyPr lIns="91440" tIns="91440" rIns="34294" bIns="34294" rtlCol="0" anchor="t" anchorCtr="0"/>
-          <a:lstStyle/>
-          <a:p>
-            <a:pPr algn="ctr" defTabSz="932406"/>
-            <a:r>
-              <a:rPr lang="de-DE" sz="2000" b="1" spc="-102" dirty="0" err="1">
-                <a:gradFill>
-                  <a:gsLst>
-                    <a:gs pos="0">
-                      <a:srgbClr val="FFFFFF"/>
-                    </a:gs>
-                    <a:gs pos="100000">
-                      <a:srgbClr val="FFFFFF"/>
-                    </a:gs>
-                  </a:gsLst>
-                  <a:lin ang="5400000" scaled="0"/>
-                </a:gradFill>
-                <a:ea typeface="Segoe UI" pitchFamily="34" charset="0"/>
-                <a:cs typeface="Segoe UI" pitchFamily="34" charset="0"/>
-              </a:rPr>
-              <a:t>RESTServer</a:t>
-            </a:r>
-            <a:endParaRPr lang="de-DE" sz="2000" b="1" spc="-102" dirty="0">
-              <a:gradFill>
-                <a:gsLst>
-                  <a:gs pos="0">
-                    <a:srgbClr val="FFFFFF"/>
-                  </a:gs>
-                  <a:gs pos="100000">
-                    <a:srgbClr val="FFFFFF"/>
-                  </a:gs>
-                </a:gsLst>
-                <a:lin ang="5400000" scaled="0"/>
-              </a:gradFill>
-              <a:ea typeface="Segoe UI" pitchFamily="34" charset="0"/>
-              <a:cs typeface="Segoe UI" pitchFamily="34" charset="0"/>
-            </a:endParaRPr>
-          </a:p>
-        </p:txBody>
-      </p:sp>
-      <p:sp>
-        <p:nvSpPr>
-          <p:cNvPr id="37" name="Rechteck: abgerundete Ecken 36">
-            <a:extLst>
-              <a:ext uri="{FF2B5EF4-FFF2-40B4-BE49-F238E27FC236}">
-                <a16:creationId xmlns:a16="http://schemas.microsoft.com/office/drawing/2014/main" id="{2BD79C08-1BCF-4D63-AC36-807D030AF7FA}"/>
-              </a:ext>
-            </a:extLst>
-          </p:cNvPr>
-          <p:cNvSpPr/>
-          <p:nvPr/>
-        </p:nvSpPr>
-        <p:spPr bwMode="auto">
-          <a:xfrm>
-            <a:off x="4522482" y="5783262"/>
-            <a:ext cx="1752600" cy="533400"/>
-          </a:xfrm>
-          <a:prstGeom prst="roundRect">
-            <a:avLst/>
-          </a:prstGeom>
-          <a:solidFill>
-            <a:srgbClr val="0070C0"/>
-          </a:solidFill>
-          <a:ln>
-            <a:noFill/>
-            <a:headEnd type="none" w="med" len="med"/>
-            <a:tailEnd type="none" w="med" len="med"/>
-          </a:ln>
-          <a:effectLst/>
-        </p:spPr>
-        <p:style>
-          <a:lnRef idx="1">
-            <a:schemeClr val="accent2"/>
-          </a:lnRef>
-          <a:fillRef idx="3">
-            <a:schemeClr val="accent2"/>
-          </a:fillRef>
-          <a:effectRef idx="2">
-            <a:schemeClr val="accent2"/>
-          </a:effectRef>
-          <a:fontRef idx="minor">
-            <a:schemeClr val="lt1"/>
-          </a:fontRef>
-        </p:style>
-        <p:txBody>
-          <a:bodyPr lIns="91440" tIns="91440" rIns="34294" bIns="34294" rtlCol="0" anchor="t" anchorCtr="0"/>
-          <a:lstStyle/>
-          <a:p>
-            <a:pPr algn="ctr" defTabSz="932406"/>
-            <a:r>
-              <a:rPr lang="de-DE" sz="2000" b="1" spc="-102" dirty="0">
-                <a:gradFill>
-                  <a:gsLst>
-                    <a:gs pos="0">
-                      <a:srgbClr val="FFFFFF"/>
-                    </a:gs>
-                    <a:gs pos="100000">
-                      <a:srgbClr val="FFFFFF"/>
-                    </a:gs>
-                  </a:gsLst>
-                  <a:lin ang="5400000" scaled="0"/>
-                </a:gradFill>
-                <a:ea typeface="Segoe UI" pitchFamily="34" charset="0"/>
-                <a:cs typeface="Segoe UI" pitchFamily="34" charset="0"/>
-              </a:rPr>
-              <a:t>Consumer</a:t>
-            </a:r>
-          </a:p>
-        </p:txBody>
-      </p:sp>
-      <p:sp>
-        <p:nvSpPr>
-          <p:cNvPr id="39" name="AutoShape 4" descr="Image result for folder icon">
-            <a:extLst>
-              <a:ext uri="{FF2B5EF4-FFF2-40B4-BE49-F238E27FC236}">
-                <a16:creationId xmlns:a16="http://schemas.microsoft.com/office/drawing/2014/main" id="{3F2F18A7-EE52-4C87-9283-10343754348B}"/>
-              </a:ext>
-            </a:extLst>
-          </p:cNvPr>
-          <p:cNvSpPr>
-            <a:spLocks noChangeAspect="1" noChangeArrowheads="1"/>
-          </p:cNvSpPr>
-          <p:nvPr/>
-        </p:nvSpPr>
-        <p:spPr bwMode="auto">
-          <a:xfrm>
-            <a:off x="6218238" y="3497263"/>
-            <a:ext cx="304800" cy="304800"/>
-          </a:xfrm>
-          <a:prstGeom prst="rect">
-            <a:avLst/>
-          </a:prstGeom>
-          <a:noFill/>
-          <a:extLst>
-            <a:ext uri="{909E8E84-426E-40DD-AFC4-6F175D3DCCD1}">
-              <a14:hiddenFill xmlns:a14="http://schemas.microsoft.com/office/drawing/2010/main">
-                <a:solidFill>
-                  <a:srgbClr val="FFFFFF"/>
-                </a:solidFill>
-              </a14:hiddenFill>
-            </a:ext>
-          </a:extLst>
-        </p:spPr>
-        <p:txBody>
-          <a:bodyPr vert="horz" wrap="square" lIns="91440" tIns="45720" rIns="91440" bIns="45720" numCol="1" anchor="t" anchorCtr="0" compatLnSpc="1">
-            <a:prstTxWarp prst="textNoShape">
-              <a:avLst/>
-            </a:prstTxWarp>
-          </a:bodyPr>
-          <a:lstStyle/>
-          <a:p>
             <a:endParaRPr lang="de-DE"/>
-          </a:p>
-        </p:txBody>
-      </p:sp>
-      <p:cxnSp>
-        <p:nvCxnSpPr>
-          <p:cNvPr id="45" name="Gerader Verbinder 44">
-            <a:extLst>
-              <a:ext uri="{FF2B5EF4-FFF2-40B4-BE49-F238E27FC236}">
-                <a16:creationId xmlns:a16="http://schemas.microsoft.com/office/drawing/2014/main" id="{71D43C3F-AF22-43D8-BB25-9DCD96968B1A}"/>
-              </a:ext>
-            </a:extLst>
-          </p:cNvPr>
-          <p:cNvCxnSpPr>
-            <a:cxnSpLocks/>
-          </p:cNvCxnSpPr>
-          <p:nvPr/>
-        </p:nvCxnSpPr>
-        <p:spPr>
-          <a:xfrm>
-            <a:off x="9037637" y="7937"/>
-            <a:ext cx="0" cy="6994525"/>
-          </a:xfrm>
-          <a:prstGeom prst="line">
-            <a:avLst/>
-          </a:prstGeom>
-          <a:ln w="57150">
-            <a:prstDash val="dash"/>
-          </a:ln>
-        </p:spPr>
-        <p:style>
-          <a:lnRef idx="1">
-            <a:schemeClr val="accent1"/>
-          </a:lnRef>
-          <a:fillRef idx="0">
-            <a:schemeClr val="accent1"/>
-          </a:fillRef>
-          <a:effectRef idx="0">
-            <a:schemeClr val="accent1"/>
-          </a:effectRef>
-          <a:fontRef idx="minor">
-            <a:schemeClr val="tx1"/>
-          </a:fontRef>
-        </p:style>
-      </p:cxnSp>
-      <p:cxnSp>
-        <p:nvCxnSpPr>
-          <p:cNvPr id="47" name="Verbinder: gewinkelt 46">
-            <a:extLst>
-              <a:ext uri="{FF2B5EF4-FFF2-40B4-BE49-F238E27FC236}">
-                <a16:creationId xmlns:a16="http://schemas.microsoft.com/office/drawing/2014/main" id="{5EB669A5-A475-4093-9D45-9A0770C8B3D1}"/>
-              </a:ext>
-            </a:extLst>
-          </p:cNvPr>
-          <p:cNvCxnSpPr>
-            <a:stCxn id="33" idx="1"/>
-            <a:endCxn id="26" idx="3"/>
-          </p:cNvCxnSpPr>
-          <p:nvPr/>
-        </p:nvCxnSpPr>
-        <p:spPr>
-          <a:xfrm rot="10800000">
-            <a:off x="3932238" y="3359944"/>
-            <a:ext cx="590245" cy="716923"/>
-          </a:xfrm>
-          <a:prstGeom prst="bentConnector3">
-            <a:avLst/>
-          </a:prstGeom>
-          <a:ln w="57150">
-            <a:solidFill>
-              <a:srgbClr val="0070C0"/>
-            </a:solidFill>
-            <a:tailEnd type="triangle"/>
-          </a:ln>
-        </p:spPr>
-        <p:style>
-          <a:lnRef idx="1">
-            <a:schemeClr val="accent1"/>
-          </a:lnRef>
-          <a:fillRef idx="0">
-            <a:schemeClr val="accent1"/>
-          </a:fillRef>
-          <a:effectRef idx="0">
-            <a:schemeClr val="accent1"/>
-          </a:effectRef>
-          <a:fontRef idx="minor">
-            <a:schemeClr val="tx1"/>
-          </a:fontRef>
-        </p:style>
-      </p:cxnSp>
-      <p:cxnSp>
-        <p:nvCxnSpPr>
-          <p:cNvPr id="48" name="Verbinder: gewinkelt 47">
-            <a:extLst>
-              <a:ext uri="{FF2B5EF4-FFF2-40B4-BE49-F238E27FC236}">
-                <a16:creationId xmlns:a16="http://schemas.microsoft.com/office/drawing/2014/main" id="{B34B7FF1-4DDF-405E-A4DA-FFA94F48FD69}"/>
-              </a:ext>
-            </a:extLst>
-          </p:cNvPr>
-          <p:cNvCxnSpPr>
-            <a:cxnSpLocks/>
-            <a:stCxn id="33" idx="1"/>
-            <a:endCxn id="28" idx="3"/>
-          </p:cNvCxnSpPr>
-          <p:nvPr/>
-        </p:nvCxnSpPr>
-        <p:spPr>
-          <a:xfrm rot="10800000" flipV="1">
-            <a:off x="3932238" y="4076866"/>
-            <a:ext cx="590245" cy="982496"/>
-          </a:xfrm>
-          <a:prstGeom prst="bentConnector3">
-            <a:avLst>
-              <a:gd name="adj1" fmla="val 50000"/>
-            </a:avLst>
-          </a:prstGeom>
-          <a:ln w="57150">
-            <a:solidFill>
-              <a:srgbClr val="0070C0"/>
-            </a:solidFill>
-            <a:tailEnd type="triangle"/>
-          </a:ln>
-        </p:spPr>
-        <p:style>
-          <a:lnRef idx="1">
-            <a:schemeClr val="accent1"/>
-          </a:lnRef>
-          <a:fillRef idx="0">
-            <a:schemeClr val="accent1"/>
-          </a:fillRef>
-          <a:effectRef idx="0">
-            <a:schemeClr val="accent1"/>
-          </a:effectRef>
-          <a:fontRef idx="minor">
-            <a:schemeClr val="tx1"/>
-          </a:fontRef>
-        </p:style>
-      </p:cxnSp>
-      <p:cxnSp>
-        <p:nvCxnSpPr>
-          <p:cNvPr id="52" name="Verbinder: gewinkelt 51">
-            <a:extLst>
-              <a:ext uri="{FF2B5EF4-FFF2-40B4-BE49-F238E27FC236}">
-                <a16:creationId xmlns:a16="http://schemas.microsoft.com/office/drawing/2014/main" id="{262E9BA7-7690-43B5-8CFD-0ACEC77703DF}"/>
-              </a:ext>
-            </a:extLst>
-          </p:cNvPr>
-          <p:cNvCxnSpPr>
-            <a:cxnSpLocks/>
-            <a:stCxn id="35" idx="1"/>
-            <a:endCxn id="33" idx="3"/>
-          </p:cNvCxnSpPr>
-          <p:nvPr/>
-        </p:nvCxnSpPr>
-        <p:spPr>
-          <a:xfrm rot="10800000" flipV="1">
-            <a:off x="6275083" y="3992576"/>
-            <a:ext cx="902187" cy="84290"/>
-          </a:xfrm>
-          <a:prstGeom prst="bentConnector3">
-            <a:avLst>
-              <a:gd name="adj1" fmla="val 50000"/>
-            </a:avLst>
-          </a:prstGeom>
-          <a:ln w="57150">
-            <a:solidFill>
-              <a:srgbClr val="0070C0"/>
-            </a:solidFill>
-            <a:headEnd type="triangle"/>
-            <a:tailEnd type="triangle"/>
-          </a:ln>
-        </p:spPr>
-        <p:style>
-          <a:lnRef idx="1">
-            <a:schemeClr val="accent1"/>
-          </a:lnRef>
-          <a:fillRef idx="0">
-            <a:schemeClr val="accent1"/>
-          </a:fillRef>
-          <a:effectRef idx="0">
-            <a:schemeClr val="accent1"/>
-          </a:effectRef>
-          <a:fontRef idx="minor">
-            <a:schemeClr val="tx1"/>
-          </a:fontRef>
-        </p:style>
-      </p:cxnSp>
-      <p:cxnSp>
-        <p:nvCxnSpPr>
-          <p:cNvPr id="54" name="Gerade Verbindung mit Pfeil 53">
-            <a:extLst>
-              <a:ext uri="{FF2B5EF4-FFF2-40B4-BE49-F238E27FC236}">
-                <a16:creationId xmlns:a16="http://schemas.microsoft.com/office/drawing/2014/main" id="{8149F3A6-BB5C-4671-9E26-910914AFCF02}"/>
-              </a:ext>
-            </a:extLst>
-          </p:cNvPr>
-          <p:cNvCxnSpPr>
-            <a:stCxn id="26" idx="1"/>
-            <a:endCxn id="6" idx="4"/>
-          </p:cNvCxnSpPr>
-          <p:nvPr/>
-        </p:nvCxnSpPr>
-        <p:spPr>
-          <a:xfrm flipH="1" flipV="1">
-            <a:off x="1157082" y="3344863"/>
-            <a:ext cx="1022555" cy="15080"/>
-          </a:xfrm>
-          <a:prstGeom prst="straightConnector1">
-            <a:avLst/>
-          </a:prstGeom>
-          <a:ln w="57150">
-            <a:solidFill>
-              <a:srgbClr val="0070C0"/>
-            </a:solidFill>
-            <a:tailEnd type="triangle"/>
-          </a:ln>
-        </p:spPr>
-        <p:style>
-          <a:lnRef idx="1">
-            <a:schemeClr val="accent1"/>
-          </a:lnRef>
-          <a:fillRef idx="0">
-            <a:schemeClr val="accent1"/>
-          </a:fillRef>
-          <a:effectRef idx="0">
-            <a:schemeClr val="accent1"/>
-          </a:effectRef>
-          <a:fontRef idx="minor">
-            <a:schemeClr val="tx1"/>
-          </a:fontRef>
-        </p:style>
-      </p:cxnSp>
-      <p:cxnSp>
-        <p:nvCxnSpPr>
-          <p:cNvPr id="62" name="Verbinder: gewinkelt 61">
-            <a:extLst>
-              <a:ext uri="{FF2B5EF4-FFF2-40B4-BE49-F238E27FC236}">
-                <a16:creationId xmlns:a16="http://schemas.microsoft.com/office/drawing/2014/main" id="{9DEFAD2E-CCD8-46E3-997C-453649D0E92E}"/>
-              </a:ext>
-            </a:extLst>
-          </p:cNvPr>
-          <p:cNvCxnSpPr>
-            <a:stCxn id="28" idx="1"/>
-            <a:endCxn id="29" idx="1"/>
-          </p:cNvCxnSpPr>
-          <p:nvPr/>
-        </p:nvCxnSpPr>
-        <p:spPr>
-          <a:xfrm rot="10800000" flipV="1">
-            <a:off x="776083" y="5059361"/>
-            <a:ext cx="1403555" cy="377033"/>
-          </a:xfrm>
-          <a:prstGeom prst="bentConnector2">
-            <a:avLst/>
-          </a:prstGeom>
-          <a:ln w="57150">
-            <a:solidFill>
-              <a:srgbClr val="0070C0"/>
-            </a:solidFill>
-            <a:tailEnd type="triangle"/>
-          </a:ln>
-        </p:spPr>
-        <p:style>
-          <a:lnRef idx="1">
-            <a:schemeClr val="accent1"/>
-          </a:lnRef>
-          <a:fillRef idx="0">
-            <a:schemeClr val="accent1"/>
-          </a:fillRef>
-          <a:effectRef idx="0">
-            <a:schemeClr val="accent1"/>
-          </a:effectRef>
-          <a:fontRef idx="minor">
-            <a:schemeClr val="tx1"/>
-          </a:fontRef>
-        </p:style>
-      </p:cxnSp>
-      <p:cxnSp>
-        <p:nvCxnSpPr>
-          <p:cNvPr id="65" name="Verbinder: gewinkelt 64">
-            <a:extLst>
-              <a:ext uri="{FF2B5EF4-FFF2-40B4-BE49-F238E27FC236}">
-                <a16:creationId xmlns:a16="http://schemas.microsoft.com/office/drawing/2014/main" id="{45FB16E6-B928-4A26-957B-CE0918262C22}"/>
-              </a:ext>
-            </a:extLst>
-          </p:cNvPr>
-          <p:cNvCxnSpPr>
-            <a:cxnSpLocks/>
-            <a:endCxn id="34" idx="1"/>
-          </p:cNvCxnSpPr>
-          <p:nvPr/>
-        </p:nvCxnSpPr>
-        <p:spPr>
-          <a:xfrm flipV="1">
-            <a:off x="5840310" y="2876614"/>
-            <a:ext cx="1063727" cy="933552"/>
-          </a:xfrm>
-          <a:prstGeom prst="bentConnector3">
-            <a:avLst>
-              <a:gd name="adj1" fmla="val -1338"/>
-            </a:avLst>
-          </a:prstGeom>
-          <a:ln w="57150">
-            <a:solidFill>
-              <a:srgbClr val="0070C0"/>
-            </a:solidFill>
-            <a:tailEnd type="triangle"/>
-          </a:ln>
-        </p:spPr>
-        <p:style>
-          <a:lnRef idx="1">
-            <a:schemeClr val="accent1"/>
-          </a:lnRef>
-          <a:fillRef idx="0">
-            <a:schemeClr val="accent1"/>
-          </a:fillRef>
-          <a:effectRef idx="0">
-            <a:schemeClr val="accent1"/>
-          </a:effectRef>
-          <a:fontRef idx="minor">
-            <a:schemeClr val="tx1"/>
-          </a:fontRef>
-        </p:style>
-      </p:cxnSp>
-      <p:cxnSp>
-        <p:nvCxnSpPr>
-          <p:cNvPr id="68" name="Gerade Verbindung mit Pfeil 67">
-            <a:extLst>
-              <a:ext uri="{FF2B5EF4-FFF2-40B4-BE49-F238E27FC236}">
-                <a16:creationId xmlns:a16="http://schemas.microsoft.com/office/drawing/2014/main" id="{0C7C4E49-FC12-4002-977B-6FB41739BC69}"/>
-              </a:ext>
-            </a:extLst>
-          </p:cNvPr>
-          <p:cNvCxnSpPr>
-            <a:cxnSpLocks/>
-            <a:stCxn id="33" idx="0"/>
-            <a:endCxn id="27" idx="2"/>
-          </p:cNvCxnSpPr>
-          <p:nvPr/>
-        </p:nvCxnSpPr>
-        <p:spPr>
-          <a:xfrm flipV="1">
-            <a:off x="5398782" y="2430466"/>
-            <a:ext cx="9415" cy="1379700"/>
-          </a:xfrm>
-          <a:prstGeom prst="straightConnector1">
-            <a:avLst/>
-          </a:prstGeom>
-          <a:ln w="57150">
-            <a:solidFill>
-              <a:srgbClr val="0070C0"/>
-            </a:solidFill>
-            <a:tailEnd type="triangle"/>
-          </a:ln>
-        </p:spPr>
-        <p:style>
-          <a:lnRef idx="1">
-            <a:schemeClr val="accent1"/>
-          </a:lnRef>
-          <a:fillRef idx="0">
-            <a:schemeClr val="accent1"/>
-          </a:fillRef>
-          <a:effectRef idx="0">
-            <a:schemeClr val="accent1"/>
-          </a:effectRef>
-          <a:fontRef idx="minor">
-            <a:schemeClr val="tx1"/>
-          </a:fontRef>
-        </p:style>
-      </p:cxnSp>
-      <p:cxnSp>
-        <p:nvCxnSpPr>
-          <p:cNvPr id="70" name="Gerade Verbindung mit Pfeil 69">
-            <a:extLst>
-              <a:ext uri="{FF2B5EF4-FFF2-40B4-BE49-F238E27FC236}">
-                <a16:creationId xmlns:a16="http://schemas.microsoft.com/office/drawing/2014/main" id="{5884AF95-A1E1-4FD5-BD6C-E57289678D6A}"/>
-              </a:ext>
-            </a:extLst>
-          </p:cNvPr>
-          <p:cNvCxnSpPr>
-            <a:cxnSpLocks/>
-            <a:stCxn id="33" idx="2"/>
-            <a:endCxn id="37" idx="0"/>
-          </p:cNvCxnSpPr>
-          <p:nvPr/>
-        </p:nvCxnSpPr>
-        <p:spPr>
-          <a:xfrm>
-            <a:off x="5398782" y="4343566"/>
-            <a:ext cx="0" cy="1439696"/>
-          </a:xfrm>
-          <a:prstGeom prst="straightConnector1">
-            <a:avLst/>
-          </a:prstGeom>
-          <a:ln w="57150">
-            <a:solidFill>
-              <a:srgbClr val="0070C0"/>
-            </a:solidFill>
-            <a:tailEnd type="triangle"/>
-          </a:ln>
-        </p:spPr>
-        <p:style>
-          <a:lnRef idx="1">
-            <a:schemeClr val="accent1"/>
-          </a:lnRef>
-          <a:fillRef idx="0">
-            <a:schemeClr val="accent1"/>
-          </a:fillRef>
-          <a:effectRef idx="0">
-            <a:schemeClr val="accent1"/>
-          </a:effectRef>
-          <a:fontRef idx="minor">
-            <a:schemeClr val="tx1"/>
-          </a:fontRef>
-        </p:style>
-      </p:cxnSp>
-      <p:sp>
-        <p:nvSpPr>
-          <p:cNvPr id="81" name="Rechteck: abgerundete Ecken 80">
-            <a:extLst>
-              <a:ext uri="{FF2B5EF4-FFF2-40B4-BE49-F238E27FC236}">
-                <a16:creationId xmlns:a16="http://schemas.microsoft.com/office/drawing/2014/main" id="{D302A857-89E7-41AA-8D56-F8B9FB5ABCAE}"/>
-              </a:ext>
-            </a:extLst>
-          </p:cNvPr>
-          <p:cNvSpPr/>
-          <p:nvPr/>
-        </p:nvSpPr>
-        <p:spPr bwMode="auto">
-          <a:xfrm>
-            <a:off x="10452333" y="5601717"/>
-            <a:ext cx="1752600" cy="533400"/>
-          </a:xfrm>
-          <a:prstGeom prst="roundRect">
-            <a:avLst/>
-          </a:prstGeom>
-          <a:solidFill>
-            <a:srgbClr val="666666"/>
-          </a:solidFill>
-          <a:ln>
-            <a:noFill/>
-            <a:headEnd type="none" w="med" len="med"/>
-            <a:tailEnd type="none" w="med" len="med"/>
-          </a:ln>
-          <a:effectLst/>
-        </p:spPr>
-        <p:style>
-          <a:lnRef idx="1">
-            <a:schemeClr val="accent2"/>
-          </a:lnRef>
-          <a:fillRef idx="3">
-            <a:schemeClr val="accent2"/>
-          </a:fillRef>
-          <a:effectRef idx="2">
-            <a:schemeClr val="accent2"/>
-          </a:effectRef>
-          <a:fontRef idx="minor">
-            <a:schemeClr val="lt1"/>
-          </a:fontRef>
-        </p:style>
-        <p:txBody>
-          <a:bodyPr lIns="91440" tIns="91440" rIns="34294" bIns="34294" rtlCol="0" anchor="t" anchorCtr="0"/>
-          <a:lstStyle/>
-          <a:p>
-            <a:pPr algn="ctr" defTabSz="932406"/>
-            <a:r>
-              <a:rPr lang="de-DE" sz="2000" b="1" spc="-102" dirty="0" err="1">
-                <a:gradFill>
-                  <a:gsLst>
-                    <a:gs pos="0">
-                      <a:srgbClr val="FFFFFF"/>
-                    </a:gs>
-                    <a:gs pos="100000">
-                      <a:srgbClr val="FFFFFF"/>
-                    </a:gs>
-                  </a:gsLst>
-                  <a:lin ang="5400000" scaled="0"/>
-                </a:gradFill>
-                <a:ea typeface="Segoe UI" pitchFamily="34" charset="0"/>
-                <a:cs typeface="Segoe UI" pitchFamily="34" charset="0"/>
-              </a:rPr>
-              <a:t>Visualization</a:t>
-            </a:r>
-            <a:endParaRPr lang="de-DE" sz="2000" b="1" spc="-102" dirty="0">
-              <a:gradFill>
-                <a:gsLst>
-                  <a:gs pos="0">
-                    <a:srgbClr val="FFFFFF"/>
-                  </a:gs>
-                  <a:gs pos="100000">
-                    <a:srgbClr val="FFFFFF"/>
-                  </a:gs>
-                </a:gsLst>
-                <a:lin ang="5400000" scaled="0"/>
-              </a:gradFill>
-              <a:ea typeface="Segoe UI" pitchFamily="34" charset="0"/>
-              <a:cs typeface="Segoe UI" pitchFamily="34" charset="0"/>
-            </a:endParaRPr>
-          </a:p>
-        </p:txBody>
-      </p:sp>
-      <p:sp>
-        <p:nvSpPr>
-          <p:cNvPr id="82" name="Rechteck: abgerundete Ecken 81">
-            <a:extLst>
-              <a:ext uri="{FF2B5EF4-FFF2-40B4-BE49-F238E27FC236}">
-                <a16:creationId xmlns:a16="http://schemas.microsoft.com/office/drawing/2014/main" id="{0D986F36-515C-4206-9AE6-66B274FD3B02}"/>
-              </a:ext>
-            </a:extLst>
-          </p:cNvPr>
-          <p:cNvSpPr/>
-          <p:nvPr/>
-        </p:nvSpPr>
-        <p:spPr bwMode="auto">
-          <a:xfrm>
-            <a:off x="10413662" y="2047297"/>
-            <a:ext cx="1824605" cy="533400"/>
-          </a:xfrm>
-          <a:prstGeom prst="roundRect">
-            <a:avLst/>
-          </a:prstGeom>
-          <a:solidFill>
-            <a:srgbClr val="666666"/>
-          </a:solidFill>
-          <a:ln>
-            <a:noFill/>
-            <a:headEnd type="none" w="med" len="med"/>
-            <a:tailEnd type="none" w="med" len="med"/>
-          </a:ln>
-          <a:effectLst/>
-        </p:spPr>
-        <p:style>
-          <a:lnRef idx="1">
-            <a:schemeClr val="accent2"/>
-          </a:lnRef>
-          <a:fillRef idx="3">
-            <a:schemeClr val="accent2"/>
-          </a:fillRef>
-          <a:effectRef idx="2">
-            <a:schemeClr val="accent2"/>
-          </a:effectRef>
-          <a:fontRef idx="minor">
-            <a:schemeClr val="lt1"/>
-          </a:fontRef>
-        </p:style>
-        <p:txBody>
-          <a:bodyPr lIns="91440" tIns="91440" rIns="34294" bIns="34294" rtlCol="0" anchor="t" anchorCtr="0"/>
-          <a:lstStyle/>
-          <a:p>
-            <a:pPr algn="ctr" defTabSz="932406"/>
-            <a:r>
-              <a:rPr lang="de-DE" sz="2000" b="1" spc="-102" dirty="0" err="1">
-                <a:gradFill>
-                  <a:gsLst>
-                    <a:gs pos="0">
-                      <a:srgbClr val="FFFFFF"/>
-                    </a:gs>
-                    <a:gs pos="100000">
-                      <a:srgbClr val="FFFFFF"/>
-                    </a:gs>
-                  </a:gsLst>
-                  <a:lin ang="5400000" scaled="0"/>
-                </a:gradFill>
-                <a:ea typeface="Segoe UI" pitchFamily="34" charset="0"/>
-                <a:cs typeface="Segoe UI" pitchFamily="34" charset="0"/>
-              </a:rPr>
-              <a:t>ObjectCreator</a:t>
-            </a:r>
-            <a:endParaRPr lang="de-DE" sz="2000" b="1" spc="-102" dirty="0">
-              <a:gradFill>
-                <a:gsLst>
-                  <a:gs pos="0">
-                    <a:srgbClr val="FFFFFF"/>
-                  </a:gs>
-                  <a:gs pos="100000">
-                    <a:srgbClr val="FFFFFF"/>
-                  </a:gs>
-                </a:gsLst>
-                <a:lin ang="5400000" scaled="0"/>
-              </a:gradFill>
-              <a:ea typeface="Segoe UI" pitchFamily="34" charset="0"/>
-              <a:cs typeface="Segoe UI" pitchFamily="34" charset="0"/>
-            </a:endParaRPr>
-          </a:p>
-        </p:txBody>
-      </p:sp>
-      <p:sp>
-        <p:nvSpPr>
-          <p:cNvPr id="84" name="Rechteck: abgerundete Ecken 83">
-            <a:extLst>
-              <a:ext uri="{FF2B5EF4-FFF2-40B4-BE49-F238E27FC236}">
-                <a16:creationId xmlns:a16="http://schemas.microsoft.com/office/drawing/2014/main" id="{F15762BB-6E6D-4178-ABF8-36CFC6CC8004}"/>
-              </a:ext>
-            </a:extLst>
-          </p:cNvPr>
-          <p:cNvSpPr/>
-          <p:nvPr/>
-        </p:nvSpPr>
-        <p:spPr bwMode="auto">
-          <a:xfrm>
-            <a:off x="10452338" y="3725877"/>
-            <a:ext cx="1752595" cy="533400"/>
-          </a:xfrm>
-          <a:prstGeom prst="roundRect">
-            <a:avLst/>
-          </a:prstGeom>
-          <a:solidFill>
-            <a:srgbClr val="666666"/>
-          </a:solidFill>
-          <a:ln>
-            <a:noFill/>
-            <a:headEnd type="none" w="med" len="med"/>
-            <a:tailEnd type="none" w="med" len="med"/>
-          </a:ln>
-          <a:effectLst/>
-        </p:spPr>
-        <p:style>
-          <a:lnRef idx="1">
-            <a:schemeClr val="accent2"/>
-          </a:lnRef>
-          <a:fillRef idx="3">
-            <a:schemeClr val="accent2"/>
-          </a:fillRef>
-          <a:effectRef idx="2">
-            <a:schemeClr val="accent2"/>
-          </a:effectRef>
-          <a:fontRef idx="minor">
-            <a:schemeClr val="lt1"/>
-          </a:fontRef>
-        </p:style>
-        <p:txBody>
-          <a:bodyPr lIns="91440" tIns="91440" rIns="34294" bIns="34294" rtlCol="0" anchor="t" anchorCtr="0"/>
-          <a:lstStyle/>
-          <a:p>
-            <a:pPr algn="ctr" defTabSz="932406"/>
-            <a:r>
-              <a:rPr lang="de-DE" sz="2000" b="1" spc="-102" dirty="0">
-                <a:gradFill>
-                  <a:gsLst>
-                    <a:gs pos="0">
-                      <a:srgbClr val="FFFFFF"/>
-                    </a:gs>
-                    <a:gs pos="100000">
-                      <a:srgbClr val="FFFFFF"/>
-                    </a:gs>
-                  </a:gsLst>
-                  <a:lin ang="5400000" scaled="0"/>
-                </a:gradFill>
-                <a:ea typeface="Segoe UI" pitchFamily="34" charset="0"/>
-                <a:cs typeface="Segoe UI" pitchFamily="34" charset="0"/>
-              </a:rPr>
-              <a:t>Dashboard</a:t>
-            </a:r>
-          </a:p>
-        </p:txBody>
-      </p:sp>
-      <p:cxnSp>
-        <p:nvCxnSpPr>
-          <p:cNvPr id="85" name="Verbinder: gewinkelt 84">
-            <a:extLst>
-              <a:ext uri="{FF2B5EF4-FFF2-40B4-BE49-F238E27FC236}">
-                <a16:creationId xmlns:a16="http://schemas.microsoft.com/office/drawing/2014/main" id="{79FE4EC2-8EEC-4AC5-81CE-1BDB66C2BB3A}"/>
-              </a:ext>
-            </a:extLst>
-          </p:cNvPr>
-          <p:cNvCxnSpPr>
-            <a:cxnSpLocks/>
-            <a:stCxn id="84" idx="1"/>
-            <a:endCxn id="35" idx="3"/>
-          </p:cNvCxnSpPr>
-          <p:nvPr/>
-        </p:nvCxnSpPr>
-        <p:spPr>
-          <a:xfrm rot="10800000">
-            <a:off x="8929870" y="3992577"/>
-            <a:ext cx="1522469" cy="1"/>
-          </a:xfrm>
-          <a:prstGeom prst="bentConnector3">
-            <a:avLst>
-              <a:gd name="adj1" fmla="val 50000"/>
-            </a:avLst>
-          </a:prstGeom>
-          <a:ln w="57150">
-            <a:solidFill>
-              <a:srgbClr val="666666"/>
-            </a:solidFill>
-            <a:headEnd type="triangle"/>
-            <a:tailEnd type="triangle"/>
-          </a:ln>
-        </p:spPr>
-        <p:style>
-          <a:lnRef idx="1">
-            <a:schemeClr val="accent1"/>
-          </a:lnRef>
-          <a:fillRef idx="0">
-            <a:schemeClr val="accent1"/>
-          </a:fillRef>
-          <a:effectRef idx="0">
-            <a:schemeClr val="accent1"/>
-          </a:effectRef>
-          <a:fontRef idx="minor">
-            <a:schemeClr val="tx1"/>
-          </a:fontRef>
-        </p:style>
-      </p:cxnSp>
-      <p:cxnSp>
-        <p:nvCxnSpPr>
-          <p:cNvPr id="88" name="Verbinder: gewinkelt 87">
-            <a:extLst>
-              <a:ext uri="{FF2B5EF4-FFF2-40B4-BE49-F238E27FC236}">
-                <a16:creationId xmlns:a16="http://schemas.microsoft.com/office/drawing/2014/main" id="{243D1B53-E7FE-4C44-B9E3-6EA31A802CBB}"/>
-              </a:ext>
-            </a:extLst>
-          </p:cNvPr>
-          <p:cNvCxnSpPr>
-            <a:cxnSpLocks/>
-            <a:stCxn id="84" idx="2"/>
-            <a:endCxn id="81" idx="0"/>
-          </p:cNvCxnSpPr>
-          <p:nvPr/>
-        </p:nvCxnSpPr>
-        <p:spPr>
-          <a:xfrm rot="5400000">
-            <a:off x="10657415" y="4930496"/>
-            <a:ext cx="1342440" cy="3"/>
-          </a:xfrm>
-          <a:prstGeom prst="bentConnector3">
-            <a:avLst>
-              <a:gd name="adj1" fmla="val 50000"/>
-            </a:avLst>
-          </a:prstGeom>
-          <a:ln w="57150">
-            <a:solidFill>
-              <a:srgbClr val="666666"/>
-            </a:solidFill>
-            <a:headEnd type="triangle"/>
-            <a:tailEnd type="triangle"/>
-          </a:ln>
-        </p:spPr>
-        <p:style>
-          <a:lnRef idx="1">
-            <a:schemeClr val="accent1"/>
-          </a:lnRef>
-          <a:fillRef idx="0">
-            <a:schemeClr val="accent1"/>
-          </a:fillRef>
-          <a:effectRef idx="0">
-            <a:schemeClr val="accent1"/>
-          </a:effectRef>
-          <a:fontRef idx="minor">
-            <a:schemeClr val="tx1"/>
-          </a:fontRef>
-        </p:style>
-      </p:cxnSp>
-      <p:cxnSp>
-        <p:nvCxnSpPr>
-          <p:cNvPr id="92" name="Verbinder: gewinkelt 91">
-            <a:extLst>
-              <a:ext uri="{FF2B5EF4-FFF2-40B4-BE49-F238E27FC236}">
-                <a16:creationId xmlns:a16="http://schemas.microsoft.com/office/drawing/2014/main" id="{088616E3-4027-493D-99E1-0942B75C0BF2}"/>
-              </a:ext>
-            </a:extLst>
-          </p:cNvPr>
-          <p:cNvCxnSpPr>
-            <a:cxnSpLocks/>
-            <a:stCxn id="82" idx="2"/>
-            <a:endCxn id="84" idx="0"/>
-          </p:cNvCxnSpPr>
-          <p:nvPr/>
-        </p:nvCxnSpPr>
-        <p:spPr>
-          <a:xfrm rot="16200000" flipH="1">
-            <a:off x="10754710" y="3151951"/>
-            <a:ext cx="1145180" cy="2671"/>
-          </a:xfrm>
-          <a:prstGeom prst="bentConnector3">
-            <a:avLst>
-              <a:gd name="adj1" fmla="val 50000"/>
-            </a:avLst>
-          </a:prstGeom>
-          <a:ln w="57150">
-            <a:solidFill>
-              <a:srgbClr val="666666"/>
-            </a:solidFill>
-            <a:headEnd type="triangle"/>
-            <a:tailEnd type="triangle"/>
-          </a:ln>
-        </p:spPr>
-        <p:style>
-          <a:lnRef idx="1">
-            <a:schemeClr val="accent1"/>
-          </a:lnRef>
-          <a:fillRef idx="0">
-            <a:schemeClr val="accent1"/>
-          </a:fillRef>
-          <a:effectRef idx="0">
-            <a:schemeClr val="accent1"/>
-          </a:effectRef>
-          <a:fontRef idx="minor">
-            <a:schemeClr val="tx1"/>
-          </a:fontRef>
-        </p:style>
-      </p:cxnSp>
-      <p:sp>
-        <p:nvSpPr>
-          <p:cNvPr id="4" name="Textfeld 3">
-            <a:extLst>
-              <a:ext uri="{FF2B5EF4-FFF2-40B4-BE49-F238E27FC236}">
-                <a16:creationId xmlns:a16="http://schemas.microsoft.com/office/drawing/2014/main" id="{E7566F2D-A451-4918-96D0-5D99E2D579DD}"/>
-              </a:ext>
-            </a:extLst>
-          </p:cNvPr>
-          <p:cNvSpPr txBox="1"/>
-          <p:nvPr/>
-        </p:nvSpPr>
-        <p:spPr>
-          <a:xfrm rot="16200000">
-            <a:off x="-156915" y="1413735"/>
-            <a:ext cx="1496041" cy="369332"/>
-          </a:xfrm>
-          <a:prstGeom prst="rect">
-            <a:avLst/>
-          </a:prstGeom>
-          <a:noFill/>
-        </p:spPr>
-        <p:txBody>
-          <a:bodyPr wrap="square" rtlCol="0">
-            <a:spAutoFit/>
-          </a:bodyPr>
-          <a:lstStyle/>
-          <a:p>
-            <a:r>
-              <a:rPr lang="de-DE" dirty="0" err="1">
-                <a:gradFill>
-                  <a:gsLst>
-                    <a:gs pos="0">
-                      <a:schemeClr val="tx1">
-                        <a:lumMod val="75000"/>
-                        <a:lumOff val="25000"/>
-                      </a:schemeClr>
-                    </a:gs>
-                    <a:gs pos="100000">
-                      <a:schemeClr val="tx1">
-                        <a:lumMod val="75000"/>
-                        <a:lumOff val="25000"/>
-                      </a:schemeClr>
-                    </a:gs>
-                  </a:gsLst>
-                  <a:lin ang="5400000" scaled="0"/>
-                </a:gradFill>
-              </a:rPr>
-              <a:t>accesses</a:t>
-            </a:r>
-            <a:endParaRPr lang="de-DE" dirty="0">
-              <a:gradFill>
-                <a:gsLst>
-                  <a:gs pos="0">
-                    <a:schemeClr val="tx1">
-                      <a:lumMod val="75000"/>
-                      <a:lumOff val="25000"/>
-                    </a:schemeClr>
-                  </a:gs>
-                  <a:gs pos="100000">
-                    <a:schemeClr val="tx1">
-                      <a:lumMod val="75000"/>
-                      <a:lumOff val="25000"/>
-                    </a:schemeClr>
-                  </a:gs>
-                </a:gsLst>
-                <a:lin ang="5400000" scaled="0"/>
-              </a:gradFill>
-            </a:endParaRPr>
-          </a:p>
-        </p:txBody>
-      </p:sp>
-      <p:sp>
-        <p:nvSpPr>
-          <p:cNvPr id="40" name="Textfeld 39">
-            <a:extLst>
-              <a:ext uri="{FF2B5EF4-FFF2-40B4-BE49-F238E27FC236}">
-                <a16:creationId xmlns:a16="http://schemas.microsoft.com/office/drawing/2014/main" id="{30F006FC-A121-437E-BFB6-BE0F9EEEBC2B}"/>
-              </a:ext>
-            </a:extLst>
-          </p:cNvPr>
-          <p:cNvSpPr txBox="1"/>
-          <p:nvPr/>
-        </p:nvSpPr>
-        <p:spPr>
-          <a:xfrm>
-            <a:off x="555317" y="4658983"/>
-            <a:ext cx="1496041" cy="369332"/>
-          </a:xfrm>
-          <a:prstGeom prst="rect">
-            <a:avLst/>
-          </a:prstGeom>
-          <a:noFill/>
-        </p:spPr>
-        <p:txBody>
-          <a:bodyPr wrap="square" rtlCol="0">
-            <a:spAutoFit/>
-          </a:bodyPr>
-          <a:lstStyle/>
-          <a:p>
-            <a:r>
-              <a:rPr lang="de-DE" dirty="0" err="1">
-                <a:gradFill>
-                  <a:gsLst>
-                    <a:gs pos="0">
-                      <a:schemeClr val="tx1">
-                        <a:lumMod val="75000"/>
-                        <a:lumOff val="25000"/>
-                      </a:schemeClr>
-                    </a:gs>
-                    <a:gs pos="100000">
-                      <a:schemeClr val="tx1">
-                        <a:lumMod val="75000"/>
-                        <a:lumOff val="25000"/>
-                      </a:schemeClr>
-                    </a:gs>
-                  </a:gsLst>
-                  <a:lin ang="5400000" scaled="0"/>
-                </a:gradFill>
-              </a:rPr>
-              <a:t>accesses</a:t>
-            </a:r>
-            <a:endParaRPr lang="de-DE" dirty="0">
-              <a:gradFill>
-                <a:gsLst>
-                  <a:gs pos="0">
-                    <a:schemeClr val="tx1">
-                      <a:lumMod val="75000"/>
-                      <a:lumOff val="25000"/>
-                    </a:schemeClr>
-                  </a:gs>
-                  <a:gs pos="100000">
-                    <a:schemeClr val="tx1">
-                      <a:lumMod val="75000"/>
-                      <a:lumOff val="25000"/>
-                    </a:schemeClr>
-                  </a:gs>
-                </a:gsLst>
-                <a:lin ang="5400000" scaled="0"/>
-              </a:gradFill>
-            </a:endParaRPr>
-          </a:p>
-        </p:txBody>
-      </p:sp>
-      <p:sp>
-        <p:nvSpPr>
-          <p:cNvPr id="41" name="Textfeld 40">
-            <a:extLst>
-              <a:ext uri="{FF2B5EF4-FFF2-40B4-BE49-F238E27FC236}">
-                <a16:creationId xmlns:a16="http://schemas.microsoft.com/office/drawing/2014/main" id="{5FBD9559-FF4B-41CB-87CA-0982CD04FE1B}"/>
-              </a:ext>
-            </a:extLst>
-          </p:cNvPr>
-          <p:cNvSpPr txBox="1"/>
-          <p:nvPr/>
-        </p:nvSpPr>
-        <p:spPr>
-          <a:xfrm>
-            <a:off x="1207558" y="3019793"/>
-            <a:ext cx="1496041" cy="369332"/>
-          </a:xfrm>
-          <a:prstGeom prst="rect">
-            <a:avLst/>
-          </a:prstGeom>
-          <a:noFill/>
-        </p:spPr>
-        <p:txBody>
-          <a:bodyPr wrap="square" rtlCol="0">
-            <a:spAutoFit/>
-          </a:bodyPr>
-          <a:lstStyle/>
-          <a:p>
-            <a:r>
-              <a:rPr lang="de-DE" dirty="0" err="1">
-                <a:gradFill>
-                  <a:gsLst>
-                    <a:gs pos="0">
-                      <a:schemeClr val="tx1">
-                        <a:lumMod val="75000"/>
-                        <a:lumOff val="25000"/>
-                      </a:schemeClr>
-                    </a:gs>
-                    <a:gs pos="100000">
-                      <a:schemeClr val="tx1">
-                        <a:lumMod val="75000"/>
-                        <a:lumOff val="25000"/>
-                      </a:schemeClr>
-                    </a:gs>
-                  </a:gsLst>
-                  <a:lin ang="5400000" scaled="0"/>
-                </a:gradFill>
-              </a:rPr>
-              <a:t>accesses</a:t>
-            </a:r>
-            <a:endParaRPr lang="de-DE" dirty="0">
-              <a:gradFill>
-                <a:gsLst>
-                  <a:gs pos="0">
-                    <a:schemeClr val="tx1">
-                      <a:lumMod val="75000"/>
-                      <a:lumOff val="25000"/>
-                    </a:schemeClr>
-                  </a:gs>
-                  <a:gs pos="100000">
-                    <a:schemeClr val="tx1">
-                      <a:lumMod val="75000"/>
-                      <a:lumOff val="25000"/>
-                    </a:schemeClr>
-                  </a:gs>
-                </a:gsLst>
-                <a:lin ang="5400000" scaled="0"/>
-              </a:gradFill>
-            </a:endParaRPr>
-          </a:p>
-        </p:txBody>
-      </p:sp>
-      <p:sp>
-        <p:nvSpPr>
-          <p:cNvPr id="42" name="Textfeld 41">
-            <a:extLst>
-              <a:ext uri="{FF2B5EF4-FFF2-40B4-BE49-F238E27FC236}">
-                <a16:creationId xmlns:a16="http://schemas.microsoft.com/office/drawing/2014/main" id="{585DDBB7-51DB-455E-8759-090900403B4E}"/>
-              </a:ext>
-            </a:extLst>
-          </p:cNvPr>
-          <p:cNvSpPr txBox="1"/>
-          <p:nvPr/>
-        </p:nvSpPr>
-        <p:spPr>
-          <a:xfrm>
-            <a:off x="4156533" y="824220"/>
-            <a:ext cx="1683777" cy="646331"/>
-          </a:xfrm>
-          <a:prstGeom prst="rect">
-            <a:avLst/>
-          </a:prstGeom>
-          <a:noFill/>
-        </p:spPr>
-        <p:txBody>
-          <a:bodyPr wrap="square" rtlCol="0">
-            <a:spAutoFit/>
-          </a:bodyPr>
-          <a:lstStyle/>
-          <a:p>
-            <a:r>
-              <a:rPr lang="de-DE" dirty="0" err="1">
-                <a:gradFill>
-                  <a:gsLst>
-                    <a:gs pos="0">
-                      <a:schemeClr val="tx1">
-                        <a:lumMod val="75000"/>
-                        <a:lumOff val="25000"/>
-                      </a:schemeClr>
-                    </a:gs>
-                    <a:gs pos="100000">
-                      <a:schemeClr val="tx1">
-                        <a:lumMod val="75000"/>
-                        <a:lumOff val="25000"/>
-                      </a:schemeClr>
-                    </a:gs>
-                  </a:gsLst>
-                  <a:lin ang="5400000" scaled="0"/>
-                </a:gradFill>
-              </a:rPr>
-              <a:t>gets</a:t>
-            </a:r>
-            <a:r>
-              <a:rPr lang="de-DE" dirty="0">
-                <a:gradFill>
-                  <a:gsLst>
-                    <a:gs pos="0">
-                      <a:schemeClr val="tx1">
-                        <a:lumMod val="75000"/>
-                        <a:lumOff val="25000"/>
-                      </a:schemeClr>
-                    </a:gs>
-                    <a:gs pos="100000">
-                      <a:schemeClr val="tx1">
-                        <a:lumMod val="75000"/>
-                        <a:lumOff val="25000"/>
-                      </a:schemeClr>
-                    </a:gs>
-                  </a:gsLst>
-                  <a:lin ang="5400000" scaled="0"/>
-                </a:gradFill>
-              </a:rPr>
-              <a:t> </a:t>
-            </a:r>
-            <a:r>
-              <a:rPr lang="de-DE" dirty="0" err="1">
-                <a:gradFill>
-                  <a:gsLst>
-                    <a:gs pos="0">
-                      <a:schemeClr val="tx1">
-                        <a:lumMod val="75000"/>
-                        <a:lumOff val="25000"/>
-                      </a:schemeClr>
-                    </a:gs>
-                    <a:gs pos="100000">
-                      <a:schemeClr val="tx1">
-                        <a:lumMod val="75000"/>
-                        <a:lumOff val="25000"/>
-                      </a:schemeClr>
-                    </a:gs>
-                  </a:gsLst>
-                  <a:lin ang="5400000" scaled="0"/>
-                </a:gradFill>
-              </a:rPr>
-              <a:t>weather</a:t>
-            </a:r>
-            <a:br>
-              <a:rPr lang="de-DE" dirty="0">
-                <a:gradFill>
-                  <a:gsLst>
-                    <a:gs pos="0">
-                      <a:schemeClr val="tx1">
-                        <a:lumMod val="75000"/>
-                        <a:lumOff val="25000"/>
-                      </a:schemeClr>
-                    </a:gs>
-                    <a:gs pos="100000">
-                      <a:schemeClr val="tx1">
-                        <a:lumMod val="75000"/>
-                        <a:lumOff val="25000"/>
-                      </a:schemeClr>
-                    </a:gs>
-                  </a:gsLst>
-                  <a:lin ang="5400000" scaled="0"/>
-                </a:gradFill>
-              </a:rPr>
-            </a:br>
-            <a:endParaRPr lang="de-DE" dirty="0">
-              <a:gradFill>
-                <a:gsLst>
-                  <a:gs pos="0">
-                    <a:schemeClr val="tx1">
-                      <a:lumMod val="75000"/>
-                      <a:lumOff val="25000"/>
-                    </a:schemeClr>
-                  </a:gs>
-                  <a:gs pos="100000">
-                    <a:schemeClr val="tx1">
-                      <a:lumMod val="75000"/>
-                      <a:lumOff val="25000"/>
-                    </a:schemeClr>
-                  </a:gs>
-                </a:gsLst>
-                <a:lin ang="5400000" scaled="0"/>
-              </a:gradFill>
-            </a:endParaRPr>
-          </a:p>
-        </p:txBody>
-      </p:sp>
-      <p:sp>
-        <p:nvSpPr>
-          <p:cNvPr id="43" name="Textfeld 42">
-            <a:extLst>
-              <a:ext uri="{FF2B5EF4-FFF2-40B4-BE49-F238E27FC236}">
-                <a16:creationId xmlns:a16="http://schemas.microsoft.com/office/drawing/2014/main" id="{BE206506-6C1C-4B0B-96D2-4A3A61D9E30D}"/>
-              </a:ext>
-            </a:extLst>
-          </p:cNvPr>
-          <p:cNvSpPr txBox="1"/>
-          <p:nvPr/>
-        </p:nvSpPr>
-        <p:spPr>
-          <a:xfrm rot="16200000">
-            <a:off x="4461798" y="2716976"/>
-            <a:ext cx="1496041" cy="369332"/>
-          </a:xfrm>
-          <a:prstGeom prst="rect">
-            <a:avLst/>
-          </a:prstGeom>
-          <a:noFill/>
-        </p:spPr>
-        <p:txBody>
-          <a:bodyPr wrap="square" rtlCol="0">
-            <a:spAutoFit/>
-          </a:bodyPr>
-          <a:lstStyle/>
-          <a:p>
-            <a:r>
-              <a:rPr lang="de-DE" dirty="0" err="1">
-                <a:gradFill>
-                  <a:gsLst>
-                    <a:gs pos="0">
-                      <a:schemeClr val="tx1">
-                        <a:lumMod val="75000"/>
-                        <a:lumOff val="25000"/>
-                      </a:schemeClr>
-                    </a:gs>
-                    <a:gs pos="100000">
-                      <a:schemeClr val="tx1">
-                        <a:lumMod val="75000"/>
-                        <a:lumOff val="25000"/>
-                      </a:schemeClr>
-                    </a:gs>
-                  </a:gsLst>
-                  <a:lin ang="5400000" scaled="0"/>
-                </a:gradFill>
-              </a:rPr>
-              <a:t>activates</a:t>
-            </a:r>
-            <a:endParaRPr lang="de-DE" dirty="0">
-              <a:gradFill>
-                <a:gsLst>
-                  <a:gs pos="0">
-                    <a:schemeClr val="tx1">
-                      <a:lumMod val="75000"/>
-                      <a:lumOff val="25000"/>
-                    </a:schemeClr>
-                  </a:gs>
-                  <a:gs pos="100000">
-                    <a:schemeClr val="tx1">
-                      <a:lumMod val="75000"/>
-                      <a:lumOff val="25000"/>
-                    </a:schemeClr>
-                  </a:gs>
-                </a:gsLst>
-                <a:lin ang="5400000" scaled="0"/>
-              </a:gradFill>
-            </a:endParaRPr>
-          </a:p>
-        </p:txBody>
-      </p:sp>
-      <p:sp>
-        <p:nvSpPr>
-          <p:cNvPr id="44" name="Textfeld 43">
-            <a:extLst>
-              <a:ext uri="{FF2B5EF4-FFF2-40B4-BE49-F238E27FC236}">
-                <a16:creationId xmlns:a16="http://schemas.microsoft.com/office/drawing/2014/main" id="{60AC77A3-910D-43DA-9FDD-0C7B2FC54EA0}"/>
-              </a:ext>
-            </a:extLst>
-          </p:cNvPr>
-          <p:cNvSpPr txBox="1"/>
-          <p:nvPr/>
-        </p:nvSpPr>
-        <p:spPr>
-          <a:xfrm rot="16200000">
-            <a:off x="4483151" y="4640219"/>
-            <a:ext cx="1496041" cy="369332"/>
-          </a:xfrm>
-          <a:prstGeom prst="rect">
-            <a:avLst/>
-          </a:prstGeom>
-          <a:noFill/>
-        </p:spPr>
-        <p:txBody>
-          <a:bodyPr wrap="square" rtlCol="0">
-            <a:spAutoFit/>
-          </a:bodyPr>
-          <a:lstStyle/>
-          <a:p>
-            <a:r>
-              <a:rPr lang="de-DE" dirty="0" err="1">
-                <a:gradFill>
-                  <a:gsLst>
-                    <a:gs pos="0">
-                      <a:schemeClr val="tx1">
-                        <a:lumMod val="75000"/>
-                        <a:lumOff val="25000"/>
-                      </a:schemeClr>
-                    </a:gs>
-                    <a:gs pos="100000">
-                      <a:schemeClr val="tx1">
-                        <a:lumMod val="75000"/>
-                        <a:lumOff val="25000"/>
-                      </a:schemeClr>
-                    </a:gs>
-                  </a:gsLst>
-                  <a:lin ang="5400000" scaled="0"/>
-                </a:gradFill>
-              </a:rPr>
-              <a:t>controlls</a:t>
-            </a:r>
-            <a:endParaRPr lang="de-DE" dirty="0">
-              <a:gradFill>
-                <a:gsLst>
-                  <a:gs pos="0">
-                    <a:schemeClr val="tx1">
-                      <a:lumMod val="75000"/>
-                      <a:lumOff val="25000"/>
-                    </a:schemeClr>
-                  </a:gs>
-                  <a:gs pos="100000">
-                    <a:schemeClr val="tx1">
-                      <a:lumMod val="75000"/>
-                      <a:lumOff val="25000"/>
-                    </a:schemeClr>
-                  </a:gs>
-                </a:gsLst>
-                <a:lin ang="5400000" scaled="0"/>
-              </a:gradFill>
-            </a:endParaRPr>
-          </a:p>
-        </p:txBody>
-      </p:sp>
-      <p:sp>
-        <p:nvSpPr>
-          <p:cNvPr id="46" name="Textfeld 45">
-            <a:extLst>
-              <a:ext uri="{FF2B5EF4-FFF2-40B4-BE49-F238E27FC236}">
-                <a16:creationId xmlns:a16="http://schemas.microsoft.com/office/drawing/2014/main" id="{B38F7652-D37B-4307-9E92-801BDE874A3D}"/>
-              </a:ext>
-            </a:extLst>
-          </p:cNvPr>
-          <p:cNvSpPr txBox="1"/>
-          <p:nvPr/>
-        </p:nvSpPr>
-        <p:spPr>
-          <a:xfrm rot="16200000">
-            <a:off x="3270127" y="3802257"/>
-            <a:ext cx="1496041" cy="369332"/>
-          </a:xfrm>
-          <a:prstGeom prst="rect">
-            <a:avLst/>
-          </a:prstGeom>
-          <a:noFill/>
-        </p:spPr>
-        <p:txBody>
-          <a:bodyPr wrap="square" rtlCol="0">
-            <a:spAutoFit/>
-          </a:bodyPr>
-          <a:lstStyle/>
-          <a:p>
-            <a:r>
-              <a:rPr lang="de-DE" dirty="0" err="1">
-                <a:gradFill>
-                  <a:gsLst>
-                    <a:gs pos="0">
-                      <a:schemeClr val="tx1">
-                        <a:lumMod val="75000"/>
-                        <a:lumOff val="25000"/>
-                      </a:schemeClr>
-                    </a:gs>
-                    <a:gs pos="100000">
-                      <a:schemeClr val="tx1">
-                        <a:lumMod val="75000"/>
-                        <a:lumOff val="25000"/>
-                      </a:schemeClr>
-                    </a:gs>
-                  </a:gsLst>
-                  <a:lin ang="5400000" scaled="0"/>
-                </a:gradFill>
-              </a:rPr>
-              <a:t>controlls</a:t>
-            </a:r>
-            <a:endParaRPr lang="de-DE" dirty="0">
-              <a:gradFill>
-                <a:gsLst>
-                  <a:gs pos="0">
-                    <a:schemeClr val="tx1">
-                      <a:lumMod val="75000"/>
-                      <a:lumOff val="25000"/>
-                    </a:schemeClr>
-                  </a:gs>
-                  <a:gs pos="100000">
-                    <a:schemeClr val="tx1">
-                      <a:lumMod val="75000"/>
-                      <a:lumOff val="25000"/>
-                    </a:schemeClr>
-                  </a:gs>
-                </a:gsLst>
-                <a:lin ang="5400000" scaled="0"/>
-              </a:gradFill>
-            </a:endParaRPr>
-          </a:p>
-        </p:txBody>
-      </p:sp>
-      <p:sp>
-        <p:nvSpPr>
-          <p:cNvPr id="49" name="Textfeld 48">
-            <a:extLst>
-              <a:ext uri="{FF2B5EF4-FFF2-40B4-BE49-F238E27FC236}">
-                <a16:creationId xmlns:a16="http://schemas.microsoft.com/office/drawing/2014/main" id="{9EAD17D5-B777-457F-9CF7-5CEB7A3979E7}"/>
-              </a:ext>
-            </a:extLst>
-          </p:cNvPr>
-          <p:cNvSpPr txBox="1"/>
-          <p:nvPr/>
-        </p:nvSpPr>
-        <p:spPr>
-          <a:xfrm>
-            <a:off x="8961606" y="3562357"/>
-            <a:ext cx="1683777" cy="369332"/>
-          </a:xfrm>
-          <a:prstGeom prst="rect">
-            <a:avLst/>
-          </a:prstGeom>
-          <a:noFill/>
-        </p:spPr>
-        <p:txBody>
-          <a:bodyPr wrap="square" rtlCol="0">
-            <a:spAutoFit/>
-          </a:bodyPr>
-          <a:lstStyle/>
-          <a:p>
-            <a:r>
-              <a:rPr lang="en-US" dirty="0">
-                <a:gradFill>
-                  <a:gsLst>
-                    <a:gs pos="0">
-                      <a:schemeClr val="tx1">
-                        <a:lumMod val="75000"/>
-                        <a:lumOff val="25000"/>
-                      </a:schemeClr>
-                    </a:gs>
-                    <a:gs pos="100000">
-                      <a:schemeClr val="tx1">
-                        <a:lumMod val="75000"/>
-                        <a:lumOff val="25000"/>
-                      </a:schemeClr>
-                    </a:gs>
-                  </a:gsLst>
-                  <a:lin ang="5400000" scaled="0"/>
-                </a:gradFill>
-              </a:rPr>
-              <a:t>communicate</a:t>
-            </a:r>
-            <a:endParaRPr lang="de-DE" dirty="0">
-              <a:gradFill>
-                <a:gsLst>
-                  <a:gs pos="0">
-                    <a:schemeClr val="tx1">
-                      <a:lumMod val="75000"/>
-                      <a:lumOff val="25000"/>
-                    </a:schemeClr>
-                  </a:gs>
-                  <a:gs pos="100000">
-                    <a:schemeClr val="tx1">
-                      <a:lumMod val="75000"/>
-                      <a:lumOff val="25000"/>
-                    </a:schemeClr>
-                  </a:gs>
-                </a:gsLst>
-                <a:lin ang="5400000" scaled="0"/>
-              </a:gradFill>
-            </a:endParaRPr>
-          </a:p>
-        </p:txBody>
-      </p:sp>
-      <p:sp>
-        <p:nvSpPr>
-          <p:cNvPr id="50" name="Textfeld 49">
-            <a:extLst>
-              <a:ext uri="{FF2B5EF4-FFF2-40B4-BE49-F238E27FC236}">
-                <a16:creationId xmlns:a16="http://schemas.microsoft.com/office/drawing/2014/main" id="{B985607F-F9BB-40EE-B4BA-2D86802CBB30}"/>
-              </a:ext>
-            </a:extLst>
-          </p:cNvPr>
-          <p:cNvSpPr txBox="1"/>
-          <p:nvPr/>
-        </p:nvSpPr>
-        <p:spPr>
-          <a:xfrm>
-            <a:off x="6075355" y="2476827"/>
-            <a:ext cx="1683777" cy="369332"/>
-          </a:xfrm>
-          <a:prstGeom prst="rect">
-            <a:avLst/>
-          </a:prstGeom>
-          <a:noFill/>
-        </p:spPr>
-        <p:txBody>
-          <a:bodyPr wrap="square" rtlCol="0">
-            <a:spAutoFit/>
-          </a:bodyPr>
-          <a:lstStyle/>
-          <a:p>
-            <a:r>
-              <a:rPr lang="en-US" dirty="0">
-                <a:gradFill>
-                  <a:gsLst>
-                    <a:gs pos="0">
-                      <a:schemeClr val="tx1">
-                        <a:lumMod val="75000"/>
-                        <a:lumOff val="25000"/>
-                      </a:schemeClr>
-                    </a:gs>
-                    <a:gs pos="100000">
-                      <a:schemeClr val="tx1">
-                        <a:lumMod val="75000"/>
-                        <a:lumOff val="25000"/>
-                      </a:schemeClr>
-                    </a:gs>
-                  </a:gsLst>
-                  <a:lin ang="5400000" scaled="0"/>
-                </a:gradFill>
-              </a:rPr>
-              <a:t>uses</a:t>
-            </a:r>
-            <a:endParaRPr lang="de-DE" dirty="0">
-              <a:gradFill>
-                <a:gsLst>
-                  <a:gs pos="0">
-                    <a:schemeClr val="tx1">
-                      <a:lumMod val="75000"/>
-                      <a:lumOff val="25000"/>
-                    </a:schemeClr>
-                  </a:gs>
-                  <a:gs pos="100000">
-                    <a:schemeClr val="tx1">
-                      <a:lumMod val="75000"/>
-                      <a:lumOff val="25000"/>
-                    </a:schemeClr>
-                  </a:gs>
-                </a:gsLst>
-                <a:lin ang="5400000" scaled="0"/>
-              </a:gradFill>
-            </a:endParaRPr>
-          </a:p>
-        </p:txBody>
-      </p:sp>
-      <p:sp>
-        <p:nvSpPr>
-          <p:cNvPr id="53" name="Textfeld 52">
-            <a:extLst>
-              <a:ext uri="{FF2B5EF4-FFF2-40B4-BE49-F238E27FC236}">
-                <a16:creationId xmlns:a16="http://schemas.microsoft.com/office/drawing/2014/main" id="{D455CC13-9043-43A4-ABAA-39AEC77B99E4}"/>
-              </a:ext>
-            </a:extLst>
-          </p:cNvPr>
-          <p:cNvSpPr txBox="1"/>
-          <p:nvPr/>
-        </p:nvSpPr>
-        <p:spPr>
-          <a:xfrm>
-            <a:off x="6162231" y="3510755"/>
-            <a:ext cx="1683777" cy="369332"/>
-          </a:xfrm>
-          <a:prstGeom prst="rect">
-            <a:avLst/>
-          </a:prstGeom>
-          <a:noFill/>
-        </p:spPr>
-        <p:txBody>
-          <a:bodyPr wrap="square" rtlCol="0">
-            <a:spAutoFit/>
-          </a:bodyPr>
-          <a:lstStyle/>
-          <a:p>
-            <a:r>
-              <a:rPr lang="en-US" dirty="0">
-                <a:gradFill>
-                  <a:gsLst>
-                    <a:gs pos="0">
-                      <a:schemeClr val="tx1">
-                        <a:lumMod val="75000"/>
-                        <a:lumOff val="25000"/>
-                      </a:schemeClr>
-                    </a:gs>
-                    <a:gs pos="100000">
-                      <a:schemeClr val="tx1">
-                        <a:lumMod val="75000"/>
-                        <a:lumOff val="25000"/>
-                      </a:schemeClr>
-                    </a:gs>
-                  </a:gsLst>
-                  <a:lin ang="5400000" scaled="0"/>
-                </a:gradFill>
-              </a:rPr>
-              <a:t>connects</a:t>
-            </a:r>
-            <a:endParaRPr lang="de-DE" dirty="0">
-              <a:gradFill>
-                <a:gsLst>
-                  <a:gs pos="0">
-                    <a:schemeClr val="tx1">
-                      <a:lumMod val="75000"/>
-                      <a:lumOff val="25000"/>
-                    </a:schemeClr>
-                  </a:gs>
-                  <a:gs pos="100000">
-                    <a:schemeClr val="tx1">
-                      <a:lumMod val="75000"/>
-                      <a:lumOff val="25000"/>
-                    </a:schemeClr>
-                  </a:gs>
-                </a:gsLst>
-                <a:lin ang="5400000" scaled="0"/>
-              </a:gradFill>
-            </a:endParaRPr>
-          </a:p>
-        </p:txBody>
-      </p:sp>
-      <p:sp>
-        <p:nvSpPr>
-          <p:cNvPr id="55" name="Textfeld 54">
-            <a:extLst>
-              <a:ext uri="{FF2B5EF4-FFF2-40B4-BE49-F238E27FC236}">
-                <a16:creationId xmlns:a16="http://schemas.microsoft.com/office/drawing/2014/main" id="{1430DBAD-21CC-4CA6-8F2B-523321E8C5B7}"/>
-              </a:ext>
-            </a:extLst>
-          </p:cNvPr>
-          <p:cNvSpPr txBox="1"/>
-          <p:nvPr/>
-        </p:nvSpPr>
-        <p:spPr>
-          <a:xfrm rot="16200000">
-            <a:off x="10551296" y="2378371"/>
-            <a:ext cx="1496041" cy="923330"/>
-          </a:xfrm>
-          <a:prstGeom prst="rect">
-            <a:avLst/>
-          </a:prstGeom>
-          <a:noFill/>
-        </p:spPr>
-        <p:txBody>
-          <a:bodyPr wrap="square" rtlCol="0">
-            <a:spAutoFit/>
-          </a:bodyPr>
-          <a:lstStyle/>
-          <a:p>
-            <a:r>
-              <a:rPr lang="de-DE" dirty="0" err="1">
-                <a:gradFill>
-                  <a:gsLst>
-                    <a:gs pos="0">
-                      <a:schemeClr val="tx1">
-                        <a:lumMod val="75000"/>
-                        <a:lumOff val="25000"/>
-                      </a:schemeClr>
-                    </a:gs>
-                    <a:gs pos="100000">
-                      <a:schemeClr val="tx1">
-                        <a:lumMod val="75000"/>
-                        <a:lumOff val="25000"/>
-                      </a:schemeClr>
-                    </a:gs>
-                  </a:gsLst>
-                  <a:lin ang="5400000" scaled="0"/>
-                </a:gradFill>
-              </a:rPr>
-              <a:t>Creates</a:t>
-            </a:r>
-            <a:br>
-              <a:rPr lang="de-DE" dirty="0">
-                <a:gradFill>
-                  <a:gsLst>
-                    <a:gs pos="0">
-                      <a:schemeClr val="tx1">
-                        <a:lumMod val="75000"/>
-                        <a:lumOff val="25000"/>
-                      </a:schemeClr>
-                    </a:gs>
-                    <a:gs pos="100000">
-                      <a:schemeClr val="tx1">
-                        <a:lumMod val="75000"/>
-                        <a:lumOff val="25000"/>
-                      </a:schemeClr>
-                    </a:gs>
-                  </a:gsLst>
-                  <a:lin ang="5400000" scaled="0"/>
-                </a:gradFill>
-              </a:rPr>
-            </a:br>
-            <a:br>
-              <a:rPr lang="de-DE" dirty="0">
-                <a:gradFill>
-                  <a:gsLst>
-                    <a:gs pos="0">
-                      <a:schemeClr val="tx1">
-                        <a:lumMod val="75000"/>
-                        <a:lumOff val="25000"/>
-                      </a:schemeClr>
-                    </a:gs>
-                    <a:gs pos="100000">
-                      <a:schemeClr val="tx1">
-                        <a:lumMod val="75000"/>
-                        <a:lumOff val="25000"/>
-                      </a:schemeClr>
-                    </a:gs>
-                  </a:gsLst>
-                  <a:lin ang="5400000" scaled="0"/>
-                </a:gradFill>
-              </a:rPr>
-            </a:br>
-            <a:r>
-              <a:rPr lang="de-DE" dirty="0" err="1">
-                <a:gradFill>
-                  <a:gsLst>
-                    <a:gs pos="0">
-                      <a:schemeClr val="tx1">
-                        <a:lumMod val="75000"/>
-                        <a:lumOff val="25000"/>
-                      </a:schemeClr>
-                    </a:gs>
-                    <a:gs pos="100000">
-                      <a:schemeClr val="tx1">
-                        <a:lumMod val="75000"/>
-                        <a:lumOff val="25000"/>
-                      </a:schemeClr>
-                    </a:gs>
-                  </a:gsLst>
-                  <a:lin ang="5400000" scaled="0"/>
-                </a:gradFill>
-              </a:rPr>
-              <a:t>objects</a:t>
-            </a:r>
-            <a:endParaRPr lang="de-DE" dirty="0">
-              <a:gradFill>
-                <a:gsLst>
-                  <a:gs pos="0">
-                    <a:schemeClr val="tx1">
-                      <a:lumMod val="75000"/>
-                      <a:lumOff val="25000"/>
-                    </a:schemeClr>
-                  </a:gs>
-                  <a:gs pos="100000">
-                    <a:schemeClr val="tx1">
-                      <a:lumMod val="75000"/>
-                      <a:lumOff val="25000"/>
-                    </a:schemeClr>
-                  </a:gs>
-                </a:gsLst>
-                <a:lin ang="5400000" scaled="0"/>
-              </a:gradFill>
-            </a:endParaRPr>
-          </a:p>
-        </p:txBody>
-      </p:sp>
-      <p:sp>
-        <p:nvSpPr>
-          <p:cNvPr id="56" name="Textfeld 55">
-            <a:extLst>
-              <a:ext uri="{FF2B5EF4-FFF2-40B4-BE49-F238E27FC236}">
-                <a16:creationId xmlns:a16="http://schemas.microsoft.com/office/drawing/2014/main" id="{596FD847-4022-46FB-888F-039F0570D604}"/>
-              </a:ext>
-            </a:extLst>
-          </p:cNvPr>
-          <p:cNvSpPr txBox="1"/>
-          <p:nvPr/>
-        </p:nvSpPr>
-        <p:spPr>
-          <a:xfrm rot="16200000">
-            <a:off x="10563898" y="4389061"/>
-            <a:ext cx="1496041" cy="923330"/>
-          </a:xfrm>
-          <a:prstGeom prst="rect">
-            <a:avLst/>
-          </a:prstGeom>
-          <a:noFill/>
-        </p:spPr>
-        <p:txBody>
-          <a:bodyPr wrap="square" rtlCol="0">
-            <a:spAutoFit/>
-          </a:bodyPr>
-          <a:lstStyle/>
-          <a:p>
-            <a:r>
-              <a:rPr lang="en-US" dirty="0">
-                <a:gradFill>
-                  <a:gsLst>
-                    <a:gs pos="0">
-                      <a:schemeClr val="tx1">
-                        <a:lumMod val="75000"/>
-                        <a:lumOff val="25000"/>
-                      </a:schemeClr>
-                    </a:gs>
-                    <a:gs pos="100000">
-                      <a:schemeClr val="tx1">
-                        <a:lumMod val="75000"/>
-                        <a:lumOff val="25000"/>
-                      </a:schemeClr>
-                    </a:gs>
-                  </a:gsLst>
-                  <a:lin ang="5400000" scaled="0"/>
-                </a:gradFill>
-              </a:rPr>
-              <a:t>visualize</a:t>
-            </a:r>
-            <a:br>
-              <a:rPr lang="de-DE" dirty="0">
-                <a:gradFill>
-                  <a:gsLst>
-                    <a:gs pos="0">
-                      <a:schemeClr val="tx1">
-                        <a:lumMod val="75000"/>
-                        <a:lumOff val="25000"/>
-                      </a:schemeClr>
-                    </a:gs>
-                    <a:gs pos="100000">
-                      <a:schemeClr val="tx1">
-                        <a:lumMod val="75000"/>
-                        <a:lumOff val="25000"/>
-                      </a:schemeClr>
-                    </a:gs>
-                  </a:gsLst>
-                  <a:lin ang="5400000" scaled="0"/>
-                </a:gradFill>
-              </a:rPr>
-            </a:br>
-            <a:br>
-              <a:rPr lang="de-DE" dirty="0">
-                <a:gradFill>
-                  <a:gsLst>
-                    <a:gs pos="0">
-                      <a:schemeClr val="tx1">
-                        <a:lumMod val="75000"/>
-                        <a:lumOff val="25000"/>
-                      </a:schemeClr>
-                    </a:gs>
-                    <a:gs pos="100000">
-                      <a:schemeClr val="tx1">
-                        <a:lumMod val="75000"/>
-                        <a:lumOff val="25000"/>
-                      </a:schemeClr>
-                    </a:gs>
-                  </a:gsLst>
-                  <a:lin ang="5400000" scaled="0"/>
-                </a:gradFill>
-              </a:rPr>
-            </a:br>
-            <a:r>
-              <a:rPr lang="de-DE" dirty="0" err="1">
-                <a:gradFill>
-                  <a:gsLst>
-                    <a:gs pos="0">
-                      <a:schemeClr val="tx1">
-                        <a:lumMod val="75000"/>
-                        <a:lumOff val="25000"/>
-                      </a:schemeClr>
-                    </a:gs>
-                    <a:gs pos="100000">
-                      <a:schemeClr val="tx1">
-                        <a:lumMod val="75000"/>
-                        <a:lumOff val="25000"/>
-                      </a:schemeClr>
-                    </a:gs>
-                  </a:gsLst>
-                  <a:lin ang="5400000" scaled="0"/>
-                </a:gradFill>
-              </a:rPr>
-              <a:t>diagrams</a:t>
-            </a:r>
-            <a:endParaRPr lang="de-DE" dirty="0">
-              <a:gradFill>
-                <a:gsLst>
-                  <a:gs pos="0">
-                    <a:schemeClr val="tx1">
-                      <a:lumMod val="75000"/>
-                      <a:lumOff val="25000"/>
-                    </a:schemeClr>
-                  </a:gs>
-                  <a:gs pos="100000">
-                    <a:schemeClr val="tx1">
-                      <a:lumMod val="75000"/>
-                      <a:lumOff val="25000"/>
-                    </a:schemeClr>
-                  </a:gs>
-                </a:gsLst>
-                <a:lin ang="5400000" scaled="0"/>
-              </a:gradFill>
-            </a:endParaRPr>
           </a:p>
         </p:txBody>
       </p:sp>
     </p:spTree>
     <p:extLst>
       <p:ext uri="{BB962C8B-B14F-4D97-AF65-F5344CB8AC3E}">
-        <p14:creationId xmlns:p14="http://schemas.microsoft.com/office/powerpoint/2010/main" val="1034279506"/>
+        <p14:creationId xmlns:p14="http://schemas.microsoft.com/office/powerpoint/2010/main" val="3995269161"/>
       </p:ext>
     </p:extLst>
   </p:cSld>
@@ -9427,7 +9104,7 @@
           <a:p>
             <a:fld id="{55AED9EA-078F-4E5F-A87D-C222390B94C5}" type="datetime1">
               <a:rPr lang="en-US" smtClean="0"/>
-              <a:t>11/8/2018</a:t>
+              <a:t>11/9/2018</a:t>
             </a:fld>
             <a:endParaRPr lang="en-US"/>
           </a:p>
@@ -9884,7 +9561,7 @@
           <a:p>
             <a:fld id="{55AED9EA-078F-4E5F-A87D-C222390B94C5}" type="datetime1">
               <a:rPr lang="en-US" smtClean="0"/>
-              <a:t>11/8/2018</a:t>
+              <a:t>11/9/2018</a:t>
             </a:fld>
             <a:endParaRPr lang="en-US"/>
           </a:p>
@@ -10210,7 +9887,7 @@
           <a:p>
             <a:fld id="{55AED9EA-078F-4E5F-A87D-C222390B94C5}" type="datetime1">
               <a:rPr lang="en-US" smtClean="0"/>
-              <a:t>11/8/2018</a:t>
+              <a:t>11/9/2018</a:t>
             </a:fld>
             <a:endParaRPr lang="en-US"/>
           </a:p>
@@ -10528,7 +10205,7 @@
           <a:p>
             <a:fld id="{55AED9EA-078F-4E5F-A87D-C222390B94C5}" type="datetime1">
               <a:rPr lang="en-US" smtClean="0"/>
-              <a:t>11/8/2018</a:t>
+              <a:t>11/9/2018</a:t>
             </a:fld>
             <a:endParaRPr lang="en-US"/>
           </a:p>
@@ -11274,7 +10951,7 @@
 </file>
 
 <file path=ppt/slides/slide8.xml><?xml version="1.0" encoding="utf-8"?>
-<p:sld xmlns:a="http://schemas.openxmlformats.org/drawingml/2006/main" xmlns:r="http://schemas.openxmlformats.org/officeDocument/2006/relationships" xmlns:p="http://schemas.openxmlformats.org/presentationml/2006/main" show="0">
+<p:sld xmlns:a="http://schemas.openxmlformats.org/drawingml/2006/main" xmlns:r="http://schemas.openxmlformats.org/officeDocument/2006/relationships" xmlns:p="http://schemas.openxmlformats.org/presentationml/2006/main">
   <p:cSld>
     <p:spTree>
       <p:nvGrpSpPr>
@@ -11427,7 +11104,7 @@
           <a:p>
             <a:fld id="{55AED9EA-078F-4E5F-A87D-C222390B94C5}" type="datetime1">
               <a:rPr lang="en-US" smtClean="0"/>
-              <a:t>11/8/2018</a:t>
+              <a:t>11/9/2018</a:t>
             </a:fld>
             <a:endParaRPr lang="en-US"/>
           </a:p>
@@ -11561,8 +11238,11 @@
               <a:rPr lang="en-US" dirty="0" err="1">
                 <a:cs typeface="Segoe UI"/>
               </a:rPr>
-              <a:t>efficiencycoefficient</a:t>
-            </a:r>
+              <a:t>efficiencyCoefficient</a:t>
+            </a:r>
+            <a:endParaRPr lang="en-US" dirty="0">
+              <a:cs typeface="Segoe UI"/>
+            </a:endParaRPr>
           </a:p>
           <a:p>
             <a:pPr marL="457200" lvl="1" indent="-457200">
@@ -11610,13 +11290,13 @@
               <a:rPr lang="en-US" dirty="0" err="1">
                 <a:cs typeface="Segoe UI"/>
               </a:rPr>
-              <a:t>Energycoefficient</a:t>
+              <a:t>efficiencyCoefficient</a:t>
             </a:r>
             <a:r>
               <a:rPr lang="en-US" dirty="0">
                 <a:cs typeface="Segoe UI"/>
               </a:rPr>
-              <a:t>:</a:t>
+              <a:t> :</a:t>
             </a:r>
           </a:p>
           <a:p>
@@ -12542,67 +12222,6 @@
 </file>
 
 <file path=customXml/item1.xml><?xml version="1.0" encoding="utf-8"?>
-<p:properties xmlns:p="http://schemas.microsoft.com/office/2006/metadata/properties" xmlns:xsi="http://www.w3.org/2001/XMLSchema-instance" xmlns:pc="http://schemas.microsoft.com/office/infopath/2007/PartnerControls">
-  <documentManagement>
-    <TrackTaxHTField0 xmlns="2295e2e7-0eeb-498e-8716-217bb2ee6ee3">
-      <Terms xmlns="http://schemas.microsoft.com/office/infopath/2007/PartnerControls"/>
-    </TrackTaxHTField0>
-    <CampaignTaxHTField0 xmlns="2295e2e7-0eeb-498e-8716-217bb2ee6ee3">
-      <Terms xmlns="http://schemas.microsoft.com/office/infopath/2007/PartnerControls"/>
-    </CampaignTaxHTField0>
-    <Event_x0020_End_x0020_Date xmlns="2295e2e7-0eeb-498e-8716-217bb2ee6ee3">2013-06-28T07:00:00+00:00</Event_x0020_End_x0020_Date>
-    <Event_x0020_Start_x0020_Date xmlns="2295e2e7-0eeb-498e-8716-217bb2ee6ee3">2013-06-26T07:00:00+00:00</Event_x0020_Start_x0020_Date>
-    <MS_x0020_Speaker xmlns="2295e2e7-0eeb-498e-8716-217bb2ee6ee3">
-      <UserInfo>
-        <DisplayName/>
-        <AccountId xsi:nil="true"/>
-        <AccountType/>
-      </UserInfo>
-    </MS_x0020_Speaker>
-    <External_x0020_Speaker xmlns="2295e2e7-0eeb-498e-8716-217bb2ee6ee3" xsi:nil="true"/>
-    <Session_x0020_Code xmlns="2295e2e7-0eeb-498e-8716-217bb2ee6ee3" xsi:nil="true"/>
-    <ProductTaxHTField0 xmlns="2295e2e7-0eeb-498e-8716-217bb2ee6ee3">
-      <Terms xmlns="http://schemas.microsoft.com/office/infopath/2007/PartnerControls"/>
-    </ProductTaxHTField0>
-    <Presentation_x0020_Date xmlns="2295e2e7-0eeb-498e-8716-217bb2ee6ee3">2013-06-26T00:00:00-07:00</Presentation_x0020_Date>
-    <Event_x0020_LocationTaxHTField0 xmlns="2295e2e7-0eeb-498e-8716-217bb2ee6ee3">
-      <Terms xmlns="http://schemas.microsoft.com/office/infopath/2007/PartnerControls">
-        <TermInfo xmlns="http://schemas.microsoft.com/office/infopath/2007/PartnerControls">
-          <TermName xmlns="http://schemas.microsoft.com/office/infopath/2007/PartnerControls">San Francisco</TermName>
-          <TermId xmlns="http://schemas.microsoft.com/office/infopath/2007/PartnerControls">84dfcb53-432b-499d-8965-93d483d36b4a</TermId>
-        </TermInfo>
-      </Terms>
-    </Event_x0020_LocationTaxHTField0>
-    <Event1TaxHTField0 xmlns="2295e2e7-0eeb-498e-8716-217bb2ee6ee3">
-      <Terms xmlns="http://schemas.microsoft.com/office/infopath/2007/PartnerControls">
-        <TermInfo xmlns="http://schemas.microsoft.com/office/infopath/2007/PartnerControls">
-          <TermName xmlns="http://schemas.microsoft.com/office/infopath/2007/PartnerControls">BUILD</TermName>
-          <TermId xmlns="http://schemas.microsoft.com/office/infopath/2007/PartnerControls">58542b36-5bf5-46a6-a53f-a41fb7a73785</TermId>
-        </TermInfo>
-      </Terms>
-    </Event1TaxHTField0>
-    <MS_x0020_Content_x0020_Owner xmlns="2295e2e7-0eeb-498e-8716-217bb2ee6ee3">
-      <UserInfo>
-        <DisplayName/>
-        <AccountId xsi:nil="true"/>
-        <AccountType/>
-      </UserInfo>
-    </MS_x0020_Content_x0020_Owner>
-    <Event_x0020_VenueTaxHTField0 xmlns="2295e2e7-0eeb-498e-8716-217bb2ee6ee3">
-      <Terms xmlns="http://schemas.microsoft.com/office/infopath/2007/PartnerControls"/>
-    </Event_x0020_VenueTaxHTField0>
-    <TaxCatchAll xmlns="230e9df3-be65-4c73-a93b-d1236ebd677e">
-      <Value>497</Value>
-      <Value>605</Value>
-    </TaxCatchAll>
-    <AudienceTaxHTField0 xmlns="8b529f77-48ab-4581-b468-93f09345b8aa">
-      <Terms xmlns="http://schemas.microsoft.com/office/infopath/2007/PartnerControls"/>
-    </AudienceTaxHTField0>
-  </documentManagement>
-</p:properties>
-</file>
-
-<file path=customXml/item2.xml><?xml version="1.0" encoding="utf-8"?>
 <ct:contentTypeSchema xmlns:ct="http://schemas.microsoft.com/office/2006/metadata/contentType" xmlns:ma="http://schemas.microsoft.com/office/2006/metadata/properties/metaAttributes" ct:_="" ma:_="" ma:contentTypeName="PresentationsDoc" ma:contentTypeID="0x010100B88FC3ECA26D1C46B3C4C83281D2EB9C003BBE479AF4108146A616B6B5E7069DBC" ma:contentTypeVersion="61" ma:contentTypeDescription="" ma:contentTypeScope="" ma:versionID="89fe5faf2f25a24617a4f509b32cc989">
   <xsd:schema xmlns:xsd="http://www.w3.org/2001/XMLSchema" xmlns:xs="http://www.w3.org/2001/XMLSchema" xmlns:p="http://schemas.microsoft.com/office/2006/metadata/properties" xmlns:ns2="2295e2e7-0eeb-498e-8716-217bb2ee6ee3" xmlns:ns3="230e9df3-be65-4c73-a93b-d1236ebd677e" xmlns:ns4="8b529f77-48ab-4581-b468-93f09345b8aa" targetNamespace="http://schemas.microsoft.com/office/2006/metadata/properties" ma:root="true" ma:fieldsID="dfcb5511298a0ed35e170e5fd997f4f9" ns2:_="" ns3:_="" ns4:_="">
     <xsd:import namespace="2295e2e7-0eeb-498e-8716-217bb2ee6ee3"/>
@@ -12886,6 +12505,67 @@
 </ct:contentTypeSchema>
 </file>
 
+<file path=customXml/item2.xml><?xml version="1.0" encoding="utf-8"?>
+<p:properties xmlns:p="http://schemas.microsoft.com/office/2006/metadata/properties" xmlns:xsi="http://www.w3.org/2001/XMLSchema-instance" xmlns:pc="http://schemas.microsoft.com/office/infopath/2007/PartnerControls">
+  <documentManagement>
+    <TrackTaxHTField0 xmlns="2295e2e7-0eeb-498e-8716-217bb2ee6ee3">
+      <Terms xmlns="http://schemas.microsoft.com/office/infopath/2007/PartnerControls"/>
+    </TrackTaxHTField0>
+    <CampaignTaxHTField0 xmlns="2295e2e7-0eeb-498e-8716-217bb2ee6ee3">
+      <Terms xmlns="http://schemas.microsoft.com/office/infopath/2007/PartnerControls"/>
+    </CampaignTaxHTField0>
+    <Event_x0020_End_x0020_Date xmlns="2295e2e7-0eeb-498e-8716-217bb2ee6ee3">2013-06-28T07:00:00+00:00</Event_x0020_End_x0020_Date>
+    <Event_x0020_Start_x0020_Date xmlns="2295e2e7-0eeb-498e-8716-217bb2ee6ee3">2013-06-26T07:00:00+00:00</Event_x0020_Start_x0020_Date>
+    <MS_x0020_Speaker xmlns="2295e2e7-0eeb-498e-8716-217bb2ee6ee3">
+      <UserInfo>
+        <DisplayName/>
+        <AccountId xsi:nil="true"/>
+        <AccountType/>
+      </UserInfo>
+    </MS_x0020_Speaker>
+    <External_x0020_Speaker xmlns="2295e2e7-0eeb-498e-8716-217bb2ee6ee3" xsi:nil="true"/>
+    <Session_x0020_Code xmlns="2295e2e7-0eeb-498e-8716-217bb2ee6ee3" xsi:nil="true"/>
+    <ProductTaxHTField0 xmlns="2295e2e7-0eeb-498e-8716-217bb2ee6ee3">
+      <Terms xmlns="http://schemas.microsoft.com/office/infopath/2007/PartnerControls"/>
+    </ProductTaxHTField0>
+    <Presentation_x0020_Date xmlns="2295e2e7-0eeb-498e-8716-217bb2ee6ee3">2013-06-26T00:00:00-07:00</Presentation_x0020_Date>
+    <Event_x0020_LocationTaxHTField0 xmlns="2295e2e7-0eeb-498e-8716-217bb2ee6ee3">
+      <Terms xmlns="http://schemas.microsoft.com/office/infopath/2007/PartnerControls">
+        <TermInfo xmlns="http://schemas.microsoft.com/office/infopath/2007/PartnerControls">
+          <TermName xmlns="http://schemas.microsoft.com/office/infopath/2007/PartnerControls">San Francisco</TermName>
+          <TermId xmlns="http://schemas.microsoft.com/office/infopath/2007/PartnerControls">84dfcb53-432b-499d-8965-93d483d36b4a</TermId>
+        </TermInfo>
+      </Terms>
+    </Event_x0020_LocationTaxHTField0>
+    <Event1TaxHTField0 xmlns="2295e2e7-0eeb-498e-8716-217bb2ee6ee3">
+      <Terms xmlns="http://schemas.microsoft.com/office/infopath/2007/PartnerControls">
+        <TermInfo xmlns="http://schemas.microsoft.com/office/infopath/2007/PartnerControls">
+          <TermName xmlns="http://schemas.microsoft.com/office/infopath/2007/PartnerControls">BUILD</TermName>
+          <TermId xmlns="http://schemas.microsoft.com/office/infopath/2007/PartnerControls">58542b36-5bf5-46a6-a53f-a41fb7a73785</TermId>
+        </TermInfo>
+      </Terms>
+    </Event1TaxHTField0>
+    <MS_x0020_Content_x0020_Owner xmlns="2295e2e7-0eeb-498e-8716-217bb2ee6ee3">
+      <UserInfo>
+        <DisplayName/>
+        <AccountId xsi:nil="true"/>
+        <AccountType/>
+      </UserInfo>
+    </MS_x0020_Content_x0020_Owner>
+    <Event_x0020_VenueTaxHTField0 xmlns="2295e2e7-0eeb-498e-8716-217bb2ee6ee3">
+      <Terms xmlns="http://schemas.microsoft.com/office/infopath/2007/PartnerControls"/>
+    </Event_x0020_VenueTaxHTField0>
+    <TaxCatchAll xmlns="230e9df3-be65-4c73-a93b-d1236ebd677e">
+      <Value>497</Value>
+      <Value>605</Value>
+    </TaxCatchAll>
+    <AudienceTaxHTField0 xmlns="8b529f77-48ab-4581-b468-93f09345b8aa">
+      <Terms xmlns="http://schemas.microsoft.com/office/infopath/2007/PartnerControls"/>
+    </AudienceTaxHTField0>
+  </documentManagement>
+</p:properties>
+</file>
+
 <file path=customXml/item3.xml><?xml version="1.0" encoding="utf-8"?>
 <?mso-contentType ?>
 <FormTemplates xmlns="http://schemas.microsoft.com/sharepoint/v3/contenttype/forms">
@@ -12896,24 +12576,6 @@
 </file>
 
 <file path=customXml/itemProps1.xml><?xml version="1.0" encoding="utf-8"?>
-<ds:datastoreItem xmlns:ds="http://schemas.openxmlformats.org/officeDocument/2006/customXml" ds:itemID="{F990F116-B58F-4255-B05B-DA3808E0E5C6}">
-  <ds:schemaRefs>
-    <ds:schemaRef ds:uri="2295e2e7-0eeb-498e-8716-217bb2ee6ee3"/>
-    <ds:schemaRef ds:uri="http://purl.org/dc/elements/1.1/"/>
-    <ds:schemaRef ds:uri="http://schemas.microsoft.com/office/infopath/2007/PartnerControls"/>
-    <ds:schemaRef ds:uri="http://schemas.microsoft.com/office/2006/metadata/properties"/>
-    <ds:schemaRef ds:uri="http://purl.org/dc/terms/"/>
-    <ds:schemaRef ds:uri="http://schemas.openxmlformats.org/package/2006/metadata/core-properties"/>
-    <ds:schemaRef ds:uri="8b529f77-48ab-4581-b468-93f09345b8aa"/>
-    <ds:schemaRef ds:uri="http://schemas.microsoft.com/office/2006/documentManagement/types"/>
-    <ds:schemaRef ds:uri="230e9df3-be65-4c73-a93b-d1236ebd677e"/>
-    <ds:schemaRef ds:uri="http://www.w3.org/XML/1998/namespace"/>
-    <ds:schemaRef ds:uri="http://purl.org/dc/dcmitype/"/>
-  </ds:schemaRefs>
-</ds:datastoreItem>
-</file>
-
-<file path=customXml/itemProps2.xml><?xml version="1.0" encoding="utf-8"?>
 <ds:datastoreItem xmlns:ds="http://schemas.openxmlformats.org/officeDocument/2006/customXml" ds:itemID="{0B689815-4B65-4FA2-B74B-E9A4DF6AE7AA}">
   <ds:schemaRefs>
     <ds:schemaRef ds:uri="http://schemas.microsoft.com/office/2006/metadata/contentType"/>
@@ -12933,6 +12595,24 @@
 </ds:datastoreItem>
 </file>
 
+<file path=customXml/itemProps2.xml><?xml version="1.0" encoding="utf-8"?>
+<ds:datastoreItem xmlns:ds="http://schemas.openxmlformats.org/officeDocument/2006/customXml" ds:itemID="{F990F116-B58F-4255-B05B-DA3808E0E5C6}">
+  <ds:schemaRefs>
+    <ds:schemaRef ds:uri="2295e2e7-0eeb-498e-8716-217bb2ee6ee3"/>
+    <ds:schemaRef ds:uri="http://purl.org/dc/elements/1.1/"/>
+    <ds:schemaRef ds:uri="http://schemas.microsoft.com/office/infopath/2007/PartnerControls"/>
+    <ds:schemaRef ds:uri="http://schemas.microsoft.com/office/2006/metadata/properties"/>
+    <ds:schemaRef ds:uri="http://purl.org/dc/terms/"/>
+    <ds:schemaRef ds:uri="http://schemas.openxmlformats.org/package/2006/metadata/core-properties"/>
+    <ds:schemaRef ds:uri="8b529f77-48ab-4581-b468-93f09345b8aa"/>
+    <ds:schemaRef ds:uri="http://schemas.microsoft.com/office/2006/documentManagement/types"/>
+    <ds:schemaRef ds:uri="230e9df3-be65-4c73-a93b-d1236ebd677e"/>
+    <ds:schemaRef ds:uri="http://www.w3.org/XML/1998/namespace"/>
+    <ds:schemaRef ds:uri="http://purl.org/dc/dcmitype/"/>
+  </ds:schemaRefs>
+</ds:datastoreItem>
+</file>
+
 <file path=customXml/itemProps3.xml><?xml version="1.0" encoding="utf-8"?>
 <ds:datastoreItem xmlns:ds="http://schemas.openxmlformats.org/officeDocument/2006/customXml" ds:itemID="{758FDAC0-319D-4A54-8D8E-1D42CB1F8004}">
   <ds:schemaRefs>

--- a/Submission2/Topic-2.pptx
+++ b/Submission2/Topic-2.pptx
@@ -5809,8 +5809,8 @@
           </a:p>
         </p:txBody>
       </p:sp>
-      <mc:AlternateContent xmlns:mc="http://schemas.openxmlformats.org/markup-compatibility/2006">
-        <mc:Choice xmlns:a14="http://schemas.microsoft.com/office/drawing/2010/main" Requires="a14">
+      <mc:AlternateContent xmlns:mc="http://schemas.openxmlformats.org/markup-compatibility/2006" xmlns:a14="http://schemas.microsoft.com/office/drawing/2010/main">
+        <mc:Choice Requires="a14">
           <p:sp>
             <p:nvSpPr>
               <p:cNvPr id="6" name="Inhaltsplatzhalter 5">
@@ -6167,7 +6167,7 @@
             </p:txBody>
           </p:sp>
         </mc:Choice>
-        <mc:Fallback>
+        <mc:Fallback xmlns="">
           <p:sp>
             <p:nvSpPr>
               <p:cNvPr id="6" name="Inhaltsplatzhalter 5">
@@ -7202,7 +7202,27 @@
                         <a:latin typeface="Cambria Math" panose="02040503050406030204" pitchFamily="18" charset="0"/>
                         <a:cs typeface="Segoe UI"/>
                       </a:rPr>
-                      <m:t>∗0.005,0)</m:t>
+                      <m:t>∗0.05,</m:t>
+                    </m:r>
+                    <m:r>
+                      <a:rPr lang="de-DE" sz="2800" b="0" i="1" smtClean="0">
+                        <a:solidFill>
+                          <a:srgbClr val="000000"/>
+                        </a:solidFill>
+                        <a:latin typeface="Cambria Math" panose="02040503050406030204" pitchFamily="18" charset="0"/>
+                        <a:cs typeface="Segoe UI"/>
+                      </a:rPr>
+                      <m:t> </m:t>
+                    </m:r>
+                    <m:r>
+                      <a:rPr lang="de-DE" sz="2800" b="0" i="1" smtClean="0">
+                        <a:solidFill>
+                          <a:srgbClr val="000000"/>
+                        </a:solidFill>
+                        <a:latin typeface="Cambria Math" panose="02040503050406030204" pitchFamily="18" charset="0"/>
+                        <a:cs typeface="Segoe UI"/>
+                      </a:rPr>
+                      <m:t>0)</m:t>
                     </m:r>
                   </m:oMath>
                 </a14:m>
@@ -7405,8 +7425,8 @@
           </a:p>
         </p:txBody>
       </p:sp>
-      <mc:AlternateContent xmlns:mc="http://schemas.openxmlformats.org/markup-compatibility/2006">
-        <mc:Choice xmlns:a14="http://schemas.microsoft.com/office/drawing/2010/main" Requires="a14">
+      <mc:AlternateContent xmlns:mc="http://schemas.openxmlformats.org/markup-compatibility/2006" xmlns:a14="http://schemas.microsoft.com/office/drawing/2010/main">
+        <mc:Choice Requires="a14">
           <p:sp>
             <p:nvSpPr>
               <p:cNvPr id="6" name="Inhaltsplatzhalter 5">
@@ -7532,7 +7552,7 @@
             </p:txBody>
           </p:sp>
         </mc:Choice>
-        <mc:Fallback>
+        <mc:Fallback xmlns="">
           <p:sp>
             <p:nvSpPr>
               <p:cNvPr id="6" name="Inhaltsplatzhalter 5">
@@ -10865,7 +10885,7 @@
 </file>
 
 <file path=ppt/slides/slide7.xml><?xml version="1.0" encoding="utf-8"?>
-<p:sld xmlns:a="http://schemas.openxmlformats.org/drawingml/2006/main" xmlns:r="http://schemas.openxmlformats.org/officeDocument/2006/relationships" xmlns:p="http://schemas.openxmlformats.org/presentationml/2006/main" show="0">
+<p:sld xmlns:a="http://schemas.openxmlformats.org/drawingml/2006/main" xmlns:r="http://schemas.openxmlformats.org/officeDocument/2006/relationships" xmlns:p="http://schemas.openxmlformats.org/presentationml/2006/main">
   <p:cSld>
     <p:spTree>
       <p:nvGrpSpPr>
@@ -12222,6 +12242,76 @@
 </file>
 
 <file path=customXml/item1.xml><?xml version="1.0" encoding="utf-8"?>
+<?mso-contentType ?>
+<FormTemplates xmlns="http://schemas.microsoft.com/sharepoint/v3/contenttype/forms">
+  <Display>DocumentLibraryForm</Display>
+  <Edit>DocumentLibraryForm</Edit>
+  <New>DocumentLibraryForm</New>
+</FormTemplates>
+</file>
+
+<file path=customXml/item2.xml><?xml version="1.0" encoding="utf-8"?>
+<p:properties xmlns:p="http://schemas.microsoft.com/office/2006/metadata/properties" xmlns:xsi="http://www.w3.org/2001/XMLSchema-instance" xmlns:pc="http://schemas.microsoft.com/office/infopath/2007/PartnerControls">
+  <documentManagement>
+    <TrackTaxHTField0 xmlns="2295e2e7-0eeb-498e-8716-217bb2ee6ee3">
+      <Terms xmlns="http://schemas.microsoft.com/office/infopath/2007/PartnerControls"/>
+    </TrackTaxHTField0>
+    <CampaignTaxHTField0 xmlns="2295e2e7-0eeb-498e-8716-217bb2ee6ee3">
+      <Terms xmlns="http://schemas.microsoft.com/office/infopath/2007/PartnerControls"/>
+    </CampaignTaxHTField0>
+    <Event_x0020_End_x0020_Date xmlns="2295e2e7-0eeb-498e-8716-217bb2ee6ee3">2013-06-28T07:00:00+00:00</Event_x0020_End_x0020_Date>
+    <Event_x0020_Start_x0020_Date xmlns="2295e2e7-0eeb-498e-8716-217bb2ee6ee3">2013-06-26T07:00:00+00:00</Event_x0020_Start_x0020_Date>
+    <MS_x0020_Speaker xmlns="2295e2e7-0eeb-498e-8716-217bb2ee6ee3">
+      <UserInfo>
+        <DisplayName/>
+        <AccountId xsi:nil="true"/>
+        <AccountType/>
+      </UserInfo>
+    </MS_x0020_Speaker>
+    <External_x0020_Speaker xmlns="2295e2e7-0eeb-498e-8716-217bb2ee6ee3" xsi:nil="true"/>
+    <Session_x0020_Code xmlns="2295e2e7-0eeb-498e-8716-217bb2ee6ee3" xsi:nil="true"/>
+    <ProductTaxHTField0 xmlns="2295e2e7-0eeb-498e-8716-217bb2ee6ee3">
+      <Terms xmlns="http://schemas.microsoft.com/office/infopath/2007/PartnerControls"/>
+    </ProductTaxHTField0>
+    <Presentation_x0020_Date xmlns="2295e2e7-0eeb-498e-8716-217bb2ee6ee3">2013-06-26T00:00:00-07:00</Presentation_x0020_Date>
+    <Event_x0020_LocationTaxHTField0 xmlns="2295e2e7-0eeb-498e-8716-217bb2ee6ee3">
+      <Terms xmlns="http://schemas.microsoft.com/office/infopath/2007/PartnerControls">
+        <TermInfo xmlns="http://schemas.microsoft.com/office/infopath/2007/PartnerControls">
+          <TermName xmlns="http://schemas.microsoft.com/office/infopath/2007/PartnerControls">San Francisco</TermName>
+          <TermId xmlns="http://schemas.microsoft.com/office/infopath/2007/PartnerControls">84dfcb53-432b-499d-8965-93d483d36b4a</TermId>
+        </TermInfo>
+      </Terms>
+    </Event_x0020_LocationTaxHTField0>
+    <Event1TaxHTField0 xmlns="2295e2e7-0eeb-498e-8716-217bb2ee6ee3">
+      <Terms xmlns="http://schemas.microsoft.com/office/infopath/2007/PartnerControls">
+        <TermInfo xmlns="http://schemas.microsoft.com/office/infopath/2007/PartnerControls">
+          <TermName xmlns="http://schemas.microsoft.com/office/infopath/2007/PartnerControls">BUILD</TermName>
+          <TermId xmlns="http://schemas.microsoft.com/office/infopath/2007/PartnerControls">58542b36-5bf5-46a6-a53f-a41fb7a73785</TermId>
+        </TermInfo>
+      </Terms>
+    </Event1TaxHTField0>
+    <MS_x0020_Content_x0020_Owner xmlns="2295e2e7-0eeb-498e-8716-217bb2ee6ee3">
+      <UserInfo>
+        <DisplayName/>
+        <AccountId xsi:nil="true"/>
+        <AccountType/>
+      </UserInfo>
+    </MS_x0020_Content_x0020_Owner>
+    <Event_x0020_VenueTaxHTField0 xmlns="2295e2e7-0eeb-498e-8716-217bb2ee6ee3">
+      <Terms xmlns="http://schemas.microsoft.com/office/infopath/2007/PartnerControls"/>
+    </Event_x0020_VenueTaxHTField0>
+    <TaxCatchAll xmlns="230e9df3-be65-4c73-a93b-d1236ebd677e">
+      <Value>497</Value>
+      <Value>605</Value>
+    </TaxCatchAll>
+    <AudienceTaxHTField0 xmlns="8b529f77-48ab-4581-b468-93f09345b8aa">
+      <Terms xmlns="http://schemas.microsoft.com/office/infopath/2007/PartnerControls"/>
+    </AudienceTaxHTField0>
+  </documentManagement>
+</p:properties>
+</file>
+
+<file path=customXml/item3.xml><?xml version="1.0" encoding="utf-8"?>
 <ct:contentTypeSchema xmlns:ct="http://schemas.microsoft.com/office/2006/metadata/contentType" xmlns:ma="http://schemas.microsoft.com/office/2006/metadata/properties/metaAttributes" ct:_="" ma:_="" ma:contentTypeName="PresentationsDoc" ma:contentTypeID="0x010100B88FC3ECA26D1C46B3C4C83281D2EB9C003BBE479AF4108146A616B6B5E7069DBC" ma:contentTypeVersion="61" ma:contentTypeDescription="" ma:contentTypeScope="" ma:versionID="89fe5faf2f25a24617a4f509b32cc989">
   <xsd:schema xmlns:xsd="http://www.w3.org/2001/XMLSchema" xmlns:xs="http://www.w3.org/2001/XMLSchema" xmlns:p="http://schemas.microsoft.com/office/2006/metadata/properties" xmlns:ns2="2295e2e7-0eeb-498e-8716-217bb2ee6ee3" xmlns:ns3="230e9df3-be65-4c73-a93b-d1236ebd677e" xmlns:ns4="8b529f77-48ab-4581-b468-93f09345b8aa" targetNamespace="http://schemas.microsoft.com/office/2006/metadata/properties" ma:root="true" ma:fieldsID="dfcb5511298a0ed35e170e5fd997f4f9" ns2:_="" ns3:_="" ns4:_="">
     <xsd:import namespace="2295e2e7-0eeb-498e-8716-217bb2ee6ee3"/>
@@ -12505,92 +12595,10 @@
 </ct:contentTypeSchema>
 </file>
 
-<file path=customXml/item2.xml><?xml version="1.0" encoding="utf-8"?>
-<p:properties xmlns:p="http://schemas.microsoft.com/office/2006/metadata/properties" xmlns:xsi="http://www.w3.org/2001/XMLSchema-instance" xmlns:pc="http://schemas.microsoft.com/office/infopath/2007/PartnerControls">
-  <documentManagement>
-    <TrackTaxHTField0 xmlns="2295e2e7-0eeb-498e-8716-217bb2ee6ee3">
-      <Terms xmlns="http://schemas.microsoft.com/office/infopath/2007/PartnerControls"/>
-    </TrackTaxHTField0>
-    <CampaignTaxHTField0 xmlns="2295e2e7-0eeb-498e-8716-217bb2ee6ee3">
-      <Terms xmlns="http://schemas.microsoft.com/office/infopath/2007/PartnerControls"/>
-    </CampaignTaxHTField0>
-    <Event_x0020_End_x0020_Date xmlns="2295e2e7-0eeb-498e-8716-217bb2ee6ee3">2013-06-28T07:00:00+00:00</Event_x0020_End_x0020_Date>
-    <Event_x0020_Start_x0020_Date xmlns="2295e2e7-0eeb-498e-8716-217bb2ee6ee3">2013-06-26T07:00:00+00:00</Event_x0020_Start_x0020_Date>
-    <MS_x0020_Speaker xmlns="2295e2e7-0eeb-498e-8716-217bb2ee6ee3">
-      <UserInfo>
-        <DisplayName/>
-        <AccountId xsi:nil="true"/>
-        <AccountType/>
-      </UserInfo>
-    </MS_x0020_Speaker>
-    <External_x0020_Speaker xmlns="2295e2e7-0eeb-498e-8716-217bb2ee6ee3" xsi:nil="true"/>
-    <Session_x0020_Code xmlns="2295e2e7-0eeb-498e-8716-217bb2ee6ee3" xsi:nil="true"/>
-    <ProductTaxHTField0 xmlns="2295e2e7-0eeb-498e-8716-217bb2ee6ee3">
-      <Terms xmlns="http://schemas.microsoft.com/office/infopath/2007/PartnerControls"/>
-    </ProductTaxHTField0>
-    <Presentation_x0020_Date xmlns="2295e2e7-0eeb-498e-8716-217bb2ee6ee3">2013-06-26T00:00:00-07:00</Presentation_x0020_Date>
-    <Event_x0020_LocationTaxHTField0 xmlns="2295e2e7-0eeb-498e-8716-217bb2ee6ee3">
-      <Terms xmlns="http://schemas.microsoft.com/office/infopath/2007/PartnerControls">
-        <TermInfo xmlns="http://schemas.microsoft.com/office/infopath/2007/PartnerControls">
-          <TermName xmlns="http://schemas.microsoft.com/office/infopath/2007/PartnerControls">San Francisco</TermName>
-          <TermId xmlns="http://schemas.microsoft.com/office/infopath/2007/PartnerControls">84dfcb53-432b-499d-8965-93d483d36b4a</TermId>
-        </TermInfo>
-      </Terms>
-    </Event_x0020_LocationTaxHTField0>
-    <Event1TaxHTField0 xmlns="2295e2e7-0eeb-498e-8716-217bb2ee6ee3">
-      <Terms xmlns="http://schemas.microsoft.com/office/infopath/2007/PartnerControls">
-        <TermInfo xmlns="http://schemas.microsoft.com/office/infopath/2007/PartnerControls">
-          <TermName xmlns="http://schemas.microsoft.com/office/infopath/2007/PartnerControls">BUILD</TermName>
-          <TermId xmlns="http://schemas.microsoft.com/office/infopath/2007/PartnerControls">58542b36-5bf5-46a6-a53f-a41fb7a73785</TermId>
-        </TermInfo>
-      </Terms>
-    </Event1TaxHTField0>
-    <MS_x0020_Content_x0020_Owner xmlns="2295e2e7-0eeb-498e-8716-217bb2ee6ee3">
-      <UserInfo>
-        <DisplayName/>
-        <AccountId xsi:nil="true"/>
-        <AccountType/>
-      </UserInfo>
-    </MS_x0020_Content_x0020_Owner>
-    <Event_x0020_VenueTaxHTField0 xmlns="2295e2e7-0eeb-498e-8716-217bb2ee6ee3">
-      <Terms xmlns="http://schemas.microsoft.com/office/infopath/2007/PartnerControls"/>
-    </Event_x0020_VenueTaxHTField0>
-    <TaxCatchAll xmlns="230e9df3-be65-4c73-a93b-d1236ebd677e">
-      <Value>497</Value>
-      <Value>605</Value>
-    </TaxCatchAll>
-    <AudienceTaxHTField0 xmlns="8b529f77-48ab-4581-b468-93f09345b8aa">
-      <Terms xmlns="http://schemas.microsoft.com/office/infopath/2007/PartnerControls"/>
-    </AudienceTaxHTField0>
-  </documentManagement>
-</p:properties>
-</file>
-
-<file path=customXml/item3.xml><?xml version="1.0" encoding="utf-8"?>
-<?mso-contentType ?>
-<FormTemplates xmlns="http://schemas.microsoft.com/sharepoint/v3/contenttype/forms">
-  <Display>DocumentLibraryForm</Display>
-  <Edit>DocumentLibraryForm</Edit>
-  <New>DocumentLibraryForm</New>
-</FormTemplates>
-</file>
-
 <file path=customXml/itemProps1.xml><?xml version="1.0" encoding="utf-8"?>
-<ds:datastoreItem xmlns:ds="http://schemas.openxmlformats.org/officeDocument/2006/customXml" ds:itemID="{0B689815-4B65-4FA2-B74B-E9A4DF6AE7AA}">
+<ds:datastoreItem xmlns:ds="http://schemas.openxmlformats.org/officeDocument/2006/customXml" ds:itemID="{758FDAC0-319D-4A54-8D8E-1D42CB1F8004}">
   <ds:schemaRefs>
-    <ds:schemaRef ds:uri="http://schemas.microsoft.com/office/2006/metadata/contentType"/>
-    <ds:schemaRef ds:uri="http://schemas.microsoft.com/office/2006/metadata/properties/metaAttributes"/>
-    <ds:schemaRef ds:uri="http://www.w3.org/2001/XMLSchema"/>
-    <ds:schemaRef ds:uri="http://schemas.microsoft.com/office/2006/metadata/properties"/>
-    <ds:schemaRef ds:uri="2295e2e7-0eeb-498e-8716-217bb2ee6ee3"/>
-    <ds:schemaRef ds:uri="230e9df3-be65-4c73-a93b-d1236ebd677e"/>
-    <ds:schemaRef ds:uri="8b529f77-48ab-4581-b468-93f09345b8aa"/>
-    <ds:schemaRef ds:uri="http://schemas.microsoft.com/office/2006/documentManagement/types"/>
-    <ds:schemaRef ds:uri="http://schemas.microsoft.com/office/infopath/2007/PartnerControls"/>
-    <ds:schemaRef ds:uri="http://schemas.openxmlformats.org/package/2006/metadata/core-properties"/>
-    <ds:schemaRef ds:uri="http://purl.org/dc/elements/1.1/"/>
-    <ds:schemaRef ds:uri="http://purl.org/dc/terms/"/>
-    <ds:schemaRef ds:uri="http://schemas.microsoft.com/internal/obd"/>
+    <ds:schemaRef ds:uri="http://schemas.microsoft.com/sharepoint/v3/contenttype/forms"/>
   </ds:schemaRefs>
 </ds:datastoreItem>
 </file>
@@ -12614,9 +12622,21 @@
 </file>
 
 <file path=customXml/itemProps3.xml><?xml version="1.0" encoding="utf-8"?>
-<ds:datastoreItem xmlns:ds="http://schemas.openxmlformats.org/officeDocument/2006/customXml" ds:itemID="{758FDAC0-319D-4A54-8D8E-1D42CB1F8004}">
+<ds:datastoreItem xmlns:ds="http://schemas.openxmlformats.org/officeDocument/2006/customXml" ds:itemID="{0B689815-4B65-4FA2-B74B-E9A4DF6AE7AA}">
   <ds:schemaRefs>
-    <ds:schemaRef ds:uri="http://schemas.microsoft.com/sharepoint/v3/contenttype/forms"/>
+    <ds:schemaRef ds:uri="http://schemas.microsoft.com/office/2006/metadata/contentType"/>
+    <ds:schemaRef ds:uri="http://schemas.microsoft.com/office/2006/metadata/properties/metaAttributes"/>
+    <ds:schemaRef ds:uri="http://www.w3.org/2001/XMLSchema"/>
+    <ds:schemaRef ds:uri="http://schemas.microsoft.com/office/2006/metadata/properties"/>
+    <ds:schemaRef ds:uri="2295e2e7-0eeb-498e-8716-217bb2ee6ee3"/>
+    <ds:schemaRef ds:uri="230e9df3-be65-4c73-a93b-d1236ebd677e"/>
+    <ds:schemaRef ds:uri="8b529f77-48ab-4581-b468-93f09345b8aa"/>
+    <ds:schemaRef ds:uri="http://schemas.microsoft.com/office/2006/documentManagement/types"/>
+    <ds:schemaRef ds:uri="http://schemas.microsoft.com/office/infopath/2007/PartnerControls"/>
+    <ds:schemaRef ds:uri="http://schemas.openxmlformats.org/package/2006/metadata/core-properties"/>
+    <ds:schemaRef ds:uri="http://purl.org/dc/elements/1.1/"/>
+    <ds:schemaRef ds:uri="http://purl.org/dc/terms/"/>
+    <ds:schemaRef ds:uri="http://schemas.microsoft.com/internal/obd"/>
   </ds:schemaRefs>
 </ds:datastoreItem>
 </file>